--- a/Presentations/Single Responsibility Redux.pptx
+++ b/Presentations/Single Responsibility Redux.pptx
@@ -5,7 +5,7 @@
     <p:sldMasterId id="2147483648" r:id="rId1"/>
   </p:sldMasterIdLst>
   <p:notesMasterIdLst>
-    <p:notesMasterId r:id="rId12"/>
+    <p:notesMasterId r:id="rId13"/>
   </p:notesMasterIdLst>
   <p:sldIdLst>
     <p:sldId id="256" r:id="rId2"/>
@@ -18,6 +18,7 @@
     <p:sldId id="284" r:id="rId9"/>
     <p:sldId id="279" r:id="rId10"/>
     <p:sldId id="285" r:id="rId11"/>
+    <p:sldId id="286" r:id="rId12"/>
   </p:sldIdLst>
   <p:sldSz cx="12192000" cy="6858000"/>
   <p:notesSz cx="6858000" cy="9144000"/>
@@ -124,6 +125,4736 @@
 </p:presentation>
 </file>
 
+<file path=ppt/diagrams/colors1.xml><?xml version="1.0" encoding="utf-8"?>
+<dgm:colorsDef xmlns:dgm="http://schemas.openxmlformats.org/drawingml/2006/diagram" xmlns:a="http://schemas.openxmlformats.org/drawingml/2006/main" uniqueId="urn:microsoft.com/office/officeart/2005/8/colors/accent1_2">
+  <dgm:title val=""/>
+  <dgm:desc val=""/>
+  <dgm:catLst>
+    <dgm:cat type="accent1" pri="11200"/>
+  </dgm:catLst>
+  <dgm:styleLbl name="node0">
+    <dgm:fillClrLst meth="repeat">
+      <a:schemeClr val="accent1"/>
+    </dgm:fillClrLst>
+    <dgm:linClrLst meth="repeat">
+      <a:schemeClr val="lt1"/>
+    </dgm:linClrLst>
+    <dgm:effectClrLst/>
+    <dgm:txLinClrLst/>
+    <dgm:txFillClrLst/>
+    <dgm:txEffectClrLst/>
+  </dgm:styleLbl>
+  <dgm:styleLbl name="alignNode1">
+    <dgm:fillClrLst meth="repeat">
+      <a:schemeClr val="accent1"/>
+    </dgm:fillClrLst>
+    <dgm:linClrLst meth="repeat">
+      <a:schemeClr val="accent1"/>
+    </dgm:linClrLst>
+    <dgm:effectClrLst/>
+    <dgm:txLinClrLst/>
+    <dgm:txFillClrLst/>
+    <dgm:txEffectClrLst/>
+  </dgm:styleLbl>
+  <dgm:styleLbl name="node1">
+    <dgm:fillClrLst meth="repeat">
+      <a:schemeClr val="accent1"/>
+    </dgm:fillClrLst>
+    <dgm:linClrLst meth="repeat">
+      <a:schemeClr val="lt1"/>
+    </dgm:linClrLst>
+    <dgm:effectClrLst/>
+    <dgm:txLinClrLst/>
+    <dgm:txFillClrLst/>
+    <dgm:txEffectClrLst/>
+  </dgm:styleLbl>
+  <dgm:styleLbl name="lnNode1">
+    <dgm:fillClrLst meth="repeat">
+      <a:schemeClr val="accent1"/>
+    </dgm:fillClrLst>
+    <dgm:linClrLst meth="repeat">
+      <a:schemeClr val="lt1"/>
+    </dgm:linClrLst>
+    <dgm:effectClrLst/>
+    <dgm:txLinClrLst/>
+    <dgm:txFillClrLst/>
+    <dgm:txEffectClrLst/>
+  </dgm:styleLbl>
+  <dgm:styleLbl name="vennNode1">
+    <dgm:fillClrLst meth="repeat">
+      <a:schemeClr val="accent1">
+        <a:alpha val="50000"/>
+      </a:schemeClr>
+    </dgm:fillClrLst>
+    <dgm:linClrLst meth="repeat">
+      <a:schemeClr val="lt1"/>
+    </dgm:linClrLst>
+    <dgm:effectClrLst/>
+    <dgm:txLinClrLst/>
+    <dgm:txFillClrLst/>
+    <dgm:txEffectClrLst/>
+  </dgm:styleLbl>
+  <dgm:styleLbl name="node2">
+    <dgm:fillClrLst meth="repeat">
+      <a:schemeClr val="accent1"/>
+    </dgm:fillClrLst>
+    <dgm:linClrLst meth="repeat">
+      <a:schemeClr val="lt1"/>
+    </dgm:linClrLst>
+    <dgm:effectClrLst/>
+    <dgm:txLinClrLst/>
+    <dgm:txFillClrLst/>
+    <dgm:txEffectClrLst/>
+  </dgm:styleLbl>
+  <dgm:styleLbl name="node3">
+    <dgm:fillClrLst meth="repeat">
+      <a:schemeClr val="accent1"/>
+    </dgm:fillClrLst>
+    <dgm:linClrLst meth="repeat">
+      <a:schemeClr val="lt1"/>
+    </dgm:linClrLst>
+    <dgm:effectClrLst/>
+    <dgm:txLinClrLst/>
+    <dgm:txFillClrLst/>
+    <dgm:txEffectClrLst/>
+  </dgm:styleLbl>
+  <dgm:styleLbl name="node4">
+    <dgm:fillClrLst meth="repeat">
+      <a:schemeClr val="accent1"/>
+    </dgm:fillClrLst>
+    <dgm:linClrLst meth="repeat">
+      <a:schemeClr val="lt1"/>
+    </dgm:linClrLst>
+    <dgm:effectClrLst/>
+    <dgm:txLinClrLst/>
+    <dgm:txFillClrLst/>
+    <dgm:txEffectClrLst/>
+  </dgm:styleLbl>
+  <dgm:styleLbl name="fgImgPlace1">
+    <dgm:fillClrLst meth="repeat">
+      <a:schemeClr val="accent1">
+        <a:tint val="50000"/>
+      </a:schemeClr>
+    </dgm:fillClrLst>
+    <dgm:linClrLst meth="repeat">
+      <a:schemeClr val="lt1"/>
+    </dgm:linClrLst>
+    <dgm:effectClrLst/>
+    <dgm:txLinClrLst/>
+    <dgm:txFillClrLst meth="repeat">
+      <a:schemeClr val="lt1"/>
+    </dgm:txFillClrLst>
+    <dgm:txEffectClrLst/>
+  </dgm:styleLbl>
+  <dgm:styleLbl name="alignImgPlace1">
+    <dgm:fillClrLst meth="repeat">
+      <a:schemeClr val="accent1">
+        <a:tint val="50000"/>
+      </a:schemeClr>
+    </dgm:fillClrLst>
+    <dgm:linClrLst meth="repeat">
+      <a:schemeClr val="lt1"/>
+    </dgm:linClrLst>
+    <dgm:effectClrLst/>
+    <dgm:txLinClrLst/>
+    <dgm:txFillClrLst meth="repeat">
+      <a:schemeClr val="lt1"/>
+    </dgm:txFillClrLst>
+    <dgm:txEffectClrLst/>
+  </dgm:styleLbl>
+  <dgm:styleLbl name="bgImgPlace1">
+    <dgm:fillClrLst meth="repeat">
+      <a:schemeClr val="accent1">
+        <a:tint val="50000"/>
+      </a:schemeClr>
+    </dgm:fillClrLst>
+    <dgm:linClrLst meth="repeat">
+      <a:schemeClr val="lt1"/>
+    </dgm:linClrLst>
+    <dgm:effectClrLst/>
+    <dgm:txLinClrLst/>
+    <dgm:txFillClrLst meth="repeat">
+      <a:schemeClr val="lt1"/>
+    </dgm:txFillClrLst>
+    <dgm:txEffectClrLst/>
+  </dgm:styleLbl>
+  <dgm:styleLbl name="sibTrans2D1">
+    <dgm:fillClrLst meth="repeat">
+      <a:schemeClr val="accent1">
+        <a:tint val="60000"/>
+      </a:schemeClr>
+    </dgm:fillClrLst>
+    <dgm:linClrLst meth="repeat">
+      <a:schemeClr val="accent1">
+        <a:tint val="60000"/>
+      </a:schemeClr>
+    </dgm:linClrLst>
+    <dgm:effectClrLst/>
+    <dgm:txLinClrLst/>
+    <dgm:txFillClrLst/>
+    <dgm:txEffectClrLst/>
+  </dgm:styleLbl>
+  <dgm:styleLbl name="fgSibTrans2D1">
+    <dgm:fillClrLst meth="repeat">
+      <a:schemeClr val="accent1">
+        <a:tint val="60000"/>
+      </a:schemeClr>
+    </dgm:fillClrLst>
+    <dgm:linClrLst meth="repeat">
+      <a:schemeClr val="accent1">
+        <a:tint val="60000"/>
+      </a:schemeClr>
+    </dgm:linClrLst>
+    <dgm:effectClrLst/>
+    <dgm:txLinClrLst/>
+    <dgm:txFillClrLst/>
+    <dgm:txEffectClrLst/>
+  </dgm:styleLbl>
+  <dgm:styleLbl name="bgSibTrans2D1">
+    <dgm:fillClrLst meth="repeat">
+      <a:schemeClr val="accent1">
+        <a:tint val="60000"/>
+      </a:schemeClr>
+    </dgm:fillClrLst>
+    <dgm:linClrLst meth="repeat">
+      <a:schemeClr val="accent1">
+        <a:tint val="60000"/>
+      </a:schemeClr>
+    </dgm:linClrLst>
+    <dgm:effectClrLst/>
+    <dgm:txLinClrLst/>
+    <dgm:txFillClrLst/>
+    <dgm:txEffectClrLst/>
+  </dgm:styleLbl>
+  <dgm:styleLbl name="sibTrans1D1">
+    <dgm:fillClrLst meth="repeat">
+      <a:schemeClr val="accent1"/>
+    </dgm:fillClrLst>
+    <dgm:linClrLst meth="repeat">
+      <a:schemeClr val="accent1"/>
+    </dgm:linClrLst>
+    <dgm:effectClrLst/>
+    <dgm:txLinClrLst/>
+    <dgm:txFillClrLst meth="repeat">
+      <a:schemeClr val="tx1"/>
+    </dgm:txFillClrLst>
+    <dgm:txEffectClrLst/>
+  </dgm:styleLbl>
+  <dgm:styleLbl name="callout">
+    <dgm:fillClrLst meth="repeat">
+      <a:schemeClr val="accent1"/>
+    </dgm:fillClrLst>
+    <dgm:linClrLst meth="repeat">
+      <a:schemeClr val="accent1">
+        <a:tint val="50000"/>
+      </a:schemeClr>
+    </dgm:linClrLst>
+    <dgm:effectClrLst/>
+    <dgm:txLinClrLst/>
+    <dgm:txFillClrLst meth="repeat">
+      <a:schemeClr val="tx1"/>
+    </dgm:txFillClrLst>
+    <dgm:txEffectClrLst/>
+  </dgm:styleLbl>
+  <dgm:styleLbl name="asst0">
+    <dgm:fillClrLst meth="repeat">
+      <a:schemeClr val="accent1"/>
+    </dgm:fillClrLst>
+    <dgm:linClrLst meth="repeat">
+      <a:schemeClr val="lt1"/>
+    </dgm:linClrLst>
+    <dgm:effectClrLst/>
+    <dgm:txLinClrLst/>
+    <dgm:txFillClrLst/>
+    <dgm:txEffectClrLst/>
+  </dgm:styleLbl>
+  <dgm:styleLbl name="asst1">
+    <dgm:fillClrLst meth="repeat">
+      <a:schemeClr val="accent1"/>
+    </dgm:fillClrLst>
+    <dgm:linClrLst meth="repeat">
+      <a:schemeClr val="lt1"/>
+    </dgm:linClrLst>
+    <dgm:effectClrLst/>
+    <dgm:txLinClrLst/>
+    <dgm:txFillClrLst/>
+    <dgm:txEffectClrLst/>
+  </dgm:styleLbl>
+  <dgm:styleLbl name="asst2">
+    <dgm:fillClrLst meth="repeat">
+      <a:schemeClr val="accent1"/>
+    </dgm:fillClrLst>
+    <dgm:linClrLst meth="repeat">
+      <a:schemeClr val="lt1"/>
+    </dgm:linClrLst>
+    <dgm:effectClrLst/>
+    <dgm:txLinClrLst/>
+    <dgm:txFillClrLst/>
+    <dgm:txEffectClrLst/>
+  </dgm:styleLbl>
+  <dgm:styleLbl name="asst3">
+    <dgm:fillClrLst meth="repeat">
+      <a:schemeClr val="accent1"/>
+    </dgm:fillClrLst>
+    <dgm:linClrLst meth="repeat">
+      <a:schemeClr val="lt1"/>
+    </dgm:linClrLst>
+    <dgm:effectClrLst/>
+    <dgm:txLinClrLst/>
+    <dgm:txFillClrLst/>
+    <dgm:txEffectClrLst/>
+  </dgm:styleLbl>
+  <dgm:styleLbl name="asst4">
+    <dgm:fillClrLst meth="repeat">
+      <a:schemeClr val="accent1"/>
+    </dgm:fillClrLst>
+    <dgm:linClrLst meth="repeat">
+      <a:schemeClr val="lt1"/>
+    </dgm:linClrLst>
+    <dgm:effectClrLst/>
+    <dgm:txLinClrLst/>
+    <dgm:txFillClrLst/>
+    <dgm:txEffectClrLst/>
+  </dgm:styleLbl>
+  <dgm:styleLbl name="parChTrans2D1">
+    <dgm:fillClrLst meth="repeat">
+      <a:schemeClr val="accent1">
+        <a:tint val="60000"/>
+      </a:schemeClr>
+    </dgm:fillClrLst>
+    <dgm:linClrLst meth="repeat">
+      <a:schemeClr val="accent1">
+        <a:tint val="60000"/>
+      </a:schemeClr>
+    </dgm:linClrLst>
+    <dgm:effectClrLst/>
+    <dgm:txLinClrLst/>
+    <dgm:txFillClrLst meth="repeat">
+      <a:schemeClr val="lt1"/>
+    </dgm:txFillClrLst>
+    <dgm:txEffectClrLst/>
+  </dgm:styleLbl>
+  <dgm:styleLbl name="parChTrans2D2">
+    <dgm:fillClrLst meth="repeat">
+      <a:schemeClr val="accent1"/>
+    </dgm:fillClrLst>
+    <dgm:linClrLst meth="repeat">
+      <a:schemeClr val="accent1"/>
+    </dgm:linClrLst>
+    <dgm:effectClrLst/>
+    <dgm:txLinClrLst/>
+    <dgm:txFillClrLst meth="repeat">
+      <a:schemeClr val="lt1"/>
+    </dgm:txFillClrLst>
+    <dgm:txEffectClrLst/>
+  </dgm:styleLbl>
+  <dgm:styleLbl name="parChTrans2D3">
+    <dgm:fillClrLst meth="repeat">
+      <a:schemeClr val="accent1"/>
+    </dgm:fillClrLst>
+    <dgm:linClrLst meth="repeat">
+      <a:schemeClr val="accent1"/>
+    </dgm:linClrLst>
+    <dgm:effectClrLst/>
+    <dgm:txLinClrLst/>
+    <dgm:txFillClrLst meth="repeat">
+      <a:schemeClr val="lt1"/>
+    </dgm:txFillClrLst>
+    <dgm:txEffectClrLst/>
+  </dgm:styleLbl>
+  <dgm:styleLbl name="parChTrans2D4">
+    <dgm:fillClrLst meth="repeat">
+      <a:schemeClr val="accent1"/>
+    </dgm:fillClrLst>
+    <dgm:linClrLst meth="repeat">
+      <a:schemeClr val="accent1"/>
+    </dgm:linClrLst>
+    <dgm:effectClrLst/>
+    <dgm:txLinClrLst/>
+    <dgm:txFillClrLst meth="repeat">
+      <a:schemeClr val="lt1"/>
+    </dgm:txFillClrLst>
+    <dgm:txEffectClrLst/>
+  </dgm:styleLbl>
+  <dgm:styleLbl name="parChTrans1D1">
+    <dgm:fillClrLst meth="repeat">
+      <a:schemeClr val="accent1"/>
+    </dgm:fillClrLst>
+    <dgm:linClrLst meth="repeat">
+      <a:schemeClr val="accent1">
+        <a:shade val="60000"/>
+      </a:schemeClr>
+    </dgm:linClrLst>
+    <dgm:effectClrLst/>
+    <dgm:txLinClrLst/>
+    <dgm:txFillClrLst meth="repeat">
+      <a:schemeClr val="tx1"/>
+    </dgm:txFillClrLst>
+    <dgm:txEffectClrLst/>
+  </dgm:styleLbl>
+  <dgm:styleLbl name="parChTrans1D2">
+    <dgm:fillClrLst meth="repeat">
+      <a:schemeClr val="accent1"/>
+    </dgm:fillClrLst>
+    <dgm:linClrLst meth="repeat">
+      <a:schemeClr val="accent1">
+        <a:shade val="60000"/>
+      </a:schemeClr>
+    </dgm:linClrLst>
+    <dgm:effectClrLst/>
+    <dgm:txLinClrLst/>
+    <dgm:txFillClrLst meth="repeat">
+      <a:schemeClr val="tx1"/>
+    </dgm:txFillClrLst>
+    <dgm:txEffectClrLst/>
+  </dgm:styleLbl>
+  <dgm:styleLbl name="parChTrans1D3">
+    <dgm:fillClrLst meth="repeat">
+      <a:schemeClr val="accent1"/>
+    </dgm:fillClrLst>
+    <dgm:linClrLst meth="repeat">
+      <a:schemeClr val="accent1">
+        <a:shade val="80000"/>
+      </a:schemeClr>
+    </dgm:linClrLst>
+    <dgm:effectClrLst/>
+    <dgm:txLinClrLst/>
+    <dgm:txFillClrLst meth="repeat">
+      <a:schemeClr val="tx1"/>
+    </dgm:txFillClrLst>
+    <dgm:txEffectClrLst/>
+  </dgm:styleLbl>
+  <dgm:styleLbl name="parChTrans1D4">
+    <dgm:fillClrLst meth="repeat">
+      <a:schemeClr val="accent1"/>
+    </dgm:fillClrLst>
+    <dgm:linClrLst meth="repeat">
+      <a:schemeClr val="accent1">
+        <a:shade val="80000"/>
+      </a:schemeClr>
+    </dgm:linClrLst>
+    <dgm:effectClrLst/>
+    <dgm:txLinClrLst/>
+    <dgm:txFillClrLst meth="repeat">
+      <a:schemeClr val="tx1"/>
+    </dgm:txFillClrLst>
+    <dgm:txEffectClrLst/>
+  </dgm:styleLbl>
+  <dgm:styleLbl name="fgAcc1">
+    <dgm:fillClrLst meth="repeat">
+      <a:schemeClr val="lt1">
+        <a:alpha val="90000"/>
+      </a:schemeClr>
+    </dgm:fillClrLst>
+    <dgm:linClrLst meth="repeat">
+      <a:schemeClr val="accent1"/>
+    </dgm:linClrLst>
+    <dgm:effectClrLst/>
+    <dgm:txLinClrLst/>
+    <dgm:txFillClrLst meth="repeat">
+      <a:schemeClr val="dk1"/>
+    </dgm:txFillClrLst>
+    <dgm:txEffectClrLst/>
+  </dgm:styleLbl>
+  <dgm:styleLbl name="conFgAcc1">
+    <dgm:fillClrLst meth="repeat">
+      <a:schemeClr val="lt1">
+        <a:alpha val="90000"/>
+      </a:schemeClr>
+    </dgm:fillClrLst>
+    <dgm:linClrLst meth="repeat">
+      <a:schemeClr val="accent1"/>
+    </dgm:linClrLst>
+    <dgm:effectClrLst/>
+    <dgm:txLinClrLst/>
+    <dgm:txFillClrLst meth="repeat">
+      <a:schemeClr val="dk1"/>
+    </dgm:txFillClrLst>
+    <dgm:txEffectClrLst/>
+  </dgm:styleLbl>
+  <dgm:styleLbl name="alignAcc1">
+    <dgm:fillClrLst meth="repeat">
+      <a:schemeClr val="lt1">
+        <a:alpha val="90000"/>
+      </a:schemeClr>
+    </dgm:fillClrLst>
+    <dgm:linClrLst meth="repeat">
+      <a:schemeClr val="accent1"/>
+    </dgm:linClrLst>
+    <dgm:effectClrLst/>
+    <dgm:txLinClrLst/>
+    <dgm:txFillClrLst meth="repeat">
+      <a:schemeClr val="dk1"/>
+    </dgm:txFillClrLst>
+    <dgm:txEffectClrLst/>
+  </dgm:styleLbl>
+  <dgm:styleLbl name="trAlignAcc1">
+    <dgm:fillClrLst meth="repeat">
+      <a:schemeClr val="lt1">
+        <a:alpha val="40000"/>
+      </a:schemeClr>
+    </dgm:fillClrLst>
+    <dgm:linClrLst meth="repeat">
+      <a:schemeClr val="accent1"/>
+    </dgm:linClrLst>
+    <dgm:effectClrLst/>
+    <dgm:txLinClrLst/>
+    <dgm:txFillClrLst meth="repeat">
+      <a:schemeClr val="dk1"/>
+    </dgm:txFillClrLst>
+    <dgm:txEffectClrLst/>
+  </dgm:styleLbl>
+  <dgm:styleLbl name="bgAcc1">
+    <dgm:fillClrLst meth="repeat">
+      <a:schemeClr val="lt1">
+        <a:alpha val="90000"/>
+      </a:schemeClr>
+    </dgm:fillClrLst>
+    <dgm:linClrLst meth="repeat">
+      <a:schemeClr val="accent1"/>
+    </dgm:linClrLst>
+    <dgm:effectClrLst/>
+    <dgm:txLinClrLst/>
+    <dgm:txFillClrLst meth="repeat">
+      <a:schemeClr val="dk1"/>
+    </dgm:txFillClrLst>
+    <dgm:txEffectClrLst/>
+  </dgm:styleLbl>
+  <dgm:styleLbl name="solidFgAcc1">
+    <dgm:fillClrLst meth="repeat">
+      <a:schemeClr val="lt1"/>
+    </dgm:fillClrLst>
+    <dgm:linClrLst meth="repeat">
+      <a:schemeClr val="accent1"/>
+    </dgm:linClrLst>
+    <dgm:effectClrLst/>
+    <dgm:txLinClrLst/>
+    <dgm:txFillClrLst meth="repeat">
+      <a:schemeClr val="dk1"/>
+    </dgm:txFillClrLst>
+    <dgm:txEffectClrLst/>
+  </dgm:styleLbl>
+  <dgm:styleLbl name="solidAlignAcc1">
+    <dgm:fillClrLst meth="repeat">
+      <a:schemeClr val="lt1"/>
+    </dgm:fillClrLst>
+    <dgm:linClrLst meth="repeat">
+      <a:schemeClr val="accent1"/>
+    </dgm:linClrLst>
+    <dgm:effectClrLst/>
+    <dgm:txLinClrLst/>
+    <dgm:txFillClrLst meth="repeat">
+      <a:schemeClr val="dk1"/>
+    </dgm:txFillClrLst>
+    <dgm:txEffectClrLst/>
+  </dgm:styleLbl>
+  <dgm:styleLbl name="solidBgAcc1">
+    <dgm:fillClrLst meth="repeat">
+      <a:schemeClr val="lt1"/>
+    </dgm:fillClrLst>
+    <dgm:linClrLst meth="repeat">
+      <a:schemeClr val="accent1"/>
+    </dgm:linClrLst>
+    <dgm:effectClrLst/>
+    <dgm:txLinClrLst/>
+    <dgm:txFillClrLst meth="repeat">
+      <a:schemeClr val="dk1"/>
+    </dgm:txFillClrLst>
+    <dgm:txEffectClrLst/>
+  </dgm:styleLbl>
+  <dgm:styleLbl name="fgAccFollowNode1">
+    <dgm:fillClrLst meth="repeat">
+      <a:schemeClr val="accent1">
+        <a:alpha val="90000"/>
+        <a:tint val="40000"/>
+      </a:schemeClr>
+    </dgm:fillClrLst>
+    <dgm:linClrLst meth="repeat">
+      <a:schemeClr val="accent1">
+        <a:alpha val="90000"/>
+        <a:tint val="40000"/>
+      </a:schemeClr>
+    </dgm:linClrLst>
+    <dgm:effectClrLst/>
+    <dgm:txLinClrLst/>
+    <dgm:txFillClrLst meth="repeat">
+      <a:schemeClr val="dk1"/>
+    </dgm:txFillClrLst>
+    <dgm:txEffectClrLst/>
+  </dgm:styleLbl>
+  <dgm:styleLbl name="alignAccFollowNode1">
+    <dgm:fillClrLst meth="repeat">
+      <a:schemeClr val="accent1">
+        <a:alpha val="90000"/>
+        <a:tint val="40000"/>
+      </a:schemeClr>
+    </dgm:fillClrLst>
+    <dgm:linClrLst meth="repeat">
+      <a:schemeClr val="accent1">
+        <a:alpha val="90000"/>
+        <a:tint val="40000"/>
+      </a:schemeClr>
+    </dgm:linClrLst>
+    <dgm:effectClrLst/>
+    <dgm:txLinClrLst/>
+    <dgm:txFillClrLst meth="repeat">
+      <a:schemeClr val="dk1"/>
+    </dgm:txFillClrLst>
+    <dgm:txEffectClrLst/>
+  </dgm:styleLbl>
+  <dgm:styleLbl name="bgAccFollowNode1">
+    <dgm:fillClrLst meth="repeat">
+      <a:schemeClr val="accent1">
+        <a:alpha val="90000"/>
+        <a:tint val="40000"/>
+      </a:schemeClr>
+    </dgm:fillClrLst>
+    <dgm:linClrLst meth="repeat">
+      <a:schemeClr val="accent1">
+        <a:alpha val="90000"/>
+        <a:tint val="40000"/>
+      </a:schemeClr>
+    </dgm:linClrLst>
+    <dgm:effectClrLst/>
+    <dgm:txLinClrLst/>
+    <dgm:txFillClrLst meth="repeat">
+      <a:schemeClr val="dk1"/>
+    </dgm:txFillClrLst>
+    <dgm:txEffectClrLst/>
+  </dgm:styleLbl>
+  <dgm:styleLbl name="fgAcc0">
+    <dgm:fillClrLst meth="repeat">
+      <a:schemeClr val="lt1">
+        <a:alpha val="90000"/>
+      </a:schemeClr>
+    </dgm:fillClrLst>
+    <dgm:linClrLst meth="repeat">
+      <a:schemeClr val="accent1"/>
+    </dgm:linClrLst>
+    <dgm:effectClrLst/>
+    <dgm:txLinClrLst/>
+    <dgm:txFillClrLst meth="repeat">
+      <a:schemeClr val="dk1"/>
+    </dgm:txFillClrLst>
+    <dgm:txEffectClrLst/>
+  </dgm:styleLbl>
+  <dgm:styleLbl name="fgAcc2">
+    <dgm:fillClrLst meth="repeat">
+      <a:schemeClr val="lt1">
+        <a:alpha val="90000"/>
+      </a:schemeClr>
+    </dgm:fillClrLst>
+    <dgm:linClrLst meth="repeat">
+      <a:schemeClr val="accent1"/>
+    </dgm:linClrLst>
+    <dgm:effectClrLst/>
+    <dgm:txLinClrLst/>
+    <dgm:txFillClrLst meth="repeat">
+      <a:schemeClr val="dk1"/>
+    </dgm:txFillClrLst>
+    <dgm:txEffectClrLst/>
+  </dgm:styleLbl>
+  <dgm:styleLbl name="fgAcc3">
+    <dgm:fillClrLst meth="repeat">
+      <a:schemeClr val="lt1">
+        <a:alpha val="90000"/>
+      </a:schemeClr>
+    </dgm:fillClrLst>
+    <dgm:linClrLst meth="repeat">
+      <a:schemeClr val="accent1"/>
+    </dgm:linClrLst>
+    <dgm:effectClrLst/>
+    <dgm:txLinClrLst/>
+    <dgm:txFillClrLst meth="repeat">
+      <a:schemeClr val="dk1"/>
+    </dgm:txFillClrLst>
+    <dgm:txEffectClrLst/>
+  </dgm:styleLbl>
+  <dgm:styleLbl name="fgAcc4">
+    <dgm:fillClrLst meth="repeat">
+      <a:schemeClr val="lt1">
+        <a:alpha val="90000"/>
+      </a:schemeClr>
+    </dgm:fillClrLst>
+    <dgm:linClrLst meth="repeat">
+      <a:schemeClr val="accent1"/>
+    </dgm:linClrLst>
+    <dgm:effectClrLst/>
+    <dgm:txLinClrLst/>
+    <dgm:txFillClrLst meth="repeat">
+      <a:schemeClr val="dk1"/>
+    </dgm:txFillClrLst>
+    <dgm:txEffectClrLst/>
+  </dgm:styleLbl>
+  <dgm:styleLbl name="bgShp">
+    <dgm:fillClrLst meth="repeat">
+      <a:schemeClr val="accent1">
+        <a:tint val="40000"/>
+      </a:schemeClr>
+    </dgm:fillClrLst>
+    <dgm:linClrLst meth="repeat">
+      <a:schemeClr val="accent1"/>
+    </dgm:linClrLst>
+    <dgm:effectClrLst/>
+    <dgm:txLinClrLst/>
+    <dgm:txFillClrLst meth="repeat">
+      <a:schemeClr val="dk1"/>
+    </dgm:txFillClrLst>
+    <dgm:txEffectClrLst/>
+  </dgm:styleLbl>
+  <dgm:styleLbl name="dkBgShp">
+    <dgm:fillClrLst meth="repeat">
+      <a:schemeClr val="accent1">
+        <a:shade val="80000"/>
+      </a:schemeClr>
+    </dgm:fillClrLst>
+    <dgm:linClrLst meth="repeat">
+      <a:schemeClr val="accent1"/>
+    </dgm:linClrLst>
+    <dgm:effectClrLst/>
+    <dgm:txLinClrLst/>
+    <dgm:txFillClrLst meth="repeat">
+      <a:schemeClr val="lt1"/>
+    </dgm:txFillClrLst>
+    <dgm:txEffectClrLst/>
+  </dgm:styleLbl>
+  <dgm:styleLbl name="trBgShp">
+    <dgm:fillClrLst meth="repeat">
+      <a:schemeClr val="accent1">
+        <a:tint val="50000"/>
+        <a:alpha val="40000"/>
+      </a:schemeClr>
+    </dgm:fillClrLst>
+    <dgm:linClrLst meth="repeat">
+      <a:schemeClr val="accent1"/>
+    </dgm:linClrLst>
+    <dgm:effectClrLst/>
+    <dgm:txLinClrLst/>
+    <dgm:txFillClrLst meth="repeat">
+      <a:schemeClr val="lt1"/>
+    </dgm:txFillClrLst>
+    <dgm:txEffectClrLst/>
+  </dgm:styleLbl>
+  <dgm:styleLbl name="fgShp">
+    <dgm:fillClrLst meth="repeat">
+      <a:schemeClr val="accent1">
+        <a:tint val="60000"/>
+      </a:schemeClr>
+    </dgm:fillClrLst>
+    <dgm:linClrLst meth="repeat">
+      <a:schemeClr val="lt1"/>
+    </dgm:linClrLst>
+    <dgm:effectClrLst/>
+    <dgm:txLinClrLst/>
+    <dgm:txFillClrLst meth="repeat">
+      <a:schemeClr val="dk1"/>
+    </dgm:txFillClrLst>
+    <dgm:txEffectClrLst/>
+  </dgm:styleLbl>
+  <dgm:styleLbl name="revTx">
+    <dgm:fillClrLst meth="repeat">
+      <a:schemeClr val="lt1">
+        <a:alpha val="0"/>
+      </a:schemeClr>
+    </dgm:fillClrLst>
+    <dgm:linClrLst meth="repeat">
+      <a:schemeClr val="dk1">
+        <a:alpha val="0"/>
+      </a:schemeClr>
+    </dgm:linClrLst>
+    <dgm:effectClrLst/>
+    <dgm:txLinClrLst/>
+    <dgm:txFillClrLst meth="repeat">
+      <a:schemeClr val="tx1"/>
+    </dgm:txFillClrLst>
+    <dgm:txEffectClrLst/>
+  </dgm:styleLbl>
+</dgm:colorsDef>
+</file>
+
+<file path=ppt/diagrams/data1.xml><?xml version="1.0" encoding="utf-8"?>
+<dgm:dataModel xmlns:dgm="http://schemas.openxmlformats.org/drawingml/2006/diagram" xmlns:a="http://schemas.openxmlformats.org/drawingml/2006/main">
+  <dgm:ptLst>
+    <dgm:pt modelId="{6B8F2E0C-E42D-4FAD-9799-4C457729D624}" type="doc">
+      <dgm:prSet loTypeId="urn:microsoft.com/office/officeart/2005/8/layout/orgChart1" loCatId="hierarchy" qsTypeId="urn:microsoft.com/office/officeart/2005/8/quickstyle/simple1" qsCatId="simple" csTypeId="urn:microsoft.com/office/officeart/2005/8/colors/accent1_2" csCatId="accent1" phldr="1"/>
+      <dgm:spPr/>
+      <dgm:t>
+        <a:bodyPr/>
+        <a:lstStyle/>
+        <a:p>
+          <a:endParaRPr lang="en-US"/>
+        </a:p>
+      </dgm:t>
+    </dgm:pt>
+    <dgm:pt modelId="{C4C40EE0-EC72-424D-8C73-84419646DA26}">
+      <dgm:prSet phldrT="[Text]"/>
+      <dgm:spPr/>
+      <dgm:t>
+        <a:bodyPr/>
+        <a:lstStyle/>
+        <a:p>
+          <a:r>
+            <a:rPr lang="en-US" dirty="0" smtClean="0"/>
+            <a:t>Rover</a:t>
+          </a:r>
+          <a:endParaRPr lang="en-US" dirty="0"/>
+        </a:p>
+      </dgm:t>
+    </dgm:pt>
+    <dgm:pt modelId="{D9C8CBD6-376D-4BE9-9CB8-D58CFC0539D8}" type="parTrans" cxnId="{A805EF1C-27EB-4F47-8302-73A233F107EA}">
+      <dgm:prSet/>
+      <dgm:spPr/>
+      <dgm:t>
+        <a:bodyPr/>
+        <a:lstStyle/>
+        <a:p>
+          <a:endParaRPr lang="en-US"/>
+        </a:p>
+      </dgm:t>
+    </dgm:pt>
+    <dgm:pt modelId="{7C709104-F958-4596-805F-2A6EF9825159}" type="sibTrans" cxnId="{A805EF1C-27EB-4F47-8302-73A233F107EA}">
+      <dgm:prSet/>
+      <dgm:spPr/>
+      <dgm:t>
+        <a:bodyPr/>
+        <a:lstStyle/>
+        <a:p>
+          <a:endParaRPr lang="en-US"/>
+        </a:p>
+      </dgm:t>
+    </dgm:pt>
+    <dgm:pt modelId="{4C8CDF7F-5427-48BF-836E-1E4F6695EAF5}">
+      <dgm:prSet phldrT="[Text]"/>
+      <dgm:spPr/>
+      <dgm:t>
+        <a:bodyPr/>
+        <a:lstStyle/>
+        <a:p>
+          <a:r>
+            <a:rPr lang="en-US" dirty="0" smtClean="0"/>
+            <a:t>Rover</a:t>
+          </a:r>
+          <a:endParaRPr lang="en-US" dirty="0"/>
+        </a:p>
+      </dgm:t>
+    </dgm:pt>
+    <dgm:pt modelId="{0E0AB290-4FA1-4048-ABC9-837064D195F9}" type="parTrans" cxnId="{3776C2BA-E1CA-4566-BD55-037D7EDC2404}">
+      <dgm:prSet/>
+      <dgm:spPr/>
+      <dgm:t>
+        <a:bodyPr/>
+        <a:lstStyle/>
+        <a:p>
+          <a:endParaRPr lang="en-US"/>
+        </a:p>
+      </dgm:t>
+    </dgm:pt>
+    <dgm:pt modelId="{1D5FCFF5-C851-42CA-8C68-529A3F89C60B}" type="sibTrans" cxnId="{3776C2BA-E1CA-4566-BD55-037D7EDC2404}">
+      <dgm:prSet/>
+      <dgm:spPr/>
+      <dgm:t>
+        <a:bodyPr/>
+        <a:lstStyle/>
+        <a:p>
+          <a:endParaRPr lang="en-US"/>
+        </a:p>
+      </dgm:t>
+    </dgm:pt>
+    <dgm:pt modelId="{0B03EF7D-0EA4-4D5E-BC13-A2DC4A06E465}">
+      <dgm:prSet phldrT="[Text]"/>
+      <dgm:spPr/>
+      <dgm:t>
+        <a:bodyPr/>
+        <a:lstStyle/>
+        <a:p>
+          <a:r>
+            <a:rPr lang="en-US" dirty="0" smtClean="0"/>
+            <a:t>Mars</a:t>
+          </a:r>
+          <a:endParaRPr lang="en-US" dirty="0"/>
+        </a:p>
+      </dgm:t>
+    </dgm:pt>
+    <dgm:pt modelId="{05C9B865-FB66-4415-882D-11D99C8593AB}" type="sibTrans" cxnId="{5B0365F7-B623-456C-95B0-38775AF423FF}">
+      <dgm:prSet/>
+      <dgm:spPr/>
+      <dgm:t>
+        <a:bodyPr/>
+        <a:lstStyle/>
+        <a:p>
+          <a:endParaRPr lang="en-US"/>
+        </a:p>
+      </dgm:t>
+    </dgm:pt>
+    <dgm:pt modelId="{862035D1-E013-4942-BCB5-1AD4A8D8A6CE}" type="parTrans" cxnId="{5B0365F7-B623-456C-95B0-38775AF423FF}">
+      <dgm:prSet/>
+      <dgm:spPr/>
+      <dgm:t>
+        <a:bodyPr/>
+        <a:lstStyle/>
+        <a:p>
+          <a:endParaRPr lang="en-US"/>
+        </a:p>
+      </dgm:t>
+    </dgm:pt>
+    <dgm:pt modelId="{59B347DE-0870-4243-AEA3-547B5A48EC05}">
+      <dgm:prSet phldrT="[Text]"/>
+      <dgm:spPr/>
+      <dgm:t>
+        <a:bodyPr/>
+        <a:lstStyle/>
+        <a:p>
+          <a:r>
+            <a:rPr lang="en-US" dirty="0" smtClean="0"/>
+            <a:t>Movement</a:t>
+          </a:r>
+        </a:p>
+      </dgm:t>
+    </dgm:pt>
+    <dgm:pt modelId="{E8E090F0-D39D-440E-A71F-3F8469DBCF76}" type="parTrans" cxnId="{7A760E84-B35B-432A-9844-14CA71CECFAE}">
+      <dgm:prSet/>
+      <dgm:spPr/>
+      <dgm:t>
+        <a:bodyPr/>
+        <a:lstStyle/>
+        <a:p>
+          <a:endParaRPr lang="en-US"/>
+        </a:p>
+      </dgm:t>
+    </dgm:pt>
+    <dgm:pt modelId="{C9DF2642-44FD-44E3-B1E0-09E27D58DDDC}" type="sibTrans" cxnId="{7A760E84-B35B-432A-9844-14CA71CECFAE}">
+      <dgm:prSet/>
+      <dgm:spPr/>
+      <dgm:t>
+        <a:bodyPr/>
+        <a:lstStyle/>
+        <a:p>
+          <a:endParaRPr lang="en-US"/>
+        </a:p>
+      </dgm:t>
+    </dgm:pt>
+    <dgm:pt modelId="{C9585CCF-D389-4C89-983F-F581234B85B8}">
+      <dgm:prSet phldrT="[Text]"/>
+      <dgm:spPr/>
+      <dgm:t>
+        <a:bodyPr/>
+        <a:lstStyle/>
+        <a:p>
+          <a:r>
+            <a:rPr lang="en-US" dirty="0" smtClean="0"/>
+            <a:t>Mars Landing</a:t>
+          </a:r>
+        </a:p>
+      </dgm:t>
+    </dgm:pt>
+    <dgm:pt modelId="{24BBB202-2BB1-41E9-8E3A-A352A8FF8B8D}" type="parTrans" cxnId="{AA2B5CDD-FB57-41E7-AB63-C9AAF0C2E165}">
+      <dgm:prSet/>
+      <dgm:spPr/>
+      <dgm:t>
+        <a:bodyPr/>
+        <a:lstStyle/>
+        <a:p>
+          <a:endParaRPr lang="en-US"/>
+        </a:p>
+      </dgm:t>
+    </dgm:pt>
+    <dgm:pt modelId="{81DD1C30-EF5F-4988-84F1-744116E80FA7}" type="sibTrans" cxnId="{AA2B5CDD-FB57-41E7-AB63-C9AAF0C2E165}">
+      <dgm:prSet/>
+      <dgm:spPr/>
+      <dgm:t>
+        <a:bodyPr/>
+        <a:lstStyle/>
+        <a:p>
+          <a:endParaRPr lang="en-US"/>
+        </a:p>
+      </dgm:t>
+    </dgm:pt>
+    <dgm:pt modelId="{60E1BB25-A0BF-4711-B1FA-5368E46F602A}">
+      <dgm:prSet phldrT="[Text]"/>
+      <dgm:spPr/>
+      <dgm:t>
+        <a:bodyPr/>
+        <a:lstStyle/>
+        <a:p>
+          <a:r>
+            <a:rPr lang="en-US" dirty="0" smtClean="0"/>
+            <a:t>Boundaries</a:t>
+          </a:r>
+          <a:endParaRPr lang="en-US" dirty="0"/>
+        </a:p>
+      </dgm:t>
+    </dgm:pt>
+    <dgm:pt modelId="{8ED09933-630A-4F2A-82B0-C232E066F5F2}" type="parTrans" cxnId="{162FDBFA-18D8-4D4D-9503-080333531037}">
+      <dgm:prSet/>
+      <dgm:spPr/>
+      <dgm:t>
+        <a:bodyPr/>
+        <a:lstStyle/>
+        <a:p>
+          <a:endParaRPr lang="en-US"/>
+        </a:p>
+      </dgm:t>
+    </dgm:pt>
+    <dgm:pt modelId="{4811F9C0-A7B3-46ED-86D8-7C5C9E1D2D03}" type="sibTrans" cxnId="{162FDBFA-18D8-4D4D-9503-080333531037}">
+      <dgm:prSet/>
+      <dgm:spPr/>
+      <dgm:t>
+        <a:bodyPr/>
+        <a:lstStyle/>
+        <a:p>
+          <a:endParaRPr lang="en-US"/>
+        </a:p>
+      </dgm:t>
+    </dgm:pt>
+    <dgm:pt modelId="{26F3CB3A-BC96-403C-BD36-8C44F6D32C7D}">
+      <dgm:prSet phldrT="[Text]"/>
+      <dgm:spPr/>
+      <dgm:t>
+        <a:bodyPr/>
+        <a:lstStyle/>
+        <a:p>
+          <a:r>
+            <a:rPr lang="en-US" dirty="0" smtClean="0"/>
+            <a:t>Coordinates</a:t>
+          </a:r>
+        </a:p>
+      </dgm:t>
+    </dgm:pt>
+    <dgm:pt modelId="{83F3FEF0-A56D-4932-BDDC-D96386F759BD}" type="parTrans" cxnId="{9A753A1C-18CA-4944-8B5D-D6CC524BDFCA}">
+      <dgm:prSet/>
+      <dgm:spPr/>
+      <dgm:t>
+        <a:bodyPr/>
+        <a:lstStyle/>
+        <a:p>
+          <a:endParaRPr lang="en-US"/>
+        </a:p>
+      </dgm:t>
+    </dgm:pt>
+    <dgm:pt modelId="{389CE418-AD3E-49DD-8D18-2F69565B727C}" type="sibTrans" cxnId="{9A753A1C-18CA-4944-8B5D-D6CC524BDFCA}">
+      <dgm:prSet/>
+      <dgm:spPr/>
+      <dgm:t>
+        <a:bodyPr/>
+        <a:lstStyle/>
+        <a:p>
+          <a:endParaRPr lang="en-US"/>
+        </a:p>
+      </dgm:t>
+    </dgm:pt>
+    <dgm:pt modelId="{9FA1A31F-058B-4898-932B-3DEB9A18383D}">
+      <dgm:prSet phldrT="[Text]"/>
+      <dgm:spPr/>
+      <dgm:t>
+        <a:bodyPr/>
+        <a:lstStyle/>
+        <a:p>
+          <a:r>
+            <a:rPr lang="en-US" dirty="0" smtClean="0"/>
+            <a:t>Obstacles</a:t>
+          </a:r>
+        </a:p>
+      </dgm:t>
+    </dgm:pt>
+    <dgm:pt modelId="{64FCA9FE-1342-4E80-A0BD-E5498F18E6DB}" type="parTrans" cxnId="{FECC191F-C4E2-4FD8-819E-06A3C1234480}">
+      <dgm:prSet/>
+      <dgm:spPr/>
+      <dgm:t>
+        <a:bodyPr/>
+        <a:lstStyle/>
+        <a:p>
+          <a:endParaRPr lang="en-US"/>
+        </a:p>
+      </dgm:t>
+    </dgm:pt>
+    <dgm:pt modelId="{4F0EA4C5-5705-4061-8FB4-59EEB6F00C56}" type="sibTrans" cxnId="{FECC191F-C4E2-4FD8-819E-06A3C1234480}">
+      <dgm:prSet/>
+      <dgm:spPr/>
+      <dgm:t>
+        <a:bodyPr/>
+        <a:lstStyle/>
+        <a:p>
+          <a:endParaRPr lang="en-US"/>
+        </a:p>
+      </dgm:t>
+    </dgm:pt>
+    <dgm:pt modelId="{FA0D31AE-163C-4950-8239-624D8F98027D}" type="pres">
+      <dgm:prSet presAssocID="{6B8F2E0C-E42D-4FAD-9799-4C457729D624}" presName="hierChild1" presStyleCnt="0">
+        <dgm:presLayoutVars>
+          <dgm:orgChart val="1"/>
+          <dgm:chPref val="1"/>
+          <dgm:dir/>
+          <dgm:animOne val="branch"/>
+          <dgm:animLvl val="lvl"/>
+          <dgm:resizeHandles/>
+        </dgm:presLayoutVars>
+      </dgm:prSet>
+      <dgm:spPr/>
+    </dgm:pt>
+    <dgm:pt modelId="{88FCD580-94FD-4C34-B701-19B7745D90A5}" type="pres">
+      <dgm:prSet presAssocID="{C4C40EE0-EC72-424D-8C73-84419646DA26}" presName="hierRoot1" presStyleCnt="0">
+        <dgm:presLayoutVars>
+          <dgm:hierBranch val="init"/>
+        </dgm:presLayoutVars>
+      </dgm:prSet>
+      <dgm:spPr/>
+    </dgm:pt>
+    <dgm:pt modelId="{0AD855D3-91B7-415F-9952-1CD0B0846A0A}" type="pres">
+      <dgm:prSet presAssocID="{C4C40EE0-EC72-424D-8C73-84419646DA26}" presName="rootComposite1" presStyleCnt="0"/>
+      <dgm:spPr/>
+    </dgm:pt>
+    <dgm:pt modelId="{42B403B3-3D32-44B3-9041-55DFC70C88B5}" type="pres">
+      <dgm:prSet presAssocID="{C4C40EE0-EC72-424D-8C73-84419646DA26}" presName="rootText1" presStyleLbl="node0" presStyleIdx="0" presStyleCnt="1">
+        <dgm:presLayoutVars>
+          <dgm:chPref val="3"/>
+        </dgm:presLayoutVars>
+      </dgm:prSet>
+      <dgm:spPr/>
+    </dgm:pt>
+    <dgm:pt modelId="{4B6B71C6-453E-4131-975A-01E91EFA73EB}" type="pres">
+      <dgm:prSet presAssocID="{C4C40EE0-EC72-424D-8C73-84419646DA26}" presName="rootConnector1" presStyleLbl="node1" presStyleIdx="0" presStyleCnt="0"/>
+      <dgm:spPr/>
+    </dgm:pt>
+    <dgm:pt modelId="{980027C8-0478-47A0-BE4F-B3E5622A7D5B}" type="pres">
+      <dgm:prSet presAssocID="{C4C40EE0-EC72-424D-8C73-84419646DA26}" presName="hierChild2" presStyleCnt="0"/>
+      <dgm:spPr/>
+    </dgm:pt>
+    <dgm:pt modelId="{63C974F4-B2D6-4AA7-9248-1EE814A229C9}" type="pres">
+      <dgm:prSet presAssocID="{0E0AB290-4FA1-4048-ABC9-837064D195F9}" presName="Name37" presStyleLbl="parChTrans1D2" presStyleIdx="0" presStyleCnt="2"/>
+      <dgm:spPr/>
+    </dgm:pt>
+    <dgm:pt modelId="{7D34B04A-44F0-47E6-BD5E-CBF6EA1B7EBF}" type="pres">
+      <dgm:prSet presAssocID="{4C8CDF7F-5427-48BF-836E-1E4F6695EAF5}" presName="hierRoot2" presStyleCnt="0">
+        <dgm:presLayoutVars>
+          <dgm:hierBranch val="init"/>
+        </dgm:presLayoutVars>
+      </dgm:prSet>
+      <dgm:spPr/>
+    </dgm:pt>
+    <dgm:pt modelId="{C7B1DEA4-E668-459D-894D-F83797E8D753}" type="pres">
+      <dgm:prSet presAssocID="{4C8CDF7F-5427-48BF-836E-1E4F6695EAF5}" presName="rootComposite" presStyleCnt="0"/>
+      <dgm:spPr/>
+    </dgm:pt>
+    <dgm:pt modelId="{B0B2BE96-60A0-48C7-84FC-4723AF73814A}" type="pres">
+      <dgm:prSet presAssocID="{4C8CDF7F-5427-48BF-836E-1E4F6695EAF5}" presName="rootText" presStyleLbl="node2" presStyleIdx="0" presStyleCnt="2">
+        <dgm:presLayoutVars>
+          <dgm:chPref val="3"/>
+        </dgm:presLayoutVars>
+      </dgm:prSet>
+      <dgm:spPr/>
+      <dgm:t>
+        <a:bodyPr/>
+        <a:lstStyle/>
+        <a:p>
+          <a:endParaRPr lang="en-US"/>
+        </a:p>
+      </dgm:t>
+    </dgm:pt>
+    <dgm:pt modelId="{FDECDB5D-D45B-4577-8F15-F0B58C317648}" type="pres">
+      <dgm:prSet presAssocID="{4C8CDF7F-5427-48BF-836E-1E4F6695EAF5}" presName="rootConnector" presStyleLbl="node2" presStyleIdx="0" presStyleCnt="2"/>
+      <dgm:spPr/>
+    </dgm:pt>
+    <dgm:pt modelId="{137BF1E9-2184-43D4-B1D0-4D1980B81BDE}" type="pres">
+      <dgm:prSet presAssocID="{4C8CDF7F-5427-48BF-836E-1E4F6695EAF5}" presName="hierChild4" presStyleCnt="0"/>
+      <dgm:spPr/>
+    </dgm:pt>
+    <dgm:pt modelId="{609C7CB5-DD75-4FD3-8ECD-827D1C93BF0A}" type="pres">
+      <dgm:prSet presAssocID="{E8E090F0-D39D-440E-A71F-3F8469DBCF76}" presName="Name37" presStyleLbl="parChTrans1D3" presStyleIdx="0" presStyleCnt="5"/>
+      <dgm:spPr/>
+    </dgm:pt>
+    <dgm:pt modelId="{B115B546-1F56-4DF1-8331-9B49818FE7AC}" type="pres">
+      <dgm:prSet presAssocID="{59B347DE-0870-4243-AEA3-547B5A48EC05}" presName="hierRoot2" presStyleCnt="0">
+        <dgm:presLayoutVars>
+          <dgm:hierBranch val="init"/>
+        </dgm:presLayoutVars>
+      </dgm:prSet>
+      <dgm:spPr/>
+    </dgm:pt>
+    <dgm:pt modelId="{1EFE544E-C03C-492C-B727-2579BE5B2FA4}" type="pres">
+      <dgm:prSet presAssocID="{59B347DE-0870-4243-AEA3-547B5A48EC05}" presName="rootComposite" presStyleCnt="0"/>
+      <dgm:spPr/>
+    </dgm:pt>
+    <dgm:pt modelId="{E03B3577-05C1-42F3-9CBC-24C93EA8BB65}" type="pres">
+      <dgm:prSet presAssocID="{59B347DE-0870-4243-AEA3-547B5A48EC05}" presName="rootText" presStyleLbl="node3" presStyleIdx="0" presStyleCnt="5">
+        <dgm:presLayoutVars>
+          <dgm:chPref val="3"/>
+        </dgm:presLayoutVars>
+      </dgm:prSet>
+      <dgm:spPr/>
+      <dgm:t>
+        <a:bodyPr/>
+        <a:lstStyle/>
+        <a:p>
+          <a:endParaRPr lang="en-US"/>
+        </a:p>
+      </dgm:t>
+    </dgm:pt>
+    <dgm:pt modelId="{5D2593F7-B30A-4DEF-9A58-B8B53F9EB362}" type="pres">
+      <dgm:prSet presAssocID="{59B347DE-0870-4243-AEA3-547B5A48EC05}" presName="rootConnector" presStyleLbl="node3" presStyleIdx="0" presStyleCnt="5"/>
+      <dgm:spPr/>
+    </dgm:pt>
+    <dgm:pt modelId="{325625A8-A6C1-46E2-B517-5713F5F51280}" type="pres">
+      <dgm:prSet presAssocID="{59B347DE-0870-4243-AEA3-547B5A48EC05}" presName="hierChild4" presStyleCnt="0"/>
+      <dgm:spPr/>
+    </dgm:pt>
+    <dgm:pt modelId="{81A59756-D9C4-43EA-B481-A67F92291677}" type="pres">
+      <dgm:prSet presAssocID="{59B347DE-0870-4243-AEA3-547B5A48EC05}" presName="hierChild5" presStyleCnt="0"/>
+      <dgm:spPr/>
+    </dgm:pt>
+    <dgm:pt modelId="{AD32E5D1-4D2B-470E-8D09-0D03667B114B}" type="pres">
+      <dgm:prSet presAssocID="{24BBB202-2BB1-41E9-8E3A-A352A8FF8B8D}" presName="Name37" presStyleLbl="parChTrans1D3" presStyleIdx="1" presStyleCnt="5"/>
+      <dgm:spPr/>
+    </dgm:pt>
+    <dgm:pt modelId="{649F72F8-AECF-4FD1-A2EA-2EEBB4179C4B}" type="pres">
+      <dgm:prSet presAssocID="{C9585CCF-D389-4C89-983F-F581234B85B8}" presName="hierRoot2" presStyleCnt="0">
+        <dgm:presLayoutVars>
+          <dgm:hierBranch val="init"/>
+        </dgm:presLayoutVars>
+      </dgm:prSet>
+      <dgm:spPr/>
+    </dgm:pt>
+    <dgm:pt modelId="{2B9817FC-2EDE-40F5-B1B6-905ADF2F62A8}" type="pres">
+      <dgm:prSet presAssocID="{C9585CCF-D389-4C89-983F-F581234B85B8}" presName="rootComposite" presStyleCnt="0"/>
+      <dgm:spPr/>
+    </dgm:pt>
+    <dgm:pt modelId="{819A0B84-98AF-4777-B1FF-AD80B93E38AD}" type="pres">
+      <dgm:prSet presAssocID="{C9585CCF-D389-4C89-983F-F581234B85B8}" presName="rootText" presStyleLbl="node3" presStyleIdx="1" presStyleCnt="5">
+        <dgm:presLayoutVars>
+          <dgm:chPref val="3"/>
+        </dgm:presLayoutVars>
+      </dgm:prSet>
+      <dgm:spPr/>
+      <dgm:t>
+        <a:bodyPr/>
+        <a:lstStyle/>
+        <a:p>
+          <a:endParaRPr lang="en-US"/>
+        </a:p>
+      </dgm:t>
+    </dgm:pt>
+    <dgm:pt modelId="{40D305D3-AE23-4E66-9450-446EF3C2AE43}" type="pres">
+      <dgm:prSet presAssocID="{C9585CCF-D389-4C89-983F-F581234B85B8}" presName="rootConnector" presStyleLbl="node3" presStyleIdx="1" presStyleCnt="5"/>
+      <dgm:spPr/>
+    </dgm:pt>
+    <dgm:pt modelId="{BA813FEE-C1E6-44D9-8E5A-9FBAFB88D505}" type="pres">
+      <dgm:prSet presAssocID="{C9585CCF-D389-4C89-983F-F581234B85B8}" presName="hierChild4" presStyleCnt="0"/>
+      <dgm:spPr/>
+    </dgm:pt>
+    <dgm:pt modelId="{3CC4EF59-E3CF-468B-AB27-D79FF1D3F7D2}" type="pres">
+      <dgm:prSet presAssocID="{C9585CCF-D389-4C89-983F-F581234B85B8}" presName="hierChild5" presStyleCnt="0"/>
+      <dgm:spPr/>
+    </dgm:pt>
+    <dgm:pt modelId="{0EDB7B46-F53F-42E4-9832-282936128648}" type="pres">
+      <dgm:prSet presAssocID="{4C8CDF7F-5427-48BF-836E-1E4F6695EAF5}" presName="hierChild5" presStyleCnt="0"/>
+      <dgm:spPr/>
+    </dgm:pt>
+    <dgm:pt modelId="{316B4E76-4E93-42E1-AFF2-EE4B5C98FBBE}" type="pres">
+      <dgm:prSet presAssocID="{862035D1-E013-4942-BCB5-1AD4A8D8A6CE}" presName="Name37" presStyleLbl="parChTrans1D2" presStyleIdx="1" presStyleCnt="2"/>
+      <dgm:spPr/>
+    </dgm:pt>
+    <dgm:pt modelId="{8BA98DE0-AFA7-456C-8F2E-D4AE12345AD5}" type="pres">
+      <dgm:prSet presAssocID="{0B03EF7D-0EA4-4D5E-BC13-A2DC4A06E465}" presName="hierRoot2" presStyleCnt="0">
+        <dgm:presLayoutVars>
+          <dgm:hierBranch val="init"/>
+        </dgm:presLayoutVars>
+      </dgm:prSet>
+      <dgm:spPr/>
+    </dgm:pt>
+    <dgm:pt modelId="{20884B4B-5A91-483F-96C2-F6E5DF2ECC91}" type="pres">
+      <dgm:prSet presAssocID="{0B03EF7D-0EA4-4D5E-BC13-A2DC4A06E465}" presName="rootComposite" presStyleCnt="0"/>
+      <dgm:spPr/>
+    </dgm:pt>
+    <dgm:pt modelId="{4F90BCF2-6C7F-4A6C-B960-EF9155EE0A23}" type="pres">
+      <dgm:prSet presAssocID="{0B03EF7D-0EA4-4D5E-BC13-A2DC4A06E465}" presName="rootText" presStyleLbl="node2" presStyleIdx="1" presStyleCnt="2">
+        <dgm:presLayoutVars>
+          <dgm:chPref val="3"/>
+        </dgm:presLayoutVars>
+      </dgm:prSet>
+      <dgm:spPr/>
+      <dgm:t>
+        <a:bodyPr/>
+        <a:lstStyle/>
+        <a:p>
+          <a:endParaRPr lang="en-US"/>
+        </a:p>
+      </dgm:t>
+    </dgm:pt>
+    <dgm:pt modelId="{8B303C2D-D260-455B-8189-4DBBD2BF4268}" type="pres">
+      <dgm:prSet presAssocID="{0B03EF7D-0EA4-4D5E-BC13-A2DC4A06E465}" presName="rootConnector" presStyleLbl="node2" presStyleIdx="1" presStyleCnt="2"/>
+      <dgm:spPr/>
+    </dgm:pt>
+    <dgm:pt modelId="{0BC3C31B-2C9E-4261-8B83-A0F9768080BF}" type="pres">
+      <dgm:prSet presAssocID="{0B03EF7D-0EA4-4D5E-BC13-A2DC4A06E465}" presName="hierChild4" presStyleCnt="0"/>
+      <dgm:spPr/>
+    </dgm:pt>
+    <dgm:pt modelId="{31760A25-0D3F-4A70-B635-3544267E9209}" type="pres">
+      <dgm:prSet presAssocID="{8ED09933-630A-4F2A-82B0-C232E066F5F2}" presName="Name37" presStyleLbl="parChTrans1D3" presStyleIdx="2" presStyleCnt="5"/>
+      <dgm:spPr/>
+    </dgm:pt>
+    <dgm:pt modelId="{61A4115C-B7A2-4044-8221-43150C4AC02D}" type="pres">
+      <dgm:prSet presAssocID="{60E1BB25-A0BF-4711-B1FA-5368E46F602A}" presName="hierRoot2" presStyleCnt="0">
+        <dgm:presLayoutVars>
+          <dgm:hierBranch val="init"/>
+        </dgm:presLayoutVars>
+      </dgm:prSet>
+      <dgm:spPr/>
+    </dgm:pt>
+    <dgm:pt modelId="{5F0C9298-9C74-47C0-86D9-43DD4BD478B8}" type="pres">
+      <dgm:prSet presAssocID="{60E1BB25-A0BF-4711-B1FA-5368E46F602A}" presName="rootComposite" presStyleCnt="0"/>
+      <dgm:spPr/>
+    </dgm:pt>
+    <dgm:pt modelId="{8E92EE0E-361A-4D72-91FE-F8E047A84273}" type="pres">
+      <dgm:prSet presAssocID="{60E1BB25-A0BF-4711-B1FA-5368E46F602A}" presName="rootText" presStyleLbl="node3" presStyleIdx="2" presStyleCnt="5">
+        <dgm:presLayoutVars>
+          <dgm:chPref val="3"/>
+        </dgm:presLayoutVars>
+      </dgm:prSet>
+      <dgm:spPr/>
+      <dgm:t>
+        <a:bodyPr/>
+        <a:lstStyle/>
+        <a:p>
+          <a:endParaRPr lang="en-US"/>
+        </a:p>
+      </dgm:t>
+    </dgm:pt>
+    <dgm:pt modelId="{80ACBC14-FC25-42FA-9CC2-C4AFA8D38F4E}" type="pres">
+      <dgm:prSet presAssocID="{60E1BB25-A0BF-4711-B1FA-5368E46F602A}" presName="rootConnector" presStyleLbl="node3" presStyleIdx="2" presStyleCnt="5"/>
+      <dgm:spPr/>
+    </dgm:pt>
+    <dgm:pt modelId="{DAC85CCE-56CB-4B70-A123-6478AC4D5A01}" type="pres">
+      <dgm:prSet presAssocID="{60E1BB25-A0BF-4711-B1FA-5368E46F602A}" presName="hierChild4" presStyleCnt="0"/>
+      <dgm:spPr/>
+    </dgm:pt>
+    <dgm:pt modelId="{BB76EBC4-5ABD-4170-8448-8E969BDC8995}" type="pres">
+      <dgm:prSet presAssocID="{60E1BB25-A0BF-4711-B1FA-5368E46F602A}" presName="hierChild5" presStyleCnt="0"/>
+      <dgm:spPr/>
+    </dgm:pt>
+    <dgm:pt modelId="{7A418FC4-69C0-46EA-B335-85B7229B4CAC}" type="pres">
+      <dgm:prSet presAssocID="{83F3FEF0-A56D-4932-BDDC-D96386F759BD}" presName="Name37" presStyleLbl="parChTrans1D3" presStyleIdx="3" presStyleCnt="5"/>
+      <dgm:spPr/>
+    </dgm:pt>
+    <dgm:pt modelId="{F262E213-BAE5-4F6B-ADED-492F1087805C}" type="pres">
+      <dgm:prSet presAssocID="{26F3CB3A-BC96-403C-BD36-8C44F6D32C7D}" presName="hierRoot2" presStyleCnt="0">
+        <dgm:presLayoutVars>
+          <dgm:hierBranch val="init"/>
+        </dgm:presLayoutVars>
+      </dgm:prSet>
+      <dgm:spPr/>
+    </dgm:pt>
+    <dgm:pt modelId="{9E930AF2-0552-4C93-A69C-B03C9F2AE3F0}" type="pres">
+      <dgm:prSet presAssocID="{26F3CB3A-BC96-403C-BD36-8C44F6D32C7D}" presName="rootComposite" presStyleCnt="0"/>
+      <dgm:spPr/>
+    </dgm:pt>
+    <dgm:pt modelId="{CB9E3867-74E8-48E5-B3B9-C478E5B46609}" type="pres">
+      <dgm:prSet presAssocID="{26F3CB3A-BC96-403C-BD36-8C44F6D32C7D}" presName="rootText" presStyleLbl="node3" presStyleIdx="3" presStyleCnt="5">
+        <dgm:presLayoutVars>
+          <dgm:chPref val="3"/>
+        </dgm:presLayoutVars>
+      </dgm:prSet>
+      <dgm:spPr/>
+      <dgm:t>
+        <a:bodyPr/>
+        <a:lstStyle/>
+        <a:p>
+          <a:endParaRPr lang="en-US"/>
+        </a:p>
+      </dgm:t>
+    </dgm:pt>
+    <dgm:pt modelId="{90169281-00CD-4948-B57D-E24D52EEBD50}" type="pres">
+      <dgm:prSet presAssocID="{26F3CB3A-BC96-403C-BD36-8C44F6D32C7D}" presName="rootConnector" presStyleLbl="node3" presStyleIdx="3" presStyleCnt="5"/>
+      <dgm:spPr/>
+    </dgm:pt>
+    <dgm:pt modelId="{E2663E3F-B1A7-4986-903D-207A4124FAA9}" type="pres">
+      <dgm:prSet presAssocID="{26F3CB3A-BC96-403C-BD36-8C44F6D32C7D}" presName="hierChild4" presStyleCnt="0"/>
+      <dgm:spPr/>
+    </dgm:pt>
+    <dgm:pt modelId="{A36A9FFD-6992-4193-978E-A30A9C3DB3C4}" type="pres">
+      <dgm:prSet presAssocID="{26F3CB3A-BC96-403C-BD36-8C44F6D32C7D}" presName="hierChild5" presStyleCnt="0"/>
+      <dgm:spPr/>
+    </dgm:pt>
+    <dgm:pt modelId="{14C6EBDA-2069-4B8A-9E9B-0D45514D13E0}" type="pres">
+      <dgm:prSet presAssocID="{64FCA9FE-1342-4E80-A0BD-E5498F18E6DB}" presName="Name37" presStyleLbl="parChTrans1D3" presStyleIdx="4" presStyleCnt="5"/>
+      <dgm:spPr/>
+    </dgm:pt>
+    <dgm:pt modelId="{497FC15B-153B-4130-8365-5B20C0B5EB85}" type="pres">
+      <dgm:prSet presAssocID="{9FA1A31F-058B-4898-932B-3DEB9A18383D}" presName="hierRoot2" presStyleCnt="0">
+        <dgm:presLayoutVars>
+          <dgm:hierBranch val="init"/>
+        </dgm:presLayoutVars>
+      </dgm:prSet>
+      <dgm:spPr/>
+    </dgm:pt>
+    <dgm:pt modelId="{997D73AB-AD08-41D1-B43E-53ADF54361A3}" type="pres">
+      <dgm:prSet presAssocID="{9FA1A31F-058B-4898-932B-3DEB9A18383D}" presName="rootComposite" presStyleCnt="0"/>
+      <dgm:spPr/>
+    </dgm:pt>
+    <dgm:pt modelId="{A2A5CB50-89DB-4E85-87D7-BC164DE3804D}" type="pres">
+      <dgm:prSet presAssocID="{9FA1A31F-058B-4898-932B-3DEB9A18383D}" presName="rootText" presStyleLbl="node3" presStyleIdx="4" presStyleCnt="5">
+        <dgm:presLayoutVars>
+          <dgm:chPref val="3"/>
+        </dgm:presLayoutVars>
+      </dgm:prSet>
+      <dgm:spPr/>
+      <dgm:t>
+        <a:bodyPr/>
+        <a:lstStyle/>
+        <a:p>
+          <a:endParaRPr lang="en-US"/>
+        </a:p>
+      </dgm:t>
+    </dgm:pt>
+    <dgm:pt modelId="{66E06900-C2CD-418E-B25D-30167AC63B5D}" type="pres">
+      <dgm:prSet presAssocID="{9FA1A31F-058B-4898-932B-3DEB9A18383D}" presName="rootConnector" presStyleLbl="node3" presStyleIdx="4" presStyleCnt="5"/>
+      <dgm:spPr/>
+    </dgm:pt>
+    <dgm:pt modelId="{10E646FB-3ED3-4305-829A-8CD1E09859EA}" type="pres">
+      <dgm:prSet presAssocID="{9FA1A31F-058B-4898-932B-3DEB9A18383D}" presName="hierChild4" presStyleCnt="0"/>
+      <dgm:spPr/>
+    </dgm:pt>
+    <dgm:pt modelId="{86C72FFE-6979-40AA-9BEC-7DCF1F13E8C8}" type="pres">
+      <dgm:prSet presAssocID="{9FA1A31F-058B-4898-932B-3DEB9A18383D}" presName="hierChild5" presStyleCnt="0"/>
+      <dgm:spPr/>
+    </dgm:pt>
+    <dgm:pt modelId="{D0179055-4B24-4C35-B074-60213E87E0E3}" type="pres">
+      <dgm:prSet presAssocID="{0B03EF7D-0EA4-4D5E-BC13-A2DC4A06E465}" presName="hierChild5" presStyleCnt="0"/>
+      <dgm:spPr/>
+    </dgm:pt>
+    <dgm:pt modelId="{DBDD57C7-57A2-42E2-B61A-EFF699A83438}" type="pres">
+      <dgm:prSet presAssocID="{C4C40EE0-EC72-424D-8C73-84419646DA26}" presName="hierChild3" presStyleCnt="0"/>
+      <dgm:spPr/>
+    </dgm:pt>
+  </dgm:ptLst>
+  <dgm:cxnLst>
+    <dgm:cxn modelId="{5B0365F7-B623-456C-95B0-38775AF423FF}" srcId="{C4C40EE0-EC72-424D-8C73-84419646DA26}" destId="{0B03EF7D-0EA4-4D5E-BC13-A2DC4A06E465}" srcOrd="1" destOrd="0" parTransId="{862035D1-E013-4942-BCB5-1AD4A8D8A6CE}" sibTransId="{05C9B865-FB66-4415-882D-11D99C8593AB}"/>
+    <dgm:cxn modelId="{1A3AE0AA-C04B-4982-BFE4-2D7204134853}" type="presOf" srcId="{8ED09933-630A-4F2A-82B0-C232E066F5F2}" destId="{31760A25-0D3F-4A70-B635-3544267E9209}" srcOrd="0" destOrd="0" presId="urn:microsoft.com/office/officeart/2005/8/layout/orgChart1"/>
+    <dgm:cxn modelId="{B42A84D9-82B0-4A51-B961-F30A9A8C1BF3}" type="presOf" srcId="{0B03EF7D-0EA4-4D5E-BC13-A2DC4A06E465}" destId="{4F90BCF2-6C7F-4A6C-B960-EF9155EE0A23}" srcOrd="0" destOrd="0" presId="urn:microsoft.com/office/officeart/2005/8/layout/orgChart1"/>
+    <dgm:cxn modelId="{F605EE91-661C-470A-89E4-DC45C89EB1C8}" type="presOf" srcId="{C9585CCF-D389-4C89-983F-F581234B85B8}" destId="{819A0B84-98AF-4777-B1FF-AD80B93E38AD}" srcOrd="0" destOrd="0" presId="urn:microsoft.com/office/officeart/2005/8/layout/orgChart1"/>
+    <dgm:cxn modelId="{68F348F1-F3A6-48CF-9F43-458145082D34}" type="presOf" srcId="{6B8F2E0C-E42D-4FAD-9799-4C457729D624}" destId="{FA0D31AE-163C-4950-8239-624D8F98027D}" srcOrd="0" destOrd="0" presId="urn:microsoft.com/office/officeart/2005/8/layout/orgChart1"/>
+    <dgm:cxn modelId="{7A760E84-B35B-432A-9844-14CA71CECFAE}" srcId="{4C8CDF7F-5427-48BF-836E-1E4F6695EAF5}" destId="{59B347DE-0870-4243-AEA3-547B5A48EC05}" srcOrd="0" destOrd="0" parTransId="{E8E090F0-D39D-440E-A71F-3F8469DBCF76}" sibTransId="{C9DF2642-44FD-44E3-B1E0-09E27D58DDDC}"/>
+    <dgm:cxn modelId="{17EF8DD2-0CD6-4B50-AA82-4EDF2CFD878F}" type="presOf" srcId="{0E0AB290-4FA1-4048-ABC9-837064D195F9}" destId="{63C974F4-B2D6-4AA7-9248-1EE814A229C9}" srcOrd="0" destOrd="0" presId="urn:microsoft.com/office/officeart/2005/8/layout/orgChart1"/>
+    <dgm:cxn modelId="{9A753A1C-18CA-4944-8B5D-D6CC524BDFCA}" srcId="{0B03EF7D-0EA4-4D5E-BC13-A2DC4A06E465}" destId="{26F3CB3A-BC96-403C-BD36-8C44F6D32C7D}" srcOrd="1" destOrd="0" parTransId="{83F3FEF0-A56D-4932-BDDC-D96386F759BD}" sibTransId="{389CE418-AD3E-49DD-8D18-2F69565B727C}"/>
+    <dgm:cxn modelId="{B5C7D61D-AED4-4F2B-86BA-ECA3B1360588}" type="presOf" srcId="{4C8CDF7F-5427-48BF-836E-1E4F6695EAF5}" destId="{FDECDB5D-D45B-4577-8F15-F0B58C317648}" srcOrd="1" destOrd="0" presId="urn:microsoft.com/office/officeart/2005/8/layout/orgChart1"/>
+    <dgm:cxn modelId="{AA2B5CDD-FB57-41E7-AB63-C9AAF0C2E165}" srcId="{4C8CDF7F-5427-48BF-836E-1E4F6695EAF5}" destId="{C9585CCF-D389-4C89-983F-F581234B85B8}" srcOrd="1" destOrd="0" parTransId="{24BBB202-2BB1-41E9-8E3A-A352A8FF8B8D}" sibTransId="{81DD1C30-EF5F-4988-84F1-744116E80FA7}"/>
+    <dgm:cxn modelId="{D6EEA043-150A-41BE-91FA-BAE28B56D790}" type="presOf" srcId="{60E1BB25-A0BF-4711-B1FA-5368E46F602A}" destId="{80ACBC14-FC25-42FA-9CC2-C4AFA8D38F4E}" srcOrd="1" destOrd="0" presId="urn:microsoft.com/office/officeart/2005/8/layout/orgChart1"/>
+    <dgm:cxn modelId="{9F52174F-4E3C-4D32-8C5D-1A224ECC4CF0}" type="presOf" srcId="{24BBB202-2BB1-41E9-8E3A-A352A8FF8B8D}" destId="{AD32E5D1-4D2B-470E-8D09-0D03667B114B}" srcOrd="0" destOrd="0" presId="urn:microsoft.com/office/officeart/2005/8/layout/orgChart1"/>
+    <dgm:cxn modelId="{21D11AAA-F715-4EE7-90E5-1B0E04C55950}" type="presOf" srcId="{26F3CB3A-BC96-403C-BD36-8C44F6D32C7D}" destId="{CB9E3867-74E8-48E5-B3B9-C478E5B46609}" srcOrd="0" destOrd="0" presId="urn:microsoft.com/office/officeart/2005/8/layout/orgChart1"/>
+    <dgm:cxn modelId="{A805EF1C-27EB-4F47-8302-73A233F107EA}" srcId="{6B8F2E0C-E42D-4FAD-9799-4C457729D624}" destId="{C4C40EE0-EC72-424D-8C73-84419646DA26}" srcOrd="0" destOrd="0" parTransId="{D9C8CBD6-376D-4BE9-9CB8-D58CFC0539D8}" sibTransId="{7C709104-F958-4596-805F-2A6EF9825159}"/>
+    <dgm:cxn modelId="{DD8FCE71-9194-4B2C-A153-05BC4F5F74F6}" type="presOf" srcId="{9FA1A31F-058B-4898-932B-3DEB9A18383D}" destId="{A2A5CB50-89DB-4E85-87D7-BC164DE3804D}" srcOrd="0" destOrd="0" presId="urn:microsoft.com/office/officeart/2005/8/layout/orgChart1"/>
+    <dgm:cxn modelId="{D489B797-D728-4F05-A030-4073821064F2}" type="presOf" srcId="{C4C40EE0-EC72-424D-8C73-84419646DA26}" destId="{42B403B3-3D32-44B3-9041-55DFC70C88B5}" srcOrd="0" destOrd="0" presId="urn:microsoft.com/office/officeart/2005/8/layout/orgChart1"/>
+    <dgm:cxn modelId="{3776C2BA-E1CA-4566-BD55-037D7EDC2404}" srcId="{C4C40EE0-EC72-424D-8C73-84419646DA26}" destId="{4C8CDF7F-5427-48BF-836E-1E4F6695EAF5}" srcOrd="0" destOrd="0" parTransId="{0E0AB290-4FA1-4048-ABC9-837064D195F9}" sibTransId="{1D5FCFF5-C851-42CA-8C68-529A3F89C60B}"/>
+    <dgm:cxn modelId="{C0194C79-BA9E-453C-9719-732F961F4253}" type="presOf" srcId="{E8E090F0-D39D-440E-A71F-3F8469DBCF76}" destId="{609C7CB5-DD75-4FD3-8ECD-827D1C93BF0A}" srcOrd="0" destOrd="0" presId="urn:microsoft.com/office/officeart/2005/8/layout/orgChart1"/>
+    <dgm:cxn modelId="{7BE2AE97-2DCE-4B08-B377-C7B4CF427D08}" type="presOf" srcId="{83F3FEF0-A56D-4932-BDDC-D96386F759BD}" destId="{7A418FC4-69C0-46EA-B335-85B7229B4CAC}" srcOrd="0" destOrd="0" presId="urn:microsoft.com/office/officeart/2005/8/layout/orgChart1"/>
+    <dgm:cxn modelId="{70F49C44-A645-42C0-8659-685E3E0FDC87}" type="presOf" srcId="{59B347DE-0870-4243-AEA3-547B5A48EC05}" destId="{E03B3577-05C1-42F3-9CBC-24C93EA8BB65}" srcOrd="0" destOrd="0" presId="urn:microsoft.com/office/officeart/2005/8/layout/orgChart1"/>
+    <dgm:cxn modelId="{7DB6DB38-CED9-49FB-AEC5-9E0EE0F4399F}" type="presOf" srcId="{64FCA9FE-1342-4E80-A0BD-E5498F18E6DB}" destId="{14C6EBDA-2069-4B8A-9E9B-0D45514D13E0}" srcOrd="0" destOrd="0" presId="urn:microsoft.com/office/officeart/2005/8/layout/orgChart1"/>
+    <dgm:cxn modelId="{E1167345-49EE-46F1-9346-737F1D4ABD2A}" type="presOf" srcId="{60E1BB25-A0BF-4711-B1FA-5368E46F602A}" destId="{8E92EE0E-361A-4D72-91FE-F8E047A84273}" srcOrd="0" destOrd="0" presId="urn:microsoft.com/office/officeart/2005/8/layout/orgChart1"/>
+    <dgm:cxn modelId="{42A5EC4F-A45C-460A-ADE3-994574A7C2C1}" type="presOf" srcId="{0B03EF7D-0EA4-4D5E-BC13-A2DC4A06E465}" destId="{8B303C2D-D260-455B-8189-4DBBD2BF4268}" srcOrd="1" destOrd="0" presId="urn:microsoft.com/office/officeart/2005/8/layout/orgChart1"/>
+    <dgm:cxn modelId="{0141BD0A-0FD2-4976-9205-88F467DDD19A}" type="presOf" srcId="{59B347DE-0870-4243-AEA3-547B5A48EC05}" destId="{5D2593F7-B30A-4DEF-9A58-B8B53F9EB362}" srcOrd="1" destOrd="0" presId="urn:microsoft.com/office/officeart/2005/8/layout/orgChart1"/>
+    <dgm:cxn modelId="{E7F1D045-85A8-443F-9A92-A3B9248FC793}" type="presOf" srcId="{C4C40EE0-EC72-424D-8C73-84419646DA26}" destId="{4B6B71C6-453E-4131-975A-01E91EFA73EB}" srcOrd="1" destOrd="0" presId="urn:microsoft.com/office/officeart/2005/8/layout/orgChart1"/>
+    <dgm:cxn modelId="{AA89BF23-DD2D-4B60-AFE6-C977BF165D44}" type="presOf" srcId="{C9585CCF-D389-4C89-983F-F581234B85B8}" destId="{40D305D3-AE23-4E66-9450-446EF3C2AE43}" srcOrd="1" destOrd="0" presId="urn:microsoft.com/office/officeart/2005/8/layout/orgChart1"/>
+    <dgm:cxn modelId="{677FB2DC-C60C-4B27-9C0B-1846BC572A06}" type="presOf" srcId="{9FA1A31F-058B-4898-932B-3DEB9A18383D}" destId="{66E06900-C2CD-418E-B25D-30167AC63B5D}" srcOrd="1" destOrd="0" presId="urn:microsoft.com/office/officeart/2005/8/layout/orgChart1"/>
+    <dgm:cxn modelId="{162FDBFA-18D8-4D4D-9503-080333531037}" srcId="{0B03EF7D-0EA4-4D5E-BC13-A2DC4A06E465}" destId="{60E1BB25-A0BF-4711-B1FA-5368E46F602A}" srcOrd="0" destOrd="0" parTransId="{8ED09933-630A-4F2A-82B0-C232E066F5F2}" sibTransId="{4811F9C0-A7B3-46ED-86D8-7C5C9E1D2D03}"/>
+    <dgm:cxn modelId="{FF8554D6-7C39-4D49-A440-4D467BD13856}" type="presOf" srcId="{4C8CDF7F-5427-48BF-836E-1E4F6695EAF5}" destId="{B0B2BE96-60A0-48C7-84FC-4723AF73814A}" srcOrd="0" destOrd="0" presId="urn:microsoft.com/office/officeart/2005/8/layout/orgChart1"/>
+    <dgm:cxn modelId="{FB6CF012-B3ED-44D9-AC81-ACB75A577F5D}" type="presOf" srcId="{26F3CB3A-BC96-403C-BD36-8C44F6D32C7D}" destId="{90169281-00CD-4948-B57D-E24D52EEBD50}" srcOrd="1" destOrd="0" presId="urn:microsoft.com/office/officeart/2005/8/layout/orgChart1"/>
+    <dgm:cxn modelId="{A4CF8C00-A2CE-4104-93B5-17EB43426177}" type="presOf" srcId="{862035D1-E013-4942-BCB5-1AD4A8D8A6CE}" destId="{316B4E76-4E93-42E1-AFF2-EE4B5C98FBBE}" srcOrd="0" destOrd="0" presId="urn:microsoft.com/office/officeart/2005/8/layout/orgChart1"/>
+    <dgm:cxn modelId="{FECC191F-C4E2-4FD8-819E-06A3C1234480}" srcId="{0B03EF7D-0EA4-4D5E-BC13-A2DC4A06E465}" destId="{9FA1A31F-058B-4898-932B-3DEB9A18383D}" srcOrd="2" destOrd="0" parTransId="{64FCA9FE-1342-4E80-A0BD-E5498F18E6DB}" sibTransId="{4F0EA4C5-5705-4061-8FB4-59EEB6F00C56}"/>
+    <dgm:cxn modelId="{FB76C119-90E8-4820-A00E-2DF72D110088}" type="presParOf" srcId="{FA0D31AE-163C-4950-8239-624D8F98027D}" destId="{88FCD580-94FD-4C34-B701-19B7745D90A5}" srcOrd="0" destOrd="0" presId="urn:microsoft.com/office/officeart/2005/8/layout/orgChart1"/>
+    <dgm:cxn modelId="{69B4EB34-342B-4FCD-BB95-5F45339A73A2}" type="presParOf" srcId="{88FCD580-94FD-4C34-B701-19B7745D90A5}" destId="{0AD855D3-91B7-415F-9952-1CD0B0846A0A}" srcOrd="0" destOrd="0" presId="urn:microsoft.com/office/officeart/2005/8/layout/orgChart1"/>
+    <dgm:cxn modelId="{FBE89D16-1CD4-4F58-89A0-C4778CCA4C4A}" type="presParOf" srcId="{0AD855D3-91B7-415F-9952-1CD0B0846A0A}" destId="{42B403B3-3D32-44B3-9041-55DFC70C88B5}" srcOrd="0" destOrd="0" presId="urn:microsoft.com/office/officeart/2005/8/layout/orgChart1"/>
+    <dgm:cxn modelId="{DAC6C9D3-C922-43DA-BDB1-264C09E97134}" type="presParOf" srcId="{0AD855D3-91B7-415F-9952-1CD0B0846A0A}" destId="{4B6B71C6-453E-4131-975A-01E91EFA73EB}" srcOrd="1" destOrd="0" presId="urn:microsoft.com/office/officeart/2005/8/layout/orgChart1"/>
+    <dgm:cxn modelId="{5F3ADC3A-6AA4-46EB-A910-42D4417C1FBC}" type="presParOf" srcId="{88FCD580-94FD-4C34-B701-19B7745D90A5}" destId="{980027C8-0478-47A0-BE4F-B3E5622A7D5B}" srcOrd="1" destOrd="0" presId="urn:microsoft.com/office/officeart/2005/8/layout/orgChart1"/>
+    <dgm:cxn modelId="{DF9BF1C2-85A5-41F6-99AF-0EB8D8A95C15}" type="presParOf" srcId="{980027C8-0478-47A0-BE4F-B3E5622A7D5B}" destId="{63C974F4-B2D6-4AA7-9248-1EE814A229C9}" srcOrd="0" destOrd="0" presId="urn:microsoft.com/office/officeart/2005/8/layout/orgChart1"/>
+    <dgm:cxn modelId="{3BB079AC-5EED-4A67-8124-F66B2F6D00B6}" type="presParOf" srcId="{980027C8-0478-47A0-BE4F-B3E5622A7D5B}" destId="{7D34B04A-44F0-47E6-BD5E-CBF6EA1B7EBF}" srcOrd="1" destOrd="0" presId="urn:microsoft.com/office/officeart/2005/8/layout/orgChart1"/>
+    <dgm:cxn modelId="{8C2ADA29-15FE-4349-B135-A3C69D588990}" type="presParOf" srcId="{7D34B04A-44F0-47E6-BD5E-CBF6EA1B7EBF}" destId="{C7B1DEA4-E668-459D-894D-F83797E8D753}" srcOrd="0" destOrd="0" presId="urn:microsoft.com/office/officeart/2005/8/layout/orgChart1"/>
+    <dgm:cxn modelId="{ABE651B6-239C-46C6-8B8D-3F7972A5905E}" type="presParOf" srcId="{C7B1DEA4-E668-459D-894D-F83797E8D753}" destId="{B0B2BE96-60A0-48C7-84FC-4723AF73814A}" srcOrd="0" destOrd="0" presId="urn:microsoft.com/office/officeart/2005/8/layout/orgChart1"/>
+    <dgm:cxn modelId="{79CD91B6-7379-4389-B001-68253F25B47E}" type="presParOf" srcId="{C7B1DEA4-E668-459D-894D-F83797E8D753}" destId="{FDECDB5D-D45B-4577-8F15-F0B58C317648}" srcOrd="1" destOrd="0" presId="urn:microsoft.com/office/officeart/2005/8/layout/orgChart1"/>
+    <dgm:cxn modelId="{4918ABBE-6F20-46BB-A568-E707E7284CE7}" type="presParOf" srcId="{7D34B04A-44F0-47E6-BD5E-CBF6EA1B7EBF}" destId="{137BF1E9-2184-43D4-B1D0-4D1980B81BDE}" srcOrd="1" destOrd="0" presId="urn:microsoft.com/office/officeart/2005/8/layout/orgChart1"/>
+    <dgm:cxn modelId="{4A945BC3-4897-4A57-BE55-52E357CADAE1}" type="presParOf" srcId="{137BF1E9-2184-43D4-B1D0-4D1980B81BDE}" destId="{609C7CB5-DD75-4FD3-8ECD-827D1C93BF0A}" srcOrd="0" destOrd="0" presId="urn:microsoft.com/office/officeart/2005/8/layout/orgChart1"/>
+    <dgm:cxn modelId="{0594A106-BC4B-457F-A8F3-E9E735D72EE9}" type="presParOf" srcId="{137BF1E9-2184-43D4-B1D0-4D1980B81BDE}" destId="{B115B546-1F56-4DF1-8331-9B49818FE7AC}" srcOrd="1" destOrd="0" presId="urn:microsoft.com/office/officeart/2005/8/layout/orgChart1"/>
+    <dgm:cxn modelId="{74876673-026C-4C60-BC57-05681A6FB9A0}" type="presParOf" srcId="{B115B546-1F56-4DF1-8331-9B49818FE7AC}" destId="{1EFE544E-C03C-492C-B727-2579BE5B2FA4}" srcOrd="0" destOrd="0" presId="urn:microsoft.com/office/officeart/2005/8/layout/orgChart1"/>
+    <dgm:cxn modelId="{0268F7B2-4251-4671-990F-0DC4CD956F5D}" type="presParOf" srcId="{1EFE544E-C03C-492C-B727-2579BE5B2FA4}" destId="{E03B3577-05C1-42F3-9CBC-24C93EA8BB65}" srcOrd="0" destOrd="0" presId="urn:microsoft.com/office/officeart/2005/8/layout/orgChart1"/>
+    <dgm:cxn modelId="{E9740230-63C7-4A62-8BCE-F575CC801D7E}" type="presParOf" srcId="{1EFE544E-C03C-492C-B727-2579BE5B2FA4}" destId="{5D2593F7-B30A-4DEF-9A58-B8B53F9EB362}" srcOrd="1" destOrd="0" presId="urn:microsoft.com/office/officeart/2005/8/layout/orgChart1"/>
+    <dgm:cxn modelId="{CC0CCDBB-4DB2-4AA0-AEDA-39AFA2B39CF2}" type="presParOf" srcId="{B115B546-1F56-4DF1-8331-9B49818FE7AC}" destId="{325625A8-A6C1-46E2-B517-5713F5F51280}" srcOrd="1" destOrd="0" presId="urn:microsoft.com/office/officeart/2005/8/layout/orgChart1"/>
+    <dgm:cxn modelId="{3971D79A-8044-4F1E-9BAE-D6EF2D747454}" type="presParOf" srcId="{B115B546-1F56-4DF1-8331-9B49818FE7AC}" destId="{81A59756-D9C4-43EA-B481-A67F92291677}" srcOrd="2" destOrd="0" presId="urn:microsoft.com/office/officeart/2005/8/layout/orgChart1"/>
+    <dgm:cxn modelId="{C1DCA0CA-6AAF-4A8C-A6BD-40C23325ADE7}" type="presParOf" srcId="{137BF1E9-2184-43D4-B1D0-4D1980B81BDE}" destId="{AD32E5D1-4D2B-470E-8D09-0D03667B114B}" srcOrd="2" destOrd="0" presId="urn:microsoft.com/office/officeart/2005/8/layout/orgChart1"/>
+    <dgm:cxn modelId="{5CFBBFAD-3BE4-457D-9897-0E349D4189D2}" type="presParOf" srcId="{137BF1E9-2184-43D4-B1D0-4D1980B81BDE}" destId="{649F72F8-AECF-4FD1-A2EA-2EEBB4179C4B}" srcOrd="3" destOrd="0" presId="urn:microsoft.com/office/officeart/2005/8/layout/orgChart1"/>
+    <dgm:cxn modelId="{4DAC0B2C-AA03-403D-B20C-2D98E85B9B87}" type="presParOf" srcId="{649F72F8-AECF-4FD1-A2EA-2EEBB4179C4B}" destId="{2B9817FC-2EDE-40F5-B1B6-905ADF2F62A8}" srcOrd="0" destOrd="0" presId="urn:microsoft.com/office/officeart/2005/8/layout/orgChart1"/>
+    <dgm:cxn modelId="{04B74535-4EA7-453F-BF6B-BAD74052FAF2}" type="presParOf" srcId="{2B9817FC-2EDE-40F5-B1B6-905ADF2F62A8}" destId="{819A0B84-98AF-4777-B1FF-AD80B93E38AD}" srcOrd="0" destOrd="0" presId="urn:microsoft.com/office/officeart/2005/8/layout/orgChart1"/>
+    <dgm:cxn modelId="{5313CB0E-B486-4E89-B5A1-B7682DD3D49E}" type="presParOf" srcId="{2B9817FC-2EDE-40F5-B1B6-905ADF2F62A8}" destId="{40D305D3-AE23-4E66-9450-446EF3C2AE43}" srcOrd="1" destOrd="0" presId="urn:microsoft.com/office/officeart/2005/8/layout/orgChart1"/>
+    <dgm:cxn modelId="{BE23BD39-3CAC-4A7A-8A05-8825FB43119D}" type="presParOf" srcId="{649F72F8-AECF-4FD1-A2EA-2EEBB4179C4B}" destId="{BA813FEE-C1E6-44D9-8E5A-9FBAFB88D505}" srcOrd="1" destOrd="0" presId="urn:microsoft.com/office/officeart/2005/8/layout/orgChart1"/>
+    <dgm:cxn modelId="{9E8618EB-04D9-4114-AC0B-839CBC1385F0}" type="presParOf" srcId="{649F72F8-AECF-4FD1-A2EA-2EEBB4179C4B}" destId="{3CC4EF59-E3CF-468B-AB27-D79FF1D3F7D2}" srcOrd="2" destOrd="0" presId="urn:microsoft.com/office/officeart/2005/8/layout/orgChart1"/>
+    <dgm:cxn modelId="{07DE80BC-068D-4BDD-ACC9-E30B41470E4E}" type="presParOf" srcId="{7D34B04A-44F0-47E6-BD5E-CBF6EA1B7EBF}" destId="{0EDB7B46-F53F-42E4-9832-282936128648}" srcOrd="2" destOrd="0" presId="urn:microsoft.com/office/officeart/2005/8/layout/orgChart1"/>
+    <dgm:cxn modelId="{3033F9C2-E871-426B-A914-027A1DAF551D}" type="presParOf" srcId="{980027C8-0478-47A0-BE4F-B3E5622A7D5B}" destId="{316B4E76-4E93-42E1-AFF2-EE4B5C98FBBE}" srcOrd="2" destOrd="0" presId="urn:microsoft.com/office/officeart/2005/8/layout/orgChart1"/>
+    <dgm:cxn modelId="{9BB8035A-8046-4C8D-8DAE-1EADA4F8E1BC}" type="presParOf" srcId="{980027C8-0478-47A0-BE4F-B3E5622A7D5B}" destId="{8BA98DE0-AFA7-456C-8F2E-D4AE12345AD5}" srcOrd="3" destOrd="0" presId="urn:microsoft.com/office/officeart/2005/8/layout/orgChart1"/>
+    <dgm:cxn modelId="{AE1E93B2-0D75-4C22-BDEE-824773363586}" type="presParOf" srcId="{8BA98DE0-AFA7-456C-8F2E-D4AE12345AD5}" destId="{20884B4B-5A91-483F-96C2-F6E5DF2ECC91}" srcOrd="0" destOrd="0" presId="urn:microsoft.com/office/officeart/2005/8/layout/orgChart1"/>
+    <dgm:cxn modelId="{4956DC70-09F9-4962-A1D0-01FCC5E4C40A}" type="presParOf" srcId="{20884B4B-5A91-483F-96C2-F6E5DF2ECC91}" destId="{4F90BCF2-6C7F-4A6C-B960-EF9155EE0A23}" srcOrd="0" destOrd="0" presId="urn:microsoft.com/office/officeart/2005/8/layout/orgChart1"/>
+    <dgm:cxn modelId="{65A8E714-F0F2-4302-9683-6A37D33E6B84}" type="presParOf" srcId="{20884B4B-5A91-483F-96C2-F6E5DF2ECC91}" destId="{8B303C2D-D260-455B-8189-4DBBD2BF4268}" srcOrd="1" destOrd="0" presId="urn:microsoft.com/office/officeart/2005/8/layout/orgChart1"/>
+    <dgm:cxn modelId="{681CA7AD-5697-41E5-933D-892BAE12DF26}" type="presParOf" srcId="{8BA98DE0-AFA7-456C-8F2E-D4AE12345AD5}" destId="{0BC3C31B-2C9E-4261-8B83-A0F9768080BF}" srcOrd="1" destOrd="0" presId="urn:microsoft.com/office/officeart/2005/8/layout/orgChart1"/>
+    <dgm:cxn modelId="{47A40C11-0498-4B1F-9CD3-9CF36AB6234F}" type="presParOf" srcId="{0BC3C31B-2C9E-4261-8B83-A0F9768080BF}" destId="{31760A25-0D3F-4A70-B635-3544267E9209}" srcOrd="0" destOrd="0" presId="urn:microsoft.com/office/officeart/2005/8/layout/orgChart1"/>
+    <dgm:cxn modelId="{147D81DE-F46B-4888-B1D7-551BF9F078A6}" type="presParOf" srcId="{0BC3C31B-2C9E-4261-8B83-A0F9768080BF}" destId="{61A4115C-B7A2-4044-8221-43150C4AC02D}" srcOrd="1" destOrd="0" presId="urn:microsoft.com/office/officeart/2005/8/layout/orgChart1"/>
+    <dgm:cxn modelId="{7EB7DB70-23D8-431E-A378-97C4D5261FA0}" type="presParOf" srcId="{61A4115C-B7A2-4044-8221-43150C4AC02D}" destId="{5F0C9298-9C74-47C0-86D9-43DD4BD478B8}" srcOrd="0" destOrd="0" presId="urn:microsoft.com/office/officeart/2005/8/layout/orgChart1"/>
+    <dgm:cxn modelId="{8F7C0884-A42A-4FF1-A819-DE31CEB70A83}" type="presParOf" srcId="{5F0C9298-9C74-47C0-86D9-43DD4BD478B8}" destId="{8E92EE0E-361A-4D72-91FE-F8E047A84273}" srcOrd="0" destOrd="0" presId="urn:microsoft.com/office/officeart/2005/8/layout/orgChart1"/>
+    <dgm:cxn modelId="{3E188012-83F8-439B-A845-3107CBF742D1}" type="presParOf" srcId="{5F0C9298-9C74-47C0-86D9-43DD4BD478B8}" destId="{80ACBC14-FC25-42FA-9CC2-C4AFA8D38F4E}" srcOrd="1" destOrd="0" presId="urn:microsoft.com/office/officeart/2005/8/layout/orgChart1"/>
+    <dgm:cxn modelId="{6C29EE8C-5BB0-4D8C-BE0D-DEA1A6E19596}" type="presParOf" srcId="{61A4115C-B7A2-4044-8221-43150C4AC02D}" destId="{DAC85CCE-56CB-4B70-A123-6478AC4D5A01}" srcOrd="1" destOrd="0" presId="urn:microsoft.com/office/officeart/2005/8/layout/orgChart1"/>
+    <dgm:cxn modelId="{75C40C63-144A-446E-ABB8-F95FF5B4510A}" type="presParOf" srcId="{61A4115C-B7A2-4044-8221-43150C4AC02D}" destId="{BB76EBC4-5ABD-4170-8448-8E969BDC8995}" srcOrd="2" destOrd="0" presId="urn:microsoft.com/office/officeart/2005/8/layout/orgChart1"/>
+    <dgm:cxn modelId="{2E3CB6A0-C1A8-44DF-83C8-88C581DCA41E}" type="presParOf" srcId="{0BC3C31B-2C9E-4261-8B83-A0F9768080BF}" destId="{7A418FC4-69C0-46EA-B335-85B7229B4CAC}" srcOrd="2" destOrd="0" presId="urn:microsoft.com/office/officeart/2005/8/layout/orgChart1"/>
+    <dgm:cxn modelId="{04F4B0F3-6F5D-430A-8527-38AF97707EA6}" type="presParOf" srcId="{0BC3C31B-2C9E-4261-8B83-A0F9768080BF}" destId="{F262E213-BAE5-4F6B-ADED-492F1087805C}" srcOrd="3" destOrd="0" presId="urn:microsoft.com/office/officeart/2005/8/layout/orgChart1"/>
+    <dgm:cxn modelId="{EEEB502E-07C4-4948-B5D2-690F3B6786FF}" type="presParOf" srcId="{F262E213-BAE5-4F6B-ADED-492F1087805C}" destId="{9E930AF2-0552-4C93-A69C-B03C9F2AE3F0}" srcOrd="0" destOrd="0" presId="urn:microsoft.com/office/officeart/2005/8/layout/orgChart1"/>
+    <dgm:cxn modelId="{FB2EEBCF-5591-4886-9DE2-22AF0631C60F}" type="presParOf" srcId="{9E930AF2-0552-4C93-A69C-B03C9F2AE3F0}" destId="{CB9E3867-74E8-48E5-B3B9-C478E5B46609}" srcOrd="0" destOrd="0" presId="urn:microsoft.com/office/officeart/2005/8/layout/orgChart1"/>
+    <dgm:cxn modelId="{CE171306-B65A-4699-B124-A94E488A4146}" type="presParOf" srcId="{9E930AF2-0552-4C93-A69C-B03C9F2AE3F0}" destId="{90169281-00CD-4948-B57D-E24D52EEBD50}" srcOrd="1" destOrd="0" presId="urn:microsoft.com/office/officeart/2005/8/layout/orgChart1"/>
+    <dgm:cxn modelId="{17C2F691-80EF-4BC1-B880-7E45D0BA4E70}" type="presParOf" srcId="{F262E213-BAE5-4F6B-ADED-492F1087805C}" destId="{E2663E3F-B1A7-4986-903D-207A4124FAA9}" srcOrd="1" destOrd="0" presId="urn:microsoft.com/office/officeart/2005/8/layout/orgChart1"/>
+    <dgm:cxn modelId="{003008AB-87F1-4727-B205-39F70EF0434D}" type="presParOf" srcId="{F262E213-BAE5-4F6B-ADED-492F1087805C}" destId="{A36A9FFD-6992-4193-978E-A30A9C3DB3C4}" srcOrd="2" destOrd="0" presId="urn:microsoft.com/office/officeart/2005/8/layout/orgChart1"/>
+    <dgm:cxn modelId="{534DCA85-4A36-40F4-A42C-E9DE9466D5A8}" type="presParOf" srcId="{0BC3C31B-2C9E-4261-8B83-A0F9768080BF}" destId="{14C6EBDA-2069-4B8A-9E9B-0D45514D13E0}" srcOrd="4" destOrd="0" presId="urn:microsoft.com/office/officeart/2005/8/layout/orgChart1"/>
+    <dgm:cxn modelId="{7FFF05FF-56F2-4E6C-B4DD-6D06579478D0}" type="presParOf" srcId="{0BC3C31B-2C9E-4261-8B83-A0F9768080BF}" destId="{497FC15B-153B-4130-8365-5B20C0B5EB85}" srcOrd="5" destOrd="0" presId="urn:microsoft.com/office/officeart/2005/8/layout/orgChart1"/>
+    <dgm:cxn modelId="{3EFC4E06-7FD8-4B98-BBB2-DBFB84D00F4C}" type="presParOf" srcId="{497FC15B-153B-4130-8365-5B20C0B5EB85}" destId="{997D73AB-AD08-41D1-B43E-53ADF54361A3}" srcOrd="0" destOrd="0" presId="urn:microsoft.com/office/officeart/2005/8/layout/orgChart1"/>
+    <dgm:cxn modelId="{43915F56-A21A-4015-B662-DF06856C188C}" type="presParOf" srcId="{997D73AB-AD08-41D1-B43E-53ADF54361A3}" destId="{A2A5CB50-89DB-4E85-87D7-BC164DE3804D}" srcOrd="0" destOrd="0" presId="urn:microsoft.com/office/officeart/2005/8/layout/orgChart1"/>
+    <dgm:cxn modelId="{2B4CA4D6-F1AD-4130-9FF2-E62E3E1FF188}" type="presParOf" srcId="{997D73AB-AD08-41D1-B43E-53ADF54361A3}" destId="{66E06900-C2CD-418E-B25D-30167AC63B5D}" srcOrd="1" destOrd="0" presId="urn:microsoft.com/office/officeart/2005/8/layout/orgChart1"/>
+    <dgm:cxn modelId="{4634ED10-1118-4845-ABDC-F223497AEEB8}" type="presParOf" srcId="{497FC15B-153B-4130-8365-5B20C0B5EB85}" destId="{10E646FB-3ED3-4305-829A-8CD1E09859EA}" srcOrd="1" destOrd="0" presId="urn:microsoft.com/office/officeart/2005/8/layout/orgChart1"/>
+    <dgm:cxn modelId="{6A4F881B-D952-4D53-9600-2228A9E55B07}" type="presParOf" srcId="{497FC15B-153B-4130-8365-5B20C0B5EB85}" destId="{86C72FFE-6979-40AA-9BEC-7DCF1F13E8C8}" srcOrd="2" destOrd="0" presId="urn:microsoft.com/office/officeart/2005/8/layout/orgChart1"/>
+    <dgm:cxn modelId="{19065FF7-615D-41D1-8E99-CD704195BD42}" type="presParOf" srcId="{8BA98DE0-AFA7-456C-8F2E-D4AE12345AD5}" destId="{D0179055-4B24-4C35-B074-60213E87E0E3}" srcOrd="2" destOrd="0" presId="urn:microsoft.com/office/officeart/2005/8/layout/orgChart1"/>
+    <dgm:cxn modelId="{C5020818-5EFB-4AE2-9354-EA770B0CC52C}" type="presParOf" srcId="{88FCD580-94FD-4C34-B701-19B7745D90A5}" destId="{DBDD57C7-57A2-42E2-B61A-EFF699A83438}" srcOrd="2" destOrd="0" presId="urn:microsoft.com/office/officeart/2005/8/layout/orgChart1"/>
+  </dgm:cxnLst>
+  <dgm:bg/>
+  <dgm:whole/>
+  <dgm:extLst>
+    <a:ext uri="http://schemas.microsoft.com/office/drawing/2008/diagram">
+      <dsp:dataModelExt xmlns:dsp="http://schemas.microsoft.com/office/drawing/2008/diagram" relId="rId8" minVer="http://schemas.openxmlformats.org/drawingml/2006/diagram"/>
+    </a:ext>
+  </dgm:extLst>
+</dgm:dataModel>
+</file>
+
+<file path=ppt/diagrams/drawing1.xml><?xml version="1.0" encoding="utf-8"?>
+<dsp:drawing xmlns:dgm="http://schemas.openxmlformats.org/drawingml/2006/diagram" xmlns:dsp="http://schemas.microsoft.com/office/drawing/2008/diagram" xmlns:a="http://schemas.openxmlformats.org/drawingml/2006/main">
+  <dsp:spTree>
+    <dsp:nvGrpSpPr>
+      <dsp:cNvPr id="0" name=""/>
+      <dsp:cNvGrpSpPr/>
+    </dsp:nvGrpSpPr>
+    <dsp:grpSpPr/>
+    <dsp:sp modelId="{14C6EBDA-2069-4B8A-9E9B-0D45514D13E0}">
+      <dsp:nvSpPr>
+        <dsp:cNvPr id="0" name=""/>
+        <dsp:cNvSpPr/>
+      </dsp:nvSpPr>
+      <dsp:spPr>
+        <a:xfrm>
+          <a:off x="5361903" y="1577074"/>
+          <a:ext cx="195193" cy="2446430"/>
+        </a:xfrm>
+        <a:custGeom>
+          <a:avLst/>
+          <a:gdLst/>
+          <a:ahLst/>
+          <a:cxnLst/>
+          <a:rect l="0" t="0" r="0" b="0"/>
+          <a:pathLst>
+            <a:path>
+              <a:moveTo>
+                <a:pt x="0" y="0"/>
+              </a:moveTo>
+              <a:lnTo>
+                <a:pt x="0" y="2446430"/>
+              </a:lnTo>
+              <a:lnTo>
+                <a:pt x="195193" y="2446430"/>
+              </a:lnTo>
+            </a:path>
+          </a:pathLst>
+        </a:custGeom>
+        <a:noFill/>
+        <a:ln w="12700" cap="flat" cmpd="sng" algn="ctr">
+          <a:solidFill>
+            <a:schemeClr val="accent1">
+              <a:shade val="80000"/>
+              <a:hueOff val="0"/>
+              <a:satOff val="0"/>
+              <a:lumOff val="0"/>
+              <a:alphaOff val="0"/>
+            </a:schemeClr>
+          </a:solidFill>
+          <a:prstDash val="solid"/>
+          <a:miter lim="800000"/>
+        </a:ln>
+        <a:effectLst/>
+      </dsp:spPr>
+      <dsp:style>
+        <a:lnRef idx="2">
+          <a:scrgbClr r="0" g="0" b="0"/>
+        </a:lnRef>
+        <a:fillRef idx="0">
+          <a:scrgbClr r="0" g="0" b="0"/>
+        </a:fillRef>
+        <a:effectRef idx="0">
+          <a:scrgbClr r="0" g="0" b="0"/>
+        </a:effectRef>
+        <a:fontRef idx="minor"/>
+      </dsp:style>
+    </dsp:sp>
+    <dsp:sp modelId="{7A418FC4-69C0-46EA-B335-85B7229B4CAC}">
+      <dsp:nvSpPr>
+        <dsp:cNvPr id="0" name=""/>
+        <dsp:cNvSpPr/>
+      </dsp:nvSpPr>
+      <dsp:spPr>
+        <a:xfrm>
+          <a:off x="5361903" y="1577074"/>
+          <a:ext cx="195193" cy="1522512"/>
+        </a:xfrm>
+        <a:custGeom>
+          <a:avLst/>
+          <a:gdLst/>
+          <a:ahLst/>
+          <a:cxnLst/>
+          <a:rect l="0" t="0" r="0" b="0"/>
+          <a:pathLst>
+            <a:path>
+              <a:moveTo>
+                <a:pt x="0" y="0"/>
+              </a:moveTo>
+              <a:lnTo>
+                <a:pt x="0" y="1522512"/>
+              </a:lnTo>
+              <a:lnTo>
+                <a:pt x="195193" y="1522512"/>
+              </a:lnTo>
+            </a:path>
+          </a:pathLst>
+        </a:custGeom>
+        <a:noFill/>
+        <a:ln w="12700" cap="flat" cmpd="sng" algn="ctr">
+          <a:solidFill>
+            <a:schemeClr val="accent1">
+              <a:shade val="80000"/>
+              <a:hueOff val="0"/>
+              <a:satOff val="0"/>
+              <a:lumOff val="0"/>
+              <a:alphaOff val="0"/>
+            </a:schemeClr>
+          </a:solidFill>
+          <a:prstDash val="solid"/>
+          <a:miter lim="800000"/>
+        </a:ln>
+        <a:effectLst/>
+      </dsp:spPr>
+      <dsp:style>
+        <a:lnRef idx="2">
+          <a:scrgbClr r="0" g="0" b="0"/>
+        </a:lnRef>
+        <a:fillRef idx="0">
+          <a:scrgbClr r="0" g="0" b="0"/>
+        </a:fillRef>
+        <a:effectRef idx="0">
+          <a:scrgbClr r="0" g="0" b="0"/>
+        </a:effectRef>
+        <a:fontRef idx="minor"/>
+      </dsp:style>
+    </dsp:sp>
+    <dsp:sp modelId="{31760A25-0D3F-4A70-B635-3544267E9209}">
+      <dsp:nvSpPr>
+        <dsp:cNvPr id="0" name=""/>
+        <dsp:cNvSpPr/>
+      </dsp:nvSpPr>
+      <dsp:spPr>
+        <a:xfrm>
+          <a:off x="5361903" y="1577074"/>
+          <a:ext cx="195193" cy="598594"/>
+        </a:xfrm>
+        <a:custGeom>
+          <a:avLst/>
+          <a:gdLst/>
+          <a:ahLst/>
+          <a:cxnLst/>
+          <a:rect l="0" t="0" r="0" b="0"/>
+          <a:pathLst>
+            <a:path>
+              <a:moveTo>
+                <a:pt x="0" y="0"/>
+              </a:moveTo>
+              <a:lnTo>
+                <a:pt x="0" y="598594"/>
+              </a:lnTo>
+              <a:lnTo>
+                <a:pt x="195193" y="598594"/>
+              </a:lnTo>
+            </a:path>
+          </a:pathLst>
+        </a:custGeom>
+        <a:noFill/>
+        <a:ln w="12700" cap="flat" cmpd="sng" algn="ctr">
+          <a:solidFill>
+            <a:schemeClr val="accent1">
+              <a:shade val="80000"/>
+              <a:hueOff val="0"/>
+              <a:satOff val="0"/>
+              <a:lumOff val="0"/>
+              <a:alphaOff val="0"/>
+            </a:schemeClr>
+          </a:solidFill>
+          <a:prstDash val="solid"/>
+          <a:miter lim="800000"/>
+        </a:ln>
+        <a:effectLst/>
+      </dsp:spPr>
+      <dsp:style>
+        <a:lnRef idx="2">
+          <a:scrgbClr r="0" g="0" b="0"/>
+        </a:lnRef>
+        <a:fillRef idx="0">
+          <a:scrgbClr r="0" g="0" b="0"/>
+        </a:fillRef>
+        <a:effectRef idx="0">
+          <a:scrgbClr r="0" g="0" b="0"/>
+        </a:effectRef>
+        <a:fontRef idx="minor"/>
+      </dsp:style>
+    </dsp:sp>
+    <dsp:sp modelId="{316B4E76-4E93-42E1-AFF2-EE4B5C98FBBE}">
+      <dsp:nvSpPr>
+        <dsp:cNvPr id="0" name=""/>
+        <dsp:cNvSpPr/>
+      </dsp:nvSpPr>
+      <dsp:spPr>
+        <a:xfrm>
+          <a:off x="5095138" y="653156"/>
+          <a:ext cx="787282" cy="273271"/>
+        </a:xfrm>
+        <a:custGeom>
+          <a:avLst/>
+          <a:gdLst/>
+          <a:ahLst/>
+          <a:cxnLst/>
+          <a:rect l="0" t="0" r="0" b="0"/>
+          <a:pathLst>
+            <a:path>
+              <a:moveTo>
+                <a:pt x="0" y="0"/>
+              </a:moveTo>
+              <a:lnTo>
+                <a:pt x="0" y="136635"/>
+              </a:lnTo>
+              <a:lnTo>
+                <a:pt x="787282" y="136635"/>
+              </a:lnTo>
+              <a:lnTo>
+                <a:pt x="787282" y="273271"/>
+              </a:lnTo>
+            </a:path>
+          </a:pathLst>
+        </a:custGeom>
+        <a:noFill/>
+        <a:ln w="12700" cap="flat" cmpd="sng" algn="ctr">
+          <a:solidFill>
+            <a:schemeClr val="accent1">
+              <a:shade val="60000"/>
+              <a:hueOff val="0"/>
+              <a:satOff val="0"/>
+              <a:lumOff val="0"/>
+              <a:alphaOff val="0"/>
+            </a:schemeClr>
+          </a:solidFill>
+          <a:prstDash val="solid"/>
+          <a:miter lim="800000"/>
+        </a:ln>
+        <a:effectLst/>
+      </dsp:spPr>
+      <dsp:style>
+        <a:lnRef idx="2">
+          <a:scrgbClr r="0" g="0" b="0"/>
+        </a:lnRef>
+        <a:fillRef idx="0">
+          <a:scrgbClr r="0" g="0" b="0"/>
+        </a:fillRef>
+        <a:effectRef idx="0">
+          <a:scrgbClr r="0" g="0" b="0"/>
+        </a:effectRef>
+        <a:fontRef idx="minor"/>
+      </dsp:style>
+    </dsp:sp>
+    <dsp:sp modelId="{AD32E5D1-4D2B-470E-8D09-0D03667B114B}">
+      <dsp:nvSpPr>
+        <dsp:cNvPr id="0" name=""/>
+        <dsp:cNvSpPr/>
+      </dsp:nvSpPr>
+      <dsp:spPr>
+        <a:xfrm>
+          <a:off x="3787339" y="1577074"/>
+          <a:ext cx="195193" cy="1522512"/>
+        </a:xfrm>
+        <a:custGeom>
+          <a:avLst/>
+          <a:gdLst/>
+          <a:ahLst/>
+          <a:cxnLst/>
+          <a:rect l="0" t="0" r="0" b="0"/>
+          <a:pathLst>
+            <a:path>
+              <a:moveTo>
+                <a:pt x="0" y="0"/>
+              </a:moveTo>
+              <a:lnTo>
+                <a:pt x="0" y="1522512"/>
+              </a:lnTo>
+              <a:lnTo>
+                <a:pt x="195193" y="1522512"/>
+              </a:lnTo>
+            </a:path>
+          </a:pathLst>
+        </a:custGeom>
+        <a:noFill/>
+        <a:ln w="12700" cap="flat" cmpd="sng" algn="ctr">
+          <a:solidFill>
+            <a:schemeClr val="accent1">
+              <a:shade val="80000"/>
+              <a:hueOff val="0"/>
+              <a:satOff val="0"/>
+              <a:lumOff val="0"/>
+              <a:alphaOff val="0"/>
+            </a:schemeClr>
+          </a:solidFill>
+          <a:prstDash val="solid"/>
+          <a:miter lim="800000"/>
+        </a:ln>
+        <a:effectLst/>
+      </dsp:spPr>
+      <dsp:style>
+        <a:lnRef idx="2">
+          <a:scrgbClr r="0" g="0" b="0"/>
+        </a:lnRef>
+        <a:fillRef idx="0">
+          <a:scrgbClr r="0" g="0" b="0"/>
+        </a:fillRef>
+        <a:effectRef idx="0">
+          <a:scrgbClr r="0" g="0" b="0"/>
+        </a:effectRef>
+        <a:fontRef idx="minor"/>
+      </dsp:style>
+    </dsp:sp>
+    <dsp:sp modelId="{609C7CB5-DD75-4FD3-8ECD-827D1C93BF0A}">
+      <dsp:nvSpPr>
+        <dsp:cNvPr id="0" name=""/>
+        <dsp:cNvSpPr/>
+      </dsp:nvSpPr>
+      <dsp:spPr>
+        <a:xfrm>
+          <a:off x="3787339" y="1577074"/>
+          <a:ext cx="195193" cy="598594"/>
+        </a:xfrm>
+        <a:custGeom>
+          <a:avLst/>
+          <a:gdLst/>
+          <a:ahLst/>
+          <a:cxnLst/>
+          <a:rect l="0" t="0" r="0" b="0"/>
+          <a:pathLst>
+            <a:path>
+              <a:moveTo>
+                <a:pt x="0" y="0"/>
+              </a:moveTo>
+              <a:lnTo>
+                <a:pt x="0" y="598594"/>
+              </a:lnTo>
+              <a:lnTo>
+                <a:pt x="195193" y="598594"/>
+              </a:lnTo>
+            </a:path>
+          </a:pathLst>
+        </a:custGeom>
+        <a:noFill/>
+        <a:ln w="12700" cap="flat" cmpd="sng" algn="ctr">
+          <a:solidFill>
+            <a:schemeClr val="accent1">
+              <a:shade val="80000"/>
+              <a:hueOff val="0"/>
+              <a:satOff val="0"/>
+              <a:lumOff val="0"/>
+              <a:alphaOff val="0"/>
+            </a:schemeClr>
+          </a:solidFill>
+          <a:prstDash val="solid"/>
+          <a:miter lim="800000"/>
+        </a:ln>
+        <a:effectLst/>
+      </dsp:spPr>
+      <dsp:style>
+        <a:lnRef idx="2">
+          <a:scrgbClr r="0" g="0" b="0"/>
+        </a:lnRef>
+        <a:fillRef idx="0">
+          <a:scrgbClr r="0" g="0" b="0"/>
+        </a:fillRef>
+        <a:effectRef idx="0">
+          <a:scrgbClr r="0" g="0" b="0"/>
+        </a:effectRef>
+        <a:fontRef idx="minor"/>
+      </dsp:style>
+    </dsp:sp>
+    <dsp:sp modelId="{63C974F4-B2D6-4AA7-9248-1EE814A229C9}">
+      <dsp:nvSpPr>
+        <dsp:cNvPr id="0" name=""/>
+        <dsp:cNvSpPr/>
+      </dsp:nvSpPr>
+      <dsp:spPr>
+        <a:xfrm>
+          <a:off x="4307856" y="653156"/>
+          <a:ext cx="787282" cy="273271"/>
+        </a:xfrm>
+        <a:custGeom>
+          <a:avLst/>
+          <a:gdLst/>
+          <a:ahLst/>
+          <a:cxnLst/>
+          <a:rect l="0" t="0" r="0" b="0"/>
+          <a:pathLst>
+            <a:path>
+              <a:moveTo>
+                <a:pt x="787282" y="0"/>
+              </a:moveTo>
+              <a:lnTo>
+                <a:pt x="787282" y="136635"/>
+              </a:lnTo>
+              <a:lnTo>
+                <a:pt x="0" y="136635"/>
+              </a:lnTo>
+              <a:lnTo>
+                <a:pt x="0" y="273271"/>
+              </a:lnTo>
+            </a:path>
+          </a:pathLst>
+        </a:custGeom>
+        <a:noFill/>
+        <a:ln w="12700" cap="flat" cmpd="sng" algn="ctr">
+          <a:solidFill>
+            <a:schemeClr val="accent1">
+              <a:shade val="60000"/>
+              <a:hueOff val="0"/>
+              <a:satOff val="0"/>
+              <a:lumOff val="0"/>
+              <a:alphaOff val="0"/>
+            </a:schemeClr>
+          </a:solidFill>
+          <a:prstDash val="solid"/>
+          <a:miter lim="800000"/>
+        </a:ln>
+        <a:effectLst/>
+      </dsp:spPr>
+      <dsp:style>
+        <a:lnRef idx="2">
+          <a:scrgbClr r="0" g="0" b="0"/>
+        </a:lnRef>
+        <a:fillRef idx="0">
+          <a:scrgbClr r="0" g="0" b="0"/>
+        </a:fillRef>
+        <a:effectRef idx="0">
+          <a:scrgbClr r="0" g="0" b="0"/>
+        </a:effectRef>
+        <a:fontRef idx="minor"/>
+      </dsp:style>
+    </dsp:sp>
+    <dsp:sp modelId="{42B403B3-3D32-44B3-9041-55DFC70C88B5}">
+      <dsp:nvSpPr>
+        <dsp:cNvPr id="0" name=""/>
+        <dsp:cNvSpPr/>
+      </dsp:nvSpPr>
+      <dsp:spPr>
+        <a:xfrm>
+          <a:off x="4444492" y="2510"/>
+          <a:ext cx="1301292" cy="650646"/>
+        </a:xfrm>
+        <a:prstGeom prst="rect">
+          <a:avLst/>
+        </a:prstGeom>
+        <a:solidFill>
+          <a:schemeClr val="accent1">
+            <a:hueOff val="0"/>
+            <a:satOff val="0"/>
+            <a:lumOff val="0"/>
+            <a:alphaOff val="0"/>
+          </a:schemeClr>
+        </a:solidFill>
+        <a:ln w="12700" cap="flat" cmpd="sng" algn="ctr">
+          <a:solidFill>
+            <a:schemeClr val="lt1">
+              <a:hueOff val="0"/>
+              <a:satOff val="0"/>
+              <a:lumOff val="0"/>
+              <a:alphaOff val="0"/>
+            </a:schemeClr>
+          </a:solidFill>
+          <a:prstDash val="solid"/>
+          <a:miter lim="800000"/>
+        </a:ln>
+        <a:effectLst/>
+      </dsp:spPr>
+      <dsp:style>
+        <a:lnRef idx="2">
+          <a:scrgbClr r="0" g="0" b="0"/>
+        </a:lnRef>
+        <a:fillRef idx="1">
+          <a:scrgbClr r="0" g="0" b="0"/>
+        </a:fillRef>
+        <a:effectRef idx="0">
+          <a:scrgbClr r="0" g="0" b="0"/>
+        </a:effectRef>
+        <a:fontRef idx="minor">
+          <a:schemeClr val="lt1"/>
+        </a:fontRef>
+      </dsp:style>
+      <dsp:txBody>
+        <a:bodyPr spcFirstLastPara="0" vert="horz" wrap="square" lIns="12700" tIns="12700" rIns="12700" bIns="12700" numCol="1" spcCol="1270" anchor="ctr" anchorCtr="0">
+          <a:noAutofit/>
+        </a:bodyPr>
+        <a:lstStyle/>
+        <a:p>
+          <a:pPr lvl="0" algn="ctr" defTabSz="889000">
+            <a:lnSpc>
+              <a:spcPct val="90000"/>
+            </a:lnSpc>
+            <a:spcBef>
+              <a:spcPct val="0"/>
+            </a:spcBef>
+            <a:spcAft>
+              <a:spcPct val="35000"/>
+            </a:spcAft>
+          </a:pPr>
+          <a:r>
+            <a:rPr lang="en-US" sz="2000" kern="1200" dirty="0" smtClean="0"/>
+            <a:t>Rover</a:t>
+          </a:r>
+          <a:endParaRPr lang="en-US" sz="2000" kern="1200" dirty="0"/>
+        </a:p>
+      </dsp:txBody>
+      <dsp:txXfrm>
+        <a:off x="4444492" y="2510"/>
+        <a:ext cx="1301292" cy="650646"/>
+      </dsp:txXfrm>
+    </dsp:sp>
+    <dsp:sp modelId="{B0B2BE96-60A0-48C7-84FC-4723AF73814A}">
+      <dsp:nvSpPr>
+        <dsp:cNvPr id="0" name=""/>
+        <dsp:cNvSpPr/>
+      </dsp:nvSpPr>
+      <dsp:spPr>
+        <a:xfrm>
+          <a:off x="3657210" y="926428"/>
+          <a:ext cx="1301292" cy="650646"/>
+        </a:xfrm>
+        <a:prstGeom prst="rect">
+          <a:avLst/>
+        </a:prstGeom>
+        <a:solidFill>
+          <a:schemeClr val="accent1">
+            <a:hueOff val="0"/>
+            <a:satOff val="0"/>
+            <a:lumOff val="0"/>
+            <a:alphaOff val="0"/>
+          </a:schemeClr>
+        </a:solidFill>
+        <a:ln w="12700" cap="flat" cmpd="sng" algn="ctr">
+          <a:solidFill>
+            <a:schemeClr val="lt1">
+              <a:hueOff val="0"/>
+              <a:satOff val="0"/>
+              <a:lumOff val="0"/>
+              <a:alphaOff val="0"/>
+            </a:schemeClr>
+          </a:solidFill>
+          <a:prstDash val="solid"/>
+          <a:miter lim="800000"/>
+        </a:ln>
+        <a:effectLst/>
+      </dsp:spPr>
+      <dsp:style>
+        <a:lnRef idx="2">
+          <a:scrgbClr r="0" g="0" b="0"/>
+        </a:lnRef>
+        <a:fillRef idx="1">
+          <a:scrgbClr r="0" g="0" b="0"/>
+        </a:fillRef>
+        <a:effectRef idx="0">
+          <a:scrgbClr r="0" g="0" b="0"/>
+        </a:effectRef>
+        <a:fontRef idx="minor">
+          <a:schemeClr val="lt1"/>
+        </a:fontRef>
+      </dsp:style>
+      <dsp:txBody>
+        <a:bodyPr spcFirstLastPara="0" vert="horz" wrap="square" lIns="12700" tIns="12700" rIns="12700" bIns="12700" numCol="1" spcCol="1270" anchor="ctr" anchorCtr="0">
+          <a:noAutofit/>
+        </a:bodyPr>
+        <a:lstStyle/>
+        <a:p>
+          <a:pPr lvl="0" algn="ctr" defTabSz="889000">
+            <a:lnSpc>
+              <a:spcPct val="90000"/>
+            </a:lnSpc>
+            <a:spcBef>
+              <a:spcPct val="0"/>
+            </a:spcBef>
+            <a:spcAft>
+              <a:spcPct val="35000"/>
+            </a:spcAft>
+          </a:pPr>
+          <a:r>
+            <a:rPr lang="en-US" sz="2000" kern="1200" dirty="0" smtClean="0"/>
+            <a:t>Rover</a:t>
+          </a:r>
+          <a:endParaRPr lang="en-US" sz="2000" kern="1200" dirty="0"/>
+        </a:p>
+      </dsp:txBody>
+      <dsp:txXfrm>
+        <a:off x="3657210" y="926428"/>
+        <a:ext cx="1301292" cy="650646"/>
+      </dsp:txXfrm>
+    </dsp:sp>
+    <dsp:sp modelId="{E03B3577-05C1-42F3-9CBC-24C93EA8BB65}">
+      <dsp:nvSpPr>
+        <dsp:cNvPr id="0" name=""/>
+        <dsp:cNvSpPr/>
+      </dsp:nvSpPr>
+      <dsp:spPr>
+        <a:xfrm>
+          <a:off x="3982533" y="1850345"/>
+          <a:ext cx="1301292" cy="650646"/>
+        </a:xfrm>
+        <a:prstGeom prst="rect">
+          <a:avLst/>
+        </a:prstGeom>
+        <a:solidFill>
+          <a:schemeClr val="accent1">
+            <a:hueOff val="0"/>
+            <a:satOff val="0"/>
+            <a:lumOff val="0"/>
+            <a:alphaOff val="0"/>
+          </a:schemeClr>
+        </a:solidFill>
+        <a:ln w="12700" cap="flat" cmpd="sng" algn="ctr">
+          <a:solidFill>
+            <a:schemeClr val="lt1">
+              <a:hueOff val="0"/>
+              <a:satOff val="0"/>
+              <a:lumOff val="0"/>
+              <a:alphaOff val="0"/>
+            </a:schemeClr>
+          </a:solidFill>
+          <a:prstDash val="solid"/>
+          <a:miter lim="800000"/>
+        </a:ln>
+        <a:effectLst/>
+      </dsp:spPr>
+      <dsp:style>
+        <a:lnRef idx="2">
+          <a:scrgbClr r="0" g="0" b="0"/>
+        </a:lnRef>
+        <a:fillRef idx="1">
+          <a:scrgbClr r="0" g="0" b="0"/>
+        </a:fillRef>
+        <a:effectRef idx="0">
+          <a:scrgbClr r="0" g="0" b="0"/>
+        </a:effectRef>
+        <a:fontRef idx="minor">
+          <a:schemeClr val="lt1"/>
+        </a:fontRef>
+      </dsp:style>
+      <dsp:txBody>
+        <a:bodyPr spcFirstLastPara="0" vert="horz" wrap="square" lIns="12700" tIns="12700" rIns="12700" bIns="12700" numCol="1" spcCol="1270" anchor="ctr" anchorCtr="0">
+          <a:noAutofit/>
+        </a:bodyPr>
+        <a:lstStyle/>
+        <a:p>
+          <a:pPr lvl="0" algn="ctr" defTabSz="889000">
+            <a:lnSpc>
+              <a:spcPct val="90000"/>
+            </a:lnSpc>
+            <a:spcBef>
+              <a:spcPct val="0"/>
+            </a:spcBef>
+            <a:spcAft>
+              <a:spcPct val="35000"/>
+            </a:spcAft>
+          </a:pPr>
+          <a:r>
+            <a:rPr lang="en-US" sz="2000" kern="1200" dirty="0" smtClean="0"/>
+            <a:t>Movement</a:t>
+          </a:r>
+        </a:p>
+      </dsp:txBody>
+      <dsp:txXfrm>
+        <a:off x="3982533" y="1850345"/>
+        <a:ext cx="1301292" cy="650646"/>
+      </dsp:txXfrm>
+    </dsp:sp>
+    <dsp:sp modelId="{819A0B84-98AF-4777-B1FF-AD80B93E38AD}">
+      <dsp:nvSpPr>
+        <dsp:cNvPr id="0" name=""/>
+        <dsp:cNvSpPr/>
+      </dsp:nvSpPr>
+      <dsp:spPr>
+        <a:xfrm>
+          <a:off x="3982533" y="2774263"/>
+          <a:ext cx="1301292" cy="650646"/>
+        </a:xfrm>
+        <a:prstGeom prst="rect">
+          <a:avLst/>
+        </a:prstGeom>
+        <a:solidFill>
+          <a:schemeClr val="accent1">
+            <a:hueOff val="0"/>
+            <a:satOff val="0"/>
+            <a:lumOff val="0"/>
+            <a:alphaOff val="0"/>
+          </a:schemeClr>
+        </a:solidFill>
+        <a:ln w="12700" cap="flat" cmpd="sng" algn="ctr">
+          <a:solidFill>
+            <a:schemeClr val="lt1">
+              <a:hueOff val="0"/>
+              <a:satOff val="0"/>
+              <a:lumOff val="0"/>
+              <a:alphaOff val="0"/>
+            </a:schemeClr>
+          </a:solidFill>
+          <a:prstDash val="solid"/>
+          <a:miter lim="800000"/>
+        </a:ln>
+        <a:effectLst/>
+      </dsp:spPr>
+      <dsp:style>
+        <a:lnRef idx="2">
+          <a:scrgbClr r="0" g="0" b="0"/>
+        </a:lnRef>
+        <a:fillRef idx="1">
+          <a:scrgbClr r="0" g="0" b="0"/>
+        </a:fillRef>
+        <a:effectRef idx="0">
+          <a:scrgbClr r="0" g="0" b="0"/>
+        </a:effectRef>
+        <a:fontRef idx="minor">
+          <a:schemeClr val="lt1"/>
+        </a:fontRef>
+      </dsp:style>
+      <dsp:txBody>
+        <a:bodyPr spcFirstLastPara="0" vert="horz" wrap="square" lIns="12700" tIns="12700" rIns="12700" bIns="12700" numCol="1" spcCol="1270" anchor="ctr" anchorCtr="0">
+          <a:noAutofit/>
+        </a:bodyPr>
+        <a:lstStyle/>
+        <a:p>
+          <a:pPr lvl="0" algn="ctr" defTabSz="889000">
+            <a:lnSpc>
+              <a:spcPct val="90000"/>
+            </a:lnSpc>
+            <a:spcBef>
+              <a:spcPct val="0"/>
+            </a:spcBef>
+            <a:spcAft>
+              <a:spcPct val="35000"/>
+            </a:spcAft>
+          </a:pPr>
+          <a:r>
+            <a:rPr lang="en-US" sz="2000" kern="1200" dirty="0" smtClean="0"/>
+            <a:t>Mars Landing</a:t>
+          </a:r>
+        </a:p>
+      </dsp:txBody>
+      <dsp:txXfrm>
+        <a:off x="3982533" y="2774263"/>
+        <a:ext cx="1301292" cy="650646"/>
+      </dsp:txXfrm>
+    </dsp:sp>
+    <dsp:sp modelId="{4F90BCF2-6C7F-4A6C-B960-EF9155EE0A23}">
+      <dsp:nvSpPr>
+        <dsp:cNvPr id="0" name=""/>
+        <dsp:cNvSpPr/>
+      </dsp:nvSpPr>
+      <dsp:spPr>
+        <a:xfrm>
+          <a:off x="5231774" y="926428"/>
+          <a:ext cx="1301292" cy="650646"/>
+        </a:xfrm>
+        <a:prstGeom prst="rect">
+          <a:avLst/>
+        </a:prstGeom>
+        <a:solidFill>
+          <a:schemeClr val="accent1">
+            <a:hueOff val="0"/>
+            <a:satOff val="0"/>
+            <a:lumOff val="0"/>
+            <a:alphaOff val="0"/>
+          </a:schemeClr>
+        </a:solidFill>
+        <a:ln w="12700" cap="flat" cmpd="sng" algn="ctr">
+          <a:solidFill>
+            <a:schemeClr val="lt1">
+              <a:hueOff val="0"/>
+              <a:satOff val="0"/>
+              <a:lumOff val="0"/>
+              <a:alphaOff val="0"/>
+            </a:schemeClr>
+          </a:solidFill>
+          <a:prstDash val="solid"/>
+          <a:miter lim="800000"/>
+        </a:ln>
+        <a:effectLst/>
+      </dsp:spPr>
+      <dsp:style>
+        <a:lnRef idx="2">
+          <a:scrgbClr r="0" g="0" b="0"/>
+        </a:lnRef>
+        <a:fillRef idx="1">
+          <a:scrgbClr r="0" g="0" b="0"/>
+        </a:fillRef>
+        <a:effectRef idx="0">
+          <a:scrgbClr r="0" g="0" b="0"/>
+        </a:effectRef>
+        <a:fontRef idx="minor">
+          <a:schemeClr val="lt1"/>
+        </a:fontRef>
+      </dsp:style>
+      <dsp:txBody>
+        <a:bodyPr spcFirstLastPara="0" vert="horz" wrap="square" lIns="12700" tIns="12700" rIns="12700" bIns="12700" numCol="1" spcCol="1270" anchor="ctr" anchorCtr="0">
+          <a:noAutofit/>
+        </a:bodyPr>
+        <a:lstStyle/>
+        <a:p>
+          <a:pPr lvl="0" algn="ctr" defTabSz="889000">
+            <a:lnSpc>
+              <a:spcPct val="90000"/>
+            </a:lnSpc>
+            <a:spcBef>
+              <a:spcPct val="0"/>
+            </a:spcBef>
+            <a:spcAft>
+              <a:spcPct val="35000"/>
+            </a:spcAft>
+          </a:pPr>
+          <a:r>
+            <a:rPr lang="en-US" sz="2000" kern="1200" dirty="0" smtClean="0"/>
+            <a:t>Mars</a:t>
+          </a:r>
+          <a:endParaRPr lang="en-US" sz="2000" kern="1200" dirty="0"/>
+        </a:p>
+      </dsp:txBody>
+      <dsp:txXfrm>
+        <a:off x="5231774" y="926428"/>
+        <a:ext cx="1301292" cy="650646"/>
+      </dsp:txXfrm>
+    </dsp:sp>
+    <dsp:sp modelId="{8E92EE0E-361A-4D72-91FE-F8E047A84273}">
+      <dsp:nvSpPr>
+        <dsp:cNvPr id="0" name=""/>
+        <dsp:cNvSpPr/>
+      </dsp:nvSpPr>
+      <dsp:spPr>
+        <a:xfrm>
+          <a:off x="5557097" y="1850345"/>
+          <a:ext cx="1301292" cy="650646"/>
+        </a:xfrm>
+        <a:prstGeom prst="rect">
+          <a:avLst/>
+        </a:prstGeom>
+        <a:solidFill>
+          <a:schemeClr val="accent1">
+            <a:hueOff val="0"/>
+            <a:satOff val="0"/>
+            <a:lumOff val="0"/>
+            <a:alphaOff val="0"/>
+          </a:schemeClr>
+        </a:solidFill>
+        <a:ln w="12700" cap="flat" cmpd="sng" algn="ctr">
+          <a:solidFill>
+            <a:schemeClr val="lt1">
+              <a:hueOff val="0"/>
+              <a:satOff val="0"/>
+              <a:lumOff val="0"/>
+              <a:alphaOff val="0"/>
+            </a:schemeClr>
+          </a:solidFill>
+          <a:prstDash val="solid"/>
+          <a:miter lim="800000"/>
+        </a:ln>
+        <a:effectLst/>
+      </dsp:spPr>
+      <dsp:style>
+        <a:lnRef idx="2">
+          <a:scrgbClr r="0" g="0" b="0"/>
+        </a:lnRef>
+        <a:fillRef idx="1">
+          <a:scrgbClr r="0" g="0" b="0"/>
+        </a:fillRef>
+        <a:effectRef idx="0">
+          <a:scrgbClr r="0" g="0" b="0"/>
+        </a:effectRef>
+        <a:fontRef idx="minor">
+          <a:schemeClr val="lt1"/>
+        </a:fontRef>
+      </dsp:style>
+      <dsp:txBody>
+        <a:bodyPr spcFirstLastPara="0" vert="horz" wrap="square" lIns="12700" tIns="12700" rIns="12700" bIns="12700" numCol="1" spcCol="1270" anchor="ctr" anchorCtr="0">
+          <a:noAutofit/>
+        </a:bodyPr>
+        <a:lstStyle/>
+        <a:p>
+          <a:pPr lvl="0" algn="ctr" defTabSz="889000">
+            <a:lnSpc>
+              <a:spcPct val="90000"/>
+            </a:lnSpc>
+            <a:spcBef>
+              <a:spcPct val="0"/>
+            </a:spcBef>
+            <a:spcAft>
+              <a:spcPct val="35000"/>
+            </a:spcAft>
+          </a:pPr>
+          <a:r>
+            <a:rPr lang="en-US" sz="2000" kern="1200" dirty="0" smtClean="0"/>
+            <a:t>Boundaries</a:t>
+          </a:r>
+          <a:endParaRPr lang="en-US" sz="2000" kern="1200" dirty="0"/>
+        </a:p>
+      </dsp:txBody>
+      <dsp:txXfrm>
+        <a:off x="5557097" y="1850345"/>
+        <a:ext cx="1301292" cy="650646"/>
+      </dsp:txXfrm>
+    </dsp:sp>
+    <dsp:sp modelId="{CB9E3867-74E8-48E5-B3B9-C478E5B46609}">
+      <dsp:nvSpPr>
+        <dsp:cNvPr id="0" name=""/>
+        <dsp:cNvSpPr/>
+      </dsp:nvSpPr>
+      <dsp:spPr>
+        <a:xfrm>
+          <a:off x="5557097" y="2774263"/>
+          <a:ext cx="1301292" cy="650646"/>
+        </a:xfrm>
+        <a:prstGeom prst="rect">
+          <a:avLst/>
+        </a:prstGeom>
+        <a:solidFill>
+          <a:schemeClr val="accent1">
+            <a:hueOff val="0"/>
+            <a:satOff val="0"/>
+            <a:lumOff val="0"/>
+            <a:alphaOff val="0"/>
+          </a:schemeClr>
+        </a:solidFill>
+        <a:ln w="12700" cap="flat" cmpd="sng" algn="ctr">
+          <a:solidFill>
+            <a:schemeClr val="lt1">
+              <a:hueOff val="0"/>
+              <a:satOff val="0"/>
+              <a:lumOff val="0"/>
+              <a:alphaOff val="0"/>
+            </a:schemeClr>
+          </a:solidFill>
+          <a:prstDash val="solid"/>
+          <a:miter lim="800000"/>
+        </a:ln>
+        <a:effectLst/>
+      </dsp:spPr>
+      <dsp:style>
+        <a:lnRef idx="2">
+          <a:scrgbClr r="0" g="0" b="0"/>
+        </a:lnRef>
+        <a:fillRef idx="1">
+          <a:scrgbClr r="0" g="0" b="0"/>
+        </a:fillRef>
+        <a:effectRef idx="0">
+          <a:scrgbClr r="0" g="0" b="0"/>
+        </a:effectRef>
+        <a:fontRef idx="minor">
+          <a:schemeClr val="lt1"/>
+        </a:fontRef>
+      </dsp:style>
+      <dsp:txBody>
+        <a:bodyPr spcFirstLastPara="0" vert="horz" wrap="square" lIns="12700" tIns="12700" rIns="12700" bIns="12700" numCol="1" spcCol="1270" anchor="ctr" anchorCtr="0">
+          <a:noAutofit/>
+        </a:bodyPr>
+        <a:lstStyle/>
+        <a:p>
+          <a:pPr lvl="0" algn="ctr" defTabSz="889000">
+            <a:lnSpc>
+              <a:spcPct val="90000"/>
+            </a:lnSpc>
+            <a:spcBef>
+              <a:spcPct val="0"/>
+            </a:spcBef>
+            <a:spcAft>
+              <a:spcPct val="35000"/>
+            </a:spcAft>
+          </a:pPr>
+          <a:r>
+            <a:rPr lang="en-US" sz="2000" kern="1200" dirty="0" smtClean="0"/>
+            <a:t>Coordinates</a:t>
+          </a:r>
+        </a:p>
+      </dsp:txBody>
+      <dsp:txXfrm>
+        <a:off x="5557097" y="2774263"/>
+        <a:ext cx="1301292" cy="650646"/>
+      </dsp:txXfrm>
+    </dsp:sp>
+    <dsp:sp modelId="{A2A5CB50-89DB-4E85-87D7-BC164DE3804D}">
+      <dsp:nvSpPr>
+        <dsp:cNvPr id="0" name=""/>
+        <dsp:cNvSpPr/>
+      </dsp:nvSpPr>
+      <dsp:spPr>
+        <a:xfrm>
+          <a:off x="5557097" y="3698181"/>
+          <a:ext cx="1301292" cy="650646"/>
+        </a:xfrm>
+        <a:prstGeom prst="rect">
+          <a:avLst/>
+        </a:prstGeom>
+        <a:solidFill>
+          <a:schemeClr val="accent1">
+            <a:hueOff val="0"/>
+            <a:satOff val="0"/>
+            <a:lumOff val="0"/>
+            <a:alphaOff val="0"/>
+          </a:schemeClr>
+        </a:solidFill>
+        <a:ln w="12700" cap="flat" cmpd="sng" algn="ctr">
+          <a:solidFill>
+            <a:schemeClr val="lt1">
+              <a:hueOff val="0"/>
+              <a:satOff val="0"/>
+              <a:lumOff val="0"/>
+              <a:alphaOff val="0"/>
+            </a:schemeClr>
+          </a:solidFill>
+          <a:prstDash val="solid"/>
+          <a:miter lim="800000"/>
+        </a:ln>
+        <a:effectLst/>
+      </dsp:spPr>
+      <dsp:style>
+        <a:lnRef idx="2">
+          <a:scrgbClr r="0" g="0" b="0"/>
+        </a:lnRef>
+        <a:fillRef idx="1">
+          <a:scrgbClr r="0" g="0" b="0"/>
+        </a:fillRef>
+        <a:effectRef idx="0">
+          <a:scrgbClr r="0" g="0" b="0"/>
+        </a:effectRef>
+        <a:fontRef idx="minor">
+          <a:schemeClr val="lt1"/>
+        </a:fontRef>
+      </dsp:style>
+      <dsp:txBody>
+        <a:bodyPr spcFirstLastPara="0" vert="horz" wrap="square" lIns="12700" tIns="12700" rIns="12700" bIns="12700" numCol="1" spcCol="1270" anchor="ctr" anchorCtr="0">
+          <a:noAutofit/>
+        </a:bodyPr>
+        <a:lstStyle/>
+        <a:p>
+          <a:pPr lvl="0" algn="ctr" defTabSz="889000">
+            <a:lnSpc>
+              <a:spcPct val="90000"/>
+            </a:lnSpc>
+            <a:spcBef>
+              <a:spcPct val="0"/>
+            </a:spcBef>
+            <a:spcAft>
+              <a:spcPct val="35000"/>
+            </a:spcAft>
+          </a:pPr>
+          <a:r>
+            <a:rPr lang="en-US" sz="2000" kern="1200" dirty="0" smtClean="0"/>
+            <a:t>Obstacles</a:t>
+          </a:r>
+        </a:p>
+      </dsp:txBody>
+      <dsp:txXfrm>
+        <a:off x="5557097" y="3698181"/>
+        <a:ext cx="1301292" cy="650646"/>
+      </dsp:txXfrm>
+    </dsp:sp>
+  </dsp:spTree>
+</dsp:drawing>
+</file>
+
+<file path=ppt/diagrams/layout1.xml><?xml version="1.0" encoding="utf-8"?>
+<dgm:layoutDef xmlns:dgm="http://schemas.openxmlformats.org/drawingml/2006/diagram" xmlns:a="http://schemas.openxmlformats.org/drawingml/2006/main" uniqueId="urn:microsoft.com/office/officeart/2005/8/layout/orgChart1">
+  <dgm:title val=""/>
+  <dgm:desc val=""/>
+  <dgm:catLst>
+    <dgm:cat type="hierarchy" pri="1000"/>
+    <dgm:cat type="convert" pri="6000"/>
+  </dgm:catLst>
+  <dgm:sampData>
+    <dgm:dataModel>
+      <dgm:ptLst>
+        <dgm:pt modelId="0" type="doc"/>
+        <dgm:pt modelId="1">
+          <dgm:prSet phldr="1"/>
+        </dgm:pt>
+        <dgm:pt modelId="2" type="asst">
+          <dgm:prSet phldr="1"/>
+        </dgm:pt>
+        <dgm:pt modelId="3">
+          <dgm:prSet phldr="1"/>
+        </dgm:pt>
+        <dgm:pt modelId="4">
+          <dgm:prSet phldr="1"/>
+        </dgm:pt>
+        <dgm:pt modelId="5">
+          <dgm:prSet phldr="1"/>
+        </dgm:pt>
+      </dgm:ptLst>
+      <dgm:cxnLst>
+        <dgm:cxn modelId="5" srcId="0" destId="1" srcOrd="0" destOrd="0"/>
+        <dgm:cxn modelId="6" srcId="1" destId="2" srcOrd="0" destOrd="0"/>
+        <dgm:cxn modelId="7" srcId="1" destId="3" srcOrd="1" destOrd="0"/>
+        <dgm:cxn modelId="8" srcId="1" destId="4" srcOrd="2" destOrd="0"/>
+        <dgm:cxn modelId="9" srcId="1" destId="5" srcOrd="3" destOrd="0"/>
+      </dgm:cxnLst>
+      <dgm:bg/>
+      <dgm:whole/>
+    </dgm:dataModel>
+  </dgm:sampData>
+  <dgm:styleData>
+    <dgm:dataModel>
+      <dgm:ptLst>
+        <dgm:pt modelId="0" type="doc"/>
+        <dgm:pt modelId="1"/>
+        <dgm:pt modelId="12"/>
+        <dgm:pt modelId="13"/>
+      </dgm:ptLst>
+      <dgm:cxnLst>
+        <dgm:cxn modelId="2" srcId="0" destId="1" srcOrd="0" destOrd="0"/>
+        <dgm:cxn modelId="16" srcId="1" destId="12" srcOrd="1" destOrd="0"/>
+        <dgm:cxn modelId="17" srcId="1" destId="13" srcOrd="2" destOrd="0"/>
+      </dgm:cxnLst>
+      <dgm:bg/>
+      <dgm:whole/>
+    </dgm:dataModel>
+  </dgm:styleData>
+  <dgm:clrData>
+    <dgm:dataModel>
+      <dgm:ptLst>
+        <dgm:pt modelId="0" type="doc"/>
+        <dgm:pt modelId="1"/>
+        <dgm:pt modelId="11" type="asst"/>
+        <dgm:pt modelId="12"/>
+        <dgm:pt modelId="13"/>
+        <dgm:pt modelId="14"/>
+      </dgm:ptLst>
+      <dgm:cxnLst>
+        <dgm:cxn modelId="2" srcId="0" destId="1" srcOrd="0" destOrd="0"/>
+        <dgm:cxn modelId="15" srcId="1" destId="11" srcOrd="0" destOrd="0"/>
+        <dgm:cxn modelId="16" srcId="1" destId="12" srcOrd="1" destOrd="0"/>
+        <dgm:cxn modelId="17" srcId="1" destId="13" srcOrd="2" destOrd="0"/>
+        <dgm:cxn modelId="18" srcId="1" destId="14" srcOrd="2" destOrd="0"/>
+      </dgm:cxnLst>
+      <dgm:bg/>
+      <dgm:whole/>
+    </dgm:dataModel>
+  </dgm:clrData>
+  <dgm:layoutNode name="hierChild1">
+    <dgm:varLst>
+      <dgm:orgChart val="1"/>
+      <dgm:chPref val="1"/>
+      <dgm:dir/>
+      <dgm:animOne val="branch"/>
+      <dgm:animLvl val="lvl"/>
+      <dgm:resizeHandles/>
+    </dgm:varLst>
+    <dgm:choose name="Name0">
+      <dgm:if name="Name1" func="var" arg="dir" op="equ" val="norm">
+        <dgm:alg type="hierChild">
+          <dgm:param type="linDir" val="fromL"/>
+        </dgm:alg>
+      </dgm:if>
+      <dgm:else name="Name2">
+        <dgm:alg type="hierChild">
+          <dgm:param type="linDir" val="fromR"/>
+        </dgm:alg>
+      </dgm:else>
+    </dgm:choose>
+    <dgm:shape xmlns:r="http://schemas.openxmlformats.org/officeDocument/2006/relationships" r:blip="">
+      <dgm:adjLst/>
+    </dgm:shape>
+    <dgm:presOf/>
+    <dgm:constrLst>
+      <dgm:constr type="w" for="des" forName="rootComposite1" refType="w" fact="10"/>
+      <dgm:constr type="h" for="des" forName="rootComposite1" refType="w" refFor="des" refForName="rootComposite1" fact="0.5"/>
+      <dgm:constr type="w" for="des" forName="rootComposite" refType="w" fact="10"/>
+      <dgm:constr type="h" for="des" forName="rootComposite" refType="w" refFor="des" refForName="rootComposite1" fact="0.5"/>
+      <dgm:constr type="w" for="des" forName="rootComposite3" refType="w" fact="10"/>
+      <dgm:constr type="h" for="des" forName="rootComposite3" refType="w" refFor="des" refForName="rootComposite1" fact="0.5"/>
+      <dgm:constr type="primFontSz" for="des" ptType="node" op="equ"/>
+      <dgm:constr type="sp" for="des" op="equ"/>
+      <dgm:constr type="sp" for="des" forName="hierRoot1" refType="w" refFor="des" refForName="rootComposite1" fact="0.21"/>
+      <dgm:constr type="sp" for="des" forName="hierRoot2" refType="sp" refFor="des" refForName="hierRoot1"/>
+      <dgm:constr type="sp" for="des" forName="hierRoot3" refType="sp" refFor="des" refForName="hierRoot1"/>
+      <dgm:constr type="sibSp" refType="w" refFor="des" refForName="rootComposite1" fact="0.21"/>
+      <dgm:constr type="sibSp" for="des" forName="hierChild2" refType="sibSp"/>
+      <dgm:constr type="sibSp" for="des" forName="hierChild3" refType="sibSp"/>
+      <dgm:constr type="sibSp" for="des" forName="hierChild4" refType="sibSp"/>
+      <dgm:constr type="sibSp" for="des" forName="hierChild5" refType="sibSp"/>
+      <dgm:constr type="sibSp" for="des" forName="hierChild6" refType="sibSp"/>
+      <dgm:constr type="sibSp" for="des" forName="hierChild7" refType="sibSp"/>
+      <dgm:constr type="secSibSp" refType="w" refFor="des" refForName="rootComposite1" fact="0.21"/>
+      <dgm:constr type="secSibSp" for="des" forName="hierChild2" refType="secSibSp"/>
+      <dgm:constr type="secSibSp" for="des" forName="hierChild3" refType="secSibSp"/>
+      <dgm:constr type="secSibSp" for="des" forName="hierChild4" refType="secSibSp"/>
+      <dgm:constr type="secSibSp" for="des" forName="hierChild5" refType="secSibSp"/>
+      <dgm:constr type="secSibSp" for="des" forName="hierChild6" refType="secSibSp"/>
+      <dgm:constr type="secSibSp" for="des" forName="hierChild7" refType="secSibSp"/>
+    </dgm:constrLst>
+    <dgm:ruleLst/>
+    <dgm:forEach name="Name3" axis="ch">
+      <dgm:forEach name="Name4" axis="self" ptType="node">
+        <dgm:layoutNode name="hierRoot1">
+          <dgm:varLst>
+            <dgm:hierBranch val="init"/>
+          </dgm:varLst>
+          <dgm:choose name="Name5">
+            <dgm:if name="Name6" func="var" arg="hierBranch" op="equ" val="l">
+              <dgm:choose name="Name7">
+                <dgm:if name="Name8" axis="ch" ptType="asst" func="cnt" op="gte" val="1">
+                  <dgm:alg type="hierRoot">
+                    <dgm:param type="hierAlign" val="tR"/>
+                  </dgm:alg>
+                  <dgm:constrLst>
+                    <dgm:constr type="alignOff" val="0.65"/>
+                  </dgm:constrLst>
+                </dgm:if>
+                <dgm:else name="Name9">
+                  <dgm:alg type="hierRoot">
+                    <dgm:param type="hierAlign" val="tR"/>
+                  </dgm:alg>
+                  <dgm:constrLst>
+                    <dgm:constr type="alignOff" val="0.25"/>
+                  </dgm:constrLst>
+                </dgm:else>
+              </dgm:choose>
+            </dgm:if>
+            <dgm:if name="Name10" func="var" arg="hierBranch" op="equ" val="r">
+              <dgm:choose name="Name11">
+                <dgm:if name="Name12" axis="ch" ptType="asst" func="cnt" op="gte" val="1">
+                  <dgm:alg type="hierRoot">
+                    <dgm:param type="hierAlign" val="tL"/>
+                  </dgm:alg>
+                  <dgm:constrLst>
+                    <dgm:constr type="alignOff" val="0.65"/>
+                  </dgm:constrLst>
+                </dgm:if>
+                <dgm:else name="Name13">
+                  <dgm:alg type="hierRoot">
+                    <dgm:param type="hierAlign" val="tL"/>
+                  </dgm:alg>
+                  <dgm:constrLst>
+                    <dgm:constr type="alignOff" val="0.25"/>
+                  </dgm:constrLst>
+                </dgm:else>
+              </dgm:choose>
+            </dgm:if>
+            <dgm:if name="Name14" func="var" arg="hierBranch" op="equ" val="hang">
+              <dgm:alg type="hierRoot"/>
+              <dgm:constrLst>
+                <dgm:constr type="alignOff" val="0.65"/>
+              </dgm:constrLst>
+            </dgm:if>
+            <dgm:else name="Name15">
+              <dgm:alg type="hierRoot"/>
+              <dgm:constrLst>
+                <dgm:constr type="alignOff"/>
+                <dgm:constr type="bendDist" for="des" ptType="parTrans" refType="sp" fact="0.5"/>
+              </dgm:constrLst>
+            </dgm:else>
+          </dgm:choose>
+          <dgm:shape xmlns:r="http://schemas.openxmlformats.org/officeDocument/2006/relationships" r:blip="">
+            <dgm:adjLst/>
+          </dgm:shape>
+          <dgm:presOf/>
+          <dgm:ruleLst/>
+          <dgm:layoutNode name="rootComposite1">
+            <dgm:alg type="composite"/>
+            <dgm:shape xmlns:r="http://schemas.openxmlformats.org/officeDocument/2006/relationships" r:blip="">
+              <dgm:adjLst/>
+            </dgm:shape>
+            <dgm:presOf axis="self" ptType="node" cnt="1"/>
+            <dgm:choose name="Name16">
+              <dgm:if name="Name17" func="var" arg="hierBranch" op="equ" val="init">
+                <dgm:constrLst>
+                  <dgm:constr type="l" for="ch" forName="rootText1"/>
+                  <dgm:constr type="t" for="ch" forName="rootText1"/>
+                  <dgm:constr type="w" for="ch" forName="rootText1" refType="w"/>
+                  <dgm:constr type="h" for="ch" forName="rootText1" refType="h"/>
+                  <dgm:constr type="l" for="ch" forName="rootConnector1"/>
+                  <dgm:constr type="t" for="ch" forName="rootConnector1"/>
+                  <dgm:constr type="w" for="ch" forName="rootConnector1" refType="w" refFor="ch" refForName="rootText1" fact="0.2"/>
+                  <dgm:constr type="h" for="ch" forName="rootConnector1" refType="h" refFor="ch" refForName="rootText1"/>
+                </dgm:constrLst>
+              </dgm:if>
+              <dgm:if name="Name18" func="var" arg="hierBranch" op="equ" val="l">
+                <dgm:constrLst>
+                  <dgm:constr type="l" for="ch" forName="rootText1"/>
+                  <dgm:constr type="t" for="ch" forName="rootText1"/>
+                  <dgm:constr type="w" for="ch" forName="rootText1" refType="w"/>
+                  <dgm:constr type="h" for="ch" forName="rootText1" refType="h"/>
+                  <dgm:constr type="r" for="ch" forName="rootConnector1" refType="w"/>
+                  <dgm:constr type="t" for="ch" forName="rootConnector1"/>
+                  <dgm:constr type="w" for="ch" forName="rootConnector1" refType="w" refFor="ch" refForName="rootText1" fact="0.2"/>
+                  <dgm:constr type="h" for="ch" forName="rootConnector1" refType="h" refFor="ch" refForName="rootText1"/>
+                </dgm:constrLst>
+              </dgm:if>
+              <dgm:if name="Name19" func="var" arg="hierBranch" op="equ" val="r">
+                <dgm:constrLst>
+                  <dgm:constr type="l" for="ch" forName="rootText1"/>
+                  <dgm:constr type="t" for="ch" forName="rootText1"/>
+                  <dgm:constr type="w" for="ch" forName="rootText1" refType="w"/>
+                  <dgm:constr type="h" for="ch" forName="rootText1" refType="h"/>
+                  <dgm:constr type="l" for="ch" forName="rootConnector1"/>
+                  <dgm:constr type="t" for="ch" forName="rootConnector1"/>
+                  <dgm:constr type="w" for="ch" forName="rootConnector1" refType="w" refFor="ch" refForName="rootText1" fact="0.2"/>
+                  <dgm:constr type="h" for="ch" forName="rootConnector1" refType="h" refFor="ch" refForName="rootText1"/>
+                </dgm:constrLst>
+              </dgm:if>
+              <dgm:else name="Name20">
+                <dgm:constrLst>
+                  <dgm:constr type="l" for="ch" forName="rootText1"/>
+                  <dgm:constr type="t" for="ch" forName="rootText1"/>
+                  <dgm:constr type="w" for="ch" forName="rootText1" refType="w"/>
+                  <dgm:constr type="h" for="ch" forName="rootText1" refType="h"/>
+                  <dgm:constr type="r" for="ch" forName="rootConnector1" refType="w"/>
+                  <dgm:constr type="t" for="ch" forName="rootConnector1"/>
+                  <dgm:constr type="w" for="ch" forName="rootConnector1" refType="w" refFor="ch" refForName="rootText1" fact="0.2"/>
+                  <dgm:constr type="h" for="ch" forName="rootConnector1" refType="h" refFor="ch" refForName="rootText1"/>
+                </dgm:constrLst>
+              </dgm:else>
+            </dgm:choose>
+            <dgm:ruleLst/>
+            <dgm:layoutNode name="rootText1" styleLbl="node0">
+              <dgm:varLst>
+                <dgm:chPref val="3"/>
+              </dgm:varLst>
+              <dgm:alg type="tx"/>
+              <dgm:shape xmlns:r="http://schemas.openxmlformats.org/officeDocument/2006/relationships" type="rect" r:blip="">
+                <dgm:adjLst/>
+              </dgm:shape>
+              <dgm:presOf axis="self" ptType="node" cnt="1"/>
+              <dgm:constrLst>
+                <dgm:constr type="primFontSz" val="65"/>
+                <dgm:constr type="lMarg" refType="primFontSz" fact="0.05"/>
+                <dgm:constr type="rMarg" refType="primFontSz" fact="0.05"/>
+                <dgm:constr type="tMarg" refType="primFontSz" fact="0.05"/>
+                <dgm:constr type="bMarg" refType="primFontSz" fact="0.05"/>
+              </dgm:constrLst>
+              <dgm:ruleLst>
+                <dgm:rule type="primFontSz" val="5" fact="NaN" max="NaN"/>
+              </dgm:ruleLst>
+            </dgm:layoutNode>
+            <dgm:layoutNode name="rootConnector1" moveWith="rootText1">
+              <dgm:alg type="sp"/>
+              <dgm:shape xmlns:r="http://schemas.openxmlformats.org/officeDocument/2006/relationships" type="rect" r:blip="" hideGeom="1">
+                <dgm:adjLst/>
+              </dgm:shape>
+              <dgm:presOf axis="self" ptType="node" cnt="1"/>
+              <dgm:constrLst/>
+              <dgm:ruleLst/>
+            </dgm:layoutNode>
+          </dgm:layoutNode>
+          <dgm:layoutNode name="hierChild2">
+            <dgm:choose name="Name21">
+              <dgm:if name="Name22" func="var" arg="hierBranch" op="equ" val="l">
+                <dgm:alg type="hierChild">
+                  <dgm:param type="chAlign" val="r"/>
+                  <dgm:param type="linDir" val="fromT"/>
+                </dgm:alg>
+              </dgm:if>
+              <dgm:if name="Name23" func="var" arg="hierBranch" op="equ" val="r">
+                <dgm:alg type="hierChild">
+                  <dgm:param type="chAlign" val="l"/>
+                  <dgm:param type="linDir" val="fromT"/>
+                </dgm:alg>
+              </dgm:if>
+              <dgm:if name="Name24" func="var" arg="hierBranch" op="equ" val="hang">
+                <dgm:choose name="Name25">
+                  <dgm:if name="Name26" func="var" arg="dir" op="equ" val="norm">
+                    <dgm:alg type="hierChild">
+                      <dgm:param type="chAlign" val="l"/>
+                      <dgm:param type="linDir" val="fromL"/>
+                      <dgm:param type="secChAlign" val="t"/>
+                      <dgm:param type="secLinDir" val="fromT"/>
+                    </dgm:alg>
+                  </dgm:if>
+                  <dgm:else name="Name27">
+                    <dgm:alg type="hierChild">
+                      <dgm:param type="chAlign" val="l"/>
+                      <dgm:param type="linDir" val="fromR"/>
+                      <dgm:param type="secChAlign" val="t"/>
+                      <dgm:param type="secLinDir" val="fromT"/>
+                    </dgm:alg>
+                  </dgm:else>
+                </dgm:choose>
+              </dgm:if>
+              <dgm:else name="Name28">
+                <dgm:choose name="Name29">
+                  <dgm:if name="Name30" func="var" arg="dir" op="equ" val="norm">
+                    <dgm:alg type="hierChild"/>
+                  </dgm:if>
+                  <dgm:else name="Name31">
+                    <dgm:alg type="hierChild">
+                      <dgm:param type="linDir" val="fromR"/>
+                    </dgm:alg>
+                  </dgm:else>
+                </dgm:choose>
+              </dgm:else>
+            </dgm:choose>
+            <dgm:shape xmlns:r="http://schemas.openxmlformats.org/officeDocument/2006/relationships" r:blip="">
+              <dgm:adjLst/>
+            </dgm:shape>
+            <dgm:presOf/>
+            <dgm:constrLst/>
+            <dgm:ruleLst/>
+            <dgm:forEach name="rep2a" axis="ch" ptType="nonAsst">
+              <dgm:forEach name="Name32" axis="precedSib" ptType="parTrans" st="-1" cnt="1">
+                <dgm:choose name="Name33">
+                  <dgm:if name="Name34" func="var" arg="hierBranch" op="equ" val="std">
+                    <dgm:layoutNode name="Name35">
+                      <dgm:alg type="conn">
+                        <dgm:param type="connRout" val="bend"/>
+                        <dgm:param type="dim" val="1D"/>
+                        <dgm:param type="endSty" val="noArr"/>
+                        <dgm:param type="begPts" val="bCtr"/>
+                        <dgm:param type="endPts" val="tCtr"/>
+                        <dgm:param type="bendPt" val="end"/>
+                      </dgm:alg>
+                      <dgm:shape xmlns:r="http://schemas.openxmlformats.org/officeDocument/2006/relationships" type="conn" r:blip="" zOrderOff="-99999">
+                        <dgm:adjLst/>
+                      </dgm:shape>
+                      <dgm:presOf axis="self"/>
+                      <dgm:constrLst>
+                        <dgm:constr type="begPad"/>
+                        <dgm:constr type="endPad"/>
+                      </dgm:constrLst>
+                      <dgm:ruleLst/>
+                    </dgm:layoutNode>
+                  </dgm:if>
+                  <dgm:if name="Name36" func="var" arg="hierBranch" op="equ" val="init">
+                    <dgm:layoutNode name="Name37">
+                      <dgm:choose name="Name38">
+                        <dgm:if name="Name39" axis="self" func="depth" op="lte" val="2">
+                          <dgm:alg type="conn">
+                            <dgm:param type="connRout" val="bend"/>
+                            <dgm:param type="dim" val="1D"/>
+                            <dgm:param type="endSty" val="noArr"/>
+                            <dgm:param type="begPts" val="bCtr"/>
+                            <dgm:param type="endPts" val="tCtr"/>
+                            <dgm:param type="bendPt" val="end"/>
+                          </dgm:alg>
+                        </dgm:if>
+                        <dgm:else name="Name40">
+                          <dgm:choose name="Name41">
+                            <dgm:if name="Name42" axis="par des" func="maxDepth" op="lte" val="1">
+                              <dgm:choose name="Name43">
+                                <dgm:if name="Name44" axis="par ch" ptType="node asst" func="cnt" op="gte" val="1">
+                                  <dgm:alg type="conn">
+                                    <dgm:param type="connRout" val="bend"/>
+                                    <dgm:param type="dim" val="1D"/>
+                                    <dgm:param type="endSty" val="noArr"/>
+                                    <dgm:param type="begPts" val="bCtr"/>
+                                    <dgm:param type="endPts" val="midL midR"/>
+                                  </dgm:alg>
+                                </dgm:if>
+                                <dgm:else name="Name45">
+                                  <dgm:alg type="conn">
+                                    <dgm:param type="connRout" val="bend"/>
+                                    <dgm:param type="dim" val="1D"/>
+                                    <dgm:param type="endSty" val="noArr"/>
+                                    <dgm:param type="begPts" val="bCtr"/>
+                                    <dgm:param type="endPts" val="midL midR"/>
+                                    <dgm:param type="srcNode" val="rootConnector"/>
+                                  </dgm:alg>
+                                </dgm:else>
+                              </dgm:choose>
+                            </dgm:if>
+                            <dgm:else name="Name46">
+                              <dgm:alg type="conn">
+                                <dgm:param type="connRout" val="bend"/>
+                                <dgm:param type="dim" val="1D"/>
+                                <dgm:param type="endSty" val="noArr"/>
+                                <dgm:param type="begPts" val="bCtr"/>
+                                <dgm:param type="endPts" val="tCtr"/>
+                                <dgm:param type="bendPt" val="end"/>
+                              </dgm:alg>
+                            </dgm:else>
+                          </dgm:choose>
+                        </dgm:else>
+                      </dgm:choose>
+                      <dgm:shape xmlns:r="http://schemas.openxmlformats.org/officeDocument/2006/relationships" type="conn" r:blip="" zOrderOff="-99999">
+                        <dgm:adjLst/>
+                      </dgm:shape>
+                      <dgm:presOf axis="self"/>
+                      <dgm:constrLst>
+                        <dgm:constr type="begPad"/>
+                        <dgm:constr type="endPad"/>
+                      </dgm:constrLst>
+                      <dgm:ruleLst/>
+                    </dgm:layoutNode>
+                  </dgm:if>
+                  <dgm:if name="Name47" func="var" arg="hierBranch" op="equ" val="hang">
+                    <dgm:layoutNode name="Name48">
+                      <dgm:alg type="conn">
+                        <dgm:param type="connRout" val="bend"/>
+                        <dgm:param type="dim" val="1D"/>
+                        <dgm:param type="endSty" val="noArr"/>
+                        <dgm:param type="begPts" val="bCtr"/>
+                        <dgm:param type="endPts" val="midL midR"/>
+                      </dgm:alg>
+                      <dgm:shape xmlns:r="http://schemas.openxmlformats.org/officeDocument/2006/relationships" type="conn" r:blip="" zOrderOff="-99999">
+                        <dgm:adjLst/>
+                      </dgm:shape>
+                      <dgm:presOf axis="self"/>
+                      <dgm:constrLst>
+                        <dgm:constr type="begPad"/>
+                        <dgm:constr type="endPad"/>
+                      </dgm:constrLst>
+                      <dgm:ruleLst/>
+                    </dgm:layoutNode>
+                  </dgm:if>
+                  <dgm:else name="Name49">
+                    <dgm:layoutNode name="Name50">
+                      <dgm:choose name="Name51">
+                        <dgm:if name="Name52" axis="self" func="depth" op="lte" val="2">
+                          <dgm:choose name="Name53">
+                            <dgm:if name="Name54" axis="par ch" ptType="node asst" func="cnt" op="gte" val="1">
+                              <dgm:alg type="conn">
+                                <dgm:param type="connRout" val="bend"/>
+                                <dgm:param type="dim" val="1D"/>
+                                <dgm:param type="endSty" val="noArr"/>
+                                <dgm:param type="begPts" val="bCtr"/>
+                                <dgm:param type="endPts" val="midL midR"/>
+                              </dgm:alg>
+                            </dgm:if>
+                            <dgm:else name="Name55">
+                              <dgm:alg type="conn">
+                                <dgm:param type="connRout" val="bend"/>
+                                <dgm:param type="dim" val="1D"/>
+                                <dgm:param type="endSty" val="noArr"/>
+                                <dgm:param type="begPts" val="bCtr"/>
+                                <dgm:param type="endPts" val="midL midR"/>
+                                <dgm:param type="srcNode" val="rootConnector1"/>
+                              </dgm:alg>
+                            </dgm:else>
+                          </dgm:choose>
+                        </dgm:if>
+                        <dgm:else name="Name56">
+                          <dgm:choose name="Name57">
+                            <dgm:if name="Name58" axis="par ch" ptType="node asst" func="cnt" op="gte" val="1">
+                              <dgm:alg type="conn">
+                                <dgm:param type="connRout" val="bend"/>
+                                <dgm:param type="dim" val="1D"/>
+                                <dgm:param type="endSty" val="noArr"/>
+                                <dgm:param type="begPts" val="bCtr"/>
+                                <dgm:param type="endPts" val="midL midR"/>
+                              </dgm:alg>
+                            </dgm:if>
+                            <dgm:else name="Name59">
+                              <dgm:alg type="conn">
+                                <dgm:param type="connRout" val="bend"/>
+                                <dgm:param type="dim" val="1D"/>
+                                <dgm:param type="endSty" val="noArr"/>
+                                <dgm:param type="begPts" val="bCtr"/>
+                                <dgm:param type="endPts" val="midL midR"/>
+                                <dgm:param type="srcNode" val="rootConnector"/>
+                              </dgm:alg>
+                            </dgm:else>
+                          </dgm:choose>
+                        </dgm:else>
+                      </dgm:choose>
+                      <dgm:shape xmlns:r="http://schemas.openxmlformats.org/officeDocument/2006/relationships" type="conn" r:blip="" zOrderOff="-99999">
+                        <dgm:adjLst/>
+                      </dgm:shape>
+                      <dgm:presOf axis="self"/>
+                      <dgm:constrLst>
+                        <dgm:constr type="begPad"/>
+                        <dgm:constr type="endPad"/>
+                      </dgm:constrLst>
+                      <dgm:ruleLst/>
+                    </dgm:layoutNode>
+                  </dgm:else>
+                </dgm:choose>
+              </dgm:forEach>
+              <dgm:layoutNode name="hierRoot2">
+                <dgm:varLst>
+                  <dgm:hierBranch val="init"/>
+                </dgm:varLst>
+                <dgm:choose name="Name60">
+                  <dgm:if name="Name61" func="var" arg="hierBranch" op="equ" val="l">
+                    <dgm:choose name="Name62">
+                      <dgm:if name="Name63" axis="ch" ptType="asst" func="cnt" op="gte" val="1">
+                        <dgm:alg type="hierRoot">
+                          <dgm:param type="hierAlign" val="tR"/>
+                        </dgm:alg>
+                        <dgm:shape xmlns:r="http://schemas.openxmlformats.org/officeDocument/2006/relationships" r:blip="">
+                          <dgm:adjLst/>
+                        </dgm:shape>
+                        <dgm:presOf/>
+                        <dgm:constrLst>
+                          <dgm:constr type="alignOff" val="0.65"/>
+                        </dgm:constrLst>
+                      </dgm:if>
+                      <dgm:else name="Name64">
+                        <dgm:alg type="hierRoot">
+                          <dgm:param type="hierAlign" val="tR"/>
+                        </dgm:alg>
+                        <dgm:shape xmlns:r="http://schemas.openxmlformats.org/officeDocument/2006/relationships" r:blip="">
+                          <dgm:adjLst/>
+                        </dgm:shape>
+                        <dgm:presOf/>
+                        <dgm:constrLst>
+                          <dgm:constr type="alignOff" val="0.25"/>
+                        </dgm:constrLst>
+                      </dgm:else>
+                    </dgm:choose>
+                  </dgm:if>
+                  <dgm:if name="Name65" func="var" arg="hierBranch" op="equ" val="r">
+                    <dgm:choose name="Name66">
+                      <dgm:if name="Name67" axis="ch" ptType="asst" func="cnt" op="gte" val="1">
+                        <dgm:alg type="hierRoot">
+                          <dgm:param type="hierAlign" val="tL"/>
+                        </dgm:alg>
+                        <dgm:shape xmlns:r="http://schemas.openxmlformats.org/officeDocument/2006/relationships" r:blip="">
+                          <dgm:adjLst/>
+                        </dgm:shape>
+                        <dgm:presOf/>
+                        <dgm:constrLst>
+                          <dgm:constr type="alignOff" val="0.65"/>
+                        </dgm:constrLst>
+                      </dgm:if>
+                      <dgm:else name="Name68">
+                        <dgm:alg type="hierRoot">
+                          <dgm:param type="hierAlign" val="tL"/>
+                        </dgm:alg>
+                        <dgm:shape xmlns:r="http://schemas.openxmlformats.org/officeDocument/2006/relationships" r:blip="">
+                          <dgm:adjLst/>
+                        </dgm:shape>
+                        <dgm:presOf/>
+                        <dgm:constrLst>
+                          <dgm:constr type="alignOff" val="0.25"/>
+                        </dgm:constrLst>
+                      </dgm:else>
+                    </dgm:choose>
+                  </dgm:if>
+                  <dgm:if name="Name69" func="var" arg="hierBranch" op="equ" val="std">
+                    <dgm:alg type="hierRoot"/>
+                    <dgm:shape xmlns:r="http://schemas.openxmlformats.org/officeDocument/2006/relationships" r:blip="">
+                      <dgm:adjLst/>
+                    </dgm:shape>
+                    <dgm:presOf/>
+                    <dgm:constrLst>
+                      <dgm:constr type="alignOff"/>
+                      <dgm:constr type="bendDist" for="des" ptType="parTrans" refType="sp" fact="0.5"/>
+                    </dgm:constrLst>
+                  </dgm:if>
+                  <dgm:if name="Name70" func="var" arg="hierBranch" op="equ" val="init">
+                    <dgm:choose name="Name71">
+                      <dgm:if name="Name72" axis="des" func="maxDepth" op="lte" val="1">
+                        <dgm:choose name="Name73">
+                          <dgm:if name="Name74" axis="ch" ptType="asst" func="cnt" op="gte" val="1">
+                            <dgm:alg type="hierRoot">
+                              <dgm:param type="hierAlign" val="tL"/>
+                            </dgm:alg>
+                            <dgm:shape xmlns:r="http://schemas.openxmlformats.org/officeDocument/2006/relationships" r:blip="">
+                              <dgm:adjLst/>
+                            </dgm:shape>
+                            <dgm:presOf/>
+                            <dgm:constrLst>
+                              <dgm:constr type="alignOff" val="0.65"/>
+                            </dgm:constrLst>
+                          </dgm:if>
+                          <dgm:else name="Name75">
+                            <dgm:alg type="hierRoot">
+                              <dgm:param type="hierAlign" val="tL"/>
+                            </dgm:alg>
+                            <dgm:shape xmlns:r="http://schemas.openxmlformats.org/officeDocument/2006/relationships" r:blip="">
+                              <dgm:adjLst/>
+                            </dgm:shape>
+                            <dgm:presOf/>
+                            <dgm:constrLst>
+                              <dgm:constr type="alignOff" val="0.25"/>
+                            </dgm:constrLst>
+                          </dgm:else>
+                        </dgm:choose>
+                      </dgm:if>
+                      <dgm:else name="Name76">
+                        <dgm:alg type="hierRoot"/>
+                        <dgm:shape xmlns:r="http://schemas.openxmlformats.org/officeDocument/2006/relationships" r:blip="">
+                          <dgm:adjLst/>
+                        </dgm:shape>
+                        <dgm:presOf/>
+                        <dgm:constrLst>
+                          <dgm:constr type="alignOff"/>
+                          <dgm:constr type="bendDist" for="des" ptType="parTrans" refType="sp" fact="0.5"/>
+                        </dgm:constrLst>
+                      </dgm:else>
+                    </dgm:choose>
+                  </dgm:if>
+                  <dgm:else name="Name77">
+                    <dgm:alg type="hierRoot"/>
+                    <dgm:shape xmlns:r="http://schemas.openxmlformats.org/officeDocument/2006/relationships" r:blip="">
+                      <dgm:adjLst/>
+                    </dgm:shape>
+                    <dgm:presOf/>
+                    <dgm:constrLst>
+                      <dgm:constr type="alignOff" val="0.65"/>
+                    </dgm:constrLst>
+                  </dgm:else>
+                </dgm:choose>
+                <dgm:ruleLst/>
+                <dgm:layoutNode name="rootComposite">
+                  <dgm:alg type="composite"/>
+                  <dgm:shape xmlns:r="http://schemas.openxmlformats.org/officeDocument/2006/relationships" r:blip="">
+                    <dgm:adjLst/>
+                  </dgm:shape>
+                  <dgm:presOf axis="self" ptType="node" cnt="1"/>
+                  <dgm:choose name="Name78">
+                    <dgm:if name="Name79" func="var" arg="hierBranch" op="equ" val="init">
+                      <dgm:constrLst>
+                        <dgm:constr type="l" for="ch" forName="rootText"/>
+                        <dgm:constr type="t" for="ch" forName="rootText"/>
+                        <dgm:constr type="w" for="ch" forName="rootText" refType="w"/>
+                        <dgm:constr type="h" for="ch" forName="rootText" refType="h"/>
+                        <dgm:constr type="l" for="ch" forName="rootConnector"/>
+                        <dgm:constr type="t" for="ch" forName="rootConnector"/>
+                        <dgm:constr type="w" for="ch" forName="rootConnector" refType="w" refFor="ch" refForName="rootText" fact="0.2"/>
+                        <dgm:constr type="h" for="ch" forName="rootConnector" refType="h" refFor="ch" refForName="rootText"/>
+                      </dgm:constrLst>
+                    </dgm:if>
+                    <dgm:if name="Name80" func="var" arg="hierBranch" op="equ" val="l">
+                      <dgm:constrLst>
+                        <dgm:constr type="l" for="ch" forName="rootText"/>
+                        <dgm:constr type="t" for="ch" forName="rootText"/>
+                        <dgm:constr type="w" for="ch" forName="rootText" refType="w"/>
+                        <dgm:constr type="h" for="ch" forName="rootText" refType="h"/>
+                        <dgm:constr type="r" for="ch" forName="rootConnector" refType="w"/>
+                        <dgm:constr type="t" for="ch" forName="rootConnector"/>
+                        <dgm:constr type="w" for="ch" forName="rootConnector" refType="w" refFor="ch" refForName="rootText" fact="0.2"/>
+                        <dgm:constr type="h" for="ch" forName="rootConnector" refType="h" refFor="ch" refForName="rootText"/>
+                      </dgm:constrLst>
+                    </dgm:if>
+                    <dgm:if name="Name81" func="var" arg="hierBranch" op="equ" val="r">
+                      <dgm:constrLst>
+                        <dgm:constr type="l" for="ch" forName="rootText"/>
+                        <dgm:constr type="t" for="ch" forName="rootText"/>
+                        <dgm:constr type="w" for="ch" forName="rootText" refType="w"/>
+                        <dgm:constr type="h" for="ch" forName="rootText" refType="h"/>
+                        <dgm:constr type="l" for="ch" forName="rootConnector"/>
+                        <dgm:constr type="t" for="ch" forName="rootConnector"/>
+                        <dgm:constr type="w" for="ch" forName="rootConnector" refType="w" refFor="ch" refForName="rootText" fact="0.2"/>
+                        <dgm:constr type="h" for="ch" forName="rootConnector" refType="h" refFor="ch" refForName="rootText"/>
+                      </dgm:constrLst>
+                    </dgm:if>
+                    <dgm:else name="Name82">
+                      <dgm:constrLst>
+                        <dgm:constr type="l" for="ch" forName="rootText"/>
+                        <dgm:constr type="t" for="ch" forName="rootText"/>
+                        <dgm:constr type="w" for="ch" forName="rootText" refType="w"/>
+                        <dgm:constr type="h" for="ch" forName="rootText" refType="h"/>
+                        <dgm:constr type="r" for="ch" forName="rootConnector" refType="w"/>
+                        <dgm:constr type="t" for="ch" forName="rootConnector"/>
+                        <dgm:constr type="w" for="ch" forName="rootConnector" refType="w" refFor="ch" refForName="rootText" fact="0.2"/>
+                        <dgm:constr type="h" for="ch" forName="rootConnector" refType="h" refFor="ch" refForName="rootText"/>
+                      </dgm:constrLst>
+                    </dgm:else>
+                  </dgm:choose>
+                  <dgm:ruleLst/>
+                  <dgm:layoutNode name="rootText">
+                    <dgm:varLst>
+                      <dgm:chPref val="3"/>
+                    </dgm:varLst>
+                    <dgm:alg type="tx"/>
+                    <dgm:shape xmlns:r="http://schemas.openxmlformats.org/officeDocument/2006/relationships" type="rect" r:blip="">
+                      <dgm:adjLst/>
+                    </dgm:shape>
+                    <dgm:presOf axis="self" ptType="node" cnt="1"/>
+                    <dgm:constrLst>
+                      <dgm:constr type="primFontSz" val="65"/>
+                      <dgm:constr type="lMarg" refType="primFontSz" fact="0.05"/>
+                      <dgm:constr type="rMarg" refType="primFontSz" fact="0.05"/>
+                      <dgm:constr type="tMarg" refType="primFontSz" fact="0.05"/>
+                      <dgm:constr type="bMarg" refType="primFontSz" fact="0.05"/>
+                    </dgm:constrLst>
+                    <dgm:ruleLst>
+                      <dgm:rule type="primFontSz" val="5" fact="NaN" max="NaN"/>
+                    </dgm:ruleLst>
+                  </dgm:layoutNode>
+                  <dgm:layoutNode name="rootConnector" moveWith="rootText">
+                    <dgm:alg type="sp"/>
+                    <dgm:shape xmlns:r="http://schemas.openxmlformats.org/officeDocument/2006/relationships" type="rect" r:blip="" hideGeom="1">
+                      <dgm:adjLst/>
+                    </dgm:shape>
+                    <dgm:presOf axis="self" ptType="node" cnt="1"/>
+                    <dgm:constrLst/>
+                    <dgm:ruleLst/>
+                  </dgm:layoutNode>
+                </dgm:layoutNode>
+                <dgm:layoutNode name="hierChild4">
+                  <dgm:choose name="Name83">
+                    <dgm:if name="Name84" func="var" arg="hierBranch" op="equ" val="l">
+                      <dgm:alg type="hierChild">
+                        <dgm:param type="chAlign" val="r"/>
+                        <dgm:param type="linDir" val="fromT"/>
+                      </dgm:alg>
+                    </dgm:if>
+                    <dgm:if name="Name85" func="var" arg="hierBranch" op="equ" val="r">
+                      <dgm:alg type="hierChild">
+                        <dgm:param type="chAlign" val="l"/>
+                        <dgm:param type="linDir" val="fromT"/>
+                      </dgm:alg>
+                    </dgm:if>
+                    <dgm:if name="Name86" func="var" arg="hierBranch" op="equ" val="hang">
+                      <dgm:choose name="Name87">
+                        <dgm:if name="Name88" func="var" arg="dir" op="equ" val="norm">
+                          <dgm:alg type="hierChild">
+                            <dgm:param type="chAlign" val="l"/>
+                            <dgm:param type="linDir" val="fromL"/>
+                            <dgm:param type="secChAlign" val="t"/>
+                            <dgm:param type="secLinDir" val="fromT"/>
+                          </dgm:alg>
+                        </dgm:if>
+                        <dgm:else name="Name89">
+                          <dgm:alg type="hierChild">
+                            <dgm:param type="chAlign" val="l"/>
+                            <dgm:param type="linDir" val="fromR"/>
+                            <dgm:param type="secChAlign" val="t"/>
+                            <dgm:param type="secLinDir" val="fromT"/>
+                          </dgm:alg>
+                        </dgm:else>
+                      </dgm:choose>
+                    </dgm:if>
+                    <dgm:if name="Name90" func="var" arg="hierBranch" op="equ" val="std">
+                      <dgm:choose name="Name91">
+                        <dgm:if name="Name92" func="var" arg="dir" op="equ" val="norm">
+                          <dgm:alg type="hierChild"/>
+                        </dgm:if>
+                        <dgm:else name="Name93">
+                          <dgm:alg type="hierChild">
+                            <dgm:param type="linDir" val="fromR"/>
+                          </dgm:alg>
+                        </dgm:else>
+                      </dgm:choose>
+                    </dgm:if>
+                    <dgm:if name="Name94" func="var" arg="hierBranch" op="equ" val="init">
+                      <dgm:choose name="Name95">
+                        <dgm:if name="Name96" axis="des" func="maxDepth" op="lte" val="1">
+                          <dgm:alg type="hierChild">
+                            <dgm:param type="chAlign" val="l"/>
+                            <dgm:param type="linDir" val="fromT"/>
+                          </dgm:alg>
+                        </dgm:if>
+                        <dgm:else name="Name97">
+                          <dgm:choose name="Name98">
+                            <dgm:if name="Name99" func="var" arg="dir" op="equ" val="norm">
+                              <dgm:alg type="hierChild"/>
+                            </dgm:if>
+                            <dgm:else name="Name100">
+                              <dgm:alg type="hierChild">
+                                <dgm:param type="linDir" val="fromR"/>
+                              </dgm:alg>
+                            </dgm:else>
+                          </dgm:choose>
+                        </dgm:else>
+                      </dgm:choose>
+                    </dgm:if>
+                    <dgm:else name="Name101"/>
+                  </dgm:choose>
+                  <dgm:shape xmlns:r="http://schemas.openxmlformats.org/officeDocument/2006/relationships" r:blip="">
+                    <dgm:adjLst/>
+                  </dgm:shape>
+                  <dgm:presOf/>
+                  <dgm:constrLst/>
+                  <dgm:ruleLst/>
+                  <dgm:forEach name="Name102" ref="rep2a"/>
+                </dgm:layoutNode>
+                <dgm:layoutNode name="hierChild5">
+                  <dgm:choose name="Name103">
+                    <dgm:if name="Name104" func="var" arg="dir" op="equ" val="norm">
+                      <dgm:alg type="hierChild">
+                        <dgm:param type="chAlign" val="l"/>
+                        <dgm:param type="linDir" val="fromL"/>
+                        <dgm:param type="secChAlign" val="t"/>
+                        <dgm:param type="secLinDir" val="fromT"/>
+                      </dgm:alg>
+                    </dgm:if>
+                    <dgm:else name="Name105">
+                      <dgm:alg type="hierChild">
+                        <dgm:param type="chAlign" val="l"/>
+                        <dgm:param type="linDir" val="fromR"/>
+                        <dgm:param type="secChAlign" val="t"/>
+                        <dgm:param type="secLinDir" val="fromT"/>
+                      </dgm:alg>
+                    </dgm:else>
+                  </dgm:choose>
+                  <dgm:shape xmlns:r="http://schemas.openxmlformats.org/officeDocument/2006/relationships" r:blip="">
+                    <dgm:adjLst/>
+                  </dgm:shape>
+                  <dgm:presOf/>
+                  <dgm:constrLst/>
+                  <dgm:ruleLst/>
+                  <dgm:forEach name="Name106" ref="rep2b"/>
+                </dgm:layoutNode>
+              </dgm:layoutNode>
+            </dgm:forEach>
+          </dgm:layoutNode>
+          <dgm:layoutNode name="hierChild3">
+            <dgm:choose name="Name107">
+              <dgm:if name="Name108" func="var" arg="dir" op="equ" val="norm">
+                <dgm:alg type="hierChild">
+                  <dgm:param type="chAlign" val="l"/>
+                  <dgm:param type="linDir" val="fromL"/>
+                  <dgm:param type="secChAlign" val="t"/>
+                  <dgm:param type="secLinDir" val="fromT"/>
+                </dgm:alg>
+              </dgm:if>
+              <dgm:else name="Name109">
+                <dgm:alg type="hierChild">
+                  <dgm:param type="chAlign" val="l"/>
+                  <dgm:param type="linDir" val="fromR"/>
+                  <dgm:param type="secChAlign" val="t"/>
+                  <dgm:param type="secLinDir" val="fromT"/>
+                </dgm:alg>
+              </dgm:else>
+            </dgm:choose>
+            <dgm:shape xmlns:r="http://schemas.openxmlformats.org/officeDocument/2006/relationships" r:blip="">
+              <dgm:adjLst/>
+            </dgm:shape>
+            <dgm:presOf/>
+            <dgm:constrLst/>
+            <dgm:ruleLst/>
+            <dgm:forEach name="rep2b" axis="ch" ptType="asst">
+              <dgm:forEach name="Name110" axis="precedSib" ptType="parTrans" st="-1" cnt="1">
+                <dgm:layoutNode name="Name111">
+                  <dgm:alg type="conn">
+                    <dgm:param type="connRout" val="bend"/>
+                    <dgm:param type="dim" val="1D"/>
+                    <dgm:param type="endSty" val="noArr"/>
+                    <dgm:param type="begPts" val="bCtr"/>
+                    <dgm:param type="endPts" val="midL midR"/>
+                  </dgm:alg>
+                  <dgm:shape xmlns:r="http://schemas.openxmlformats.org/officeDocument/2006/relationships" type="conn" r:blip="" zOrderOff="-99999">
+                    <dgm:adjLst/>
+                  </dgm:shape>
+                  <dgm:presOf axis="self"/>
+                  <dgm:constrLst>
+                    <dgm:constr type="begPad"/>
+                    <dgm:constr type="endPad"/>
+                  </dgm:constrLst>
+                  <dgm:ruleLst/>
+                </dgm:layoutNode>
+              </dgm:forEach>
+              <dgm:layoutNode name="hierRoot3">
+                <dgm:varLst>
+                  <dgm:hierBranch val="init"/>
+                </dgm:varLst>
+                <dgm:choose name="Name112">
+                  <dgm:if name="Name113" func="var" arg="hierBranch" op="equ" val="l">
+                    <dgm:alg type="hierRoot">
+                      <dgm:param type="hierAlign" val="tR"/>
+                    </dgm:alg>
+                    <dgm:shape xmlns:r="http://schemas.openxmlformats.org/officeDocument/2006/relationships" r:blip="">
+                      <dgm:adjLst/>
+                    </dgm:shape>
+                    <dgm:presOf/>
+                    <dgm:constrLst>
+                      <dgm:constr type="alignOff" val="0.65"/>
+                    </dgm:constrLst>
+                  </dgm:if>
+                  <dgm:if name="Name114" func="var" arg="hierBranch" op="equ" val="r">
+                    <dgm:alg type="hierRoot">
+                      <dgm:param type="hierAlign" val="tL"/>
+                    </dgm:alg>
+                    <dgm:shape xmlns:r="http://schemas.openxmlformats.org/officeDocument/2006/relationships" r:blip="">
+                      <dgm:adjLst/>
+                    </dgm:shape>
+                    <dgm:presOf/>
+                    <dgm:constrLst>
+                      <dgm:constr type="alignOff" val="0.65"/>
+                    </dgm:constrLst>
+                  </dgm:if>
+                  <dgm:if name="Name115" func="var" arg="hierBranch" op="equ" val="hang">
+                    <dgm:alg type="hierRoot"/>
+                    <dgm:shape xmlns:r="http://schemas.openxmlformats.org/officeDocument/2006/relationships" r:blip="">
+                      <dgm:adjLst/>
+                    </dgm:shape>
+                    <dgm:presOf/>
+                    <dgm:constrLst>
+                      <dgm:constr type="alignOff" val="0.65"/>
+                    </dgm:constrLst>
+                  </dgm:if>
+                  <dgm:if name="Name116" func="var" arg="hierBranch" op="equ" val="std">
+                    <dgm:alg type="hierRoot"/>
+                    <dgm:shape xmlns:r="http://schemas.openxmlformats.org/officeDocument/2006/relationships" r:blip="">
+                      <dgm:adjLst/>
+                    </dgm:shape>
+                    <dgm:presOf/>
+                    <dgm:constrLst>
+                      <dgm:constr type="alignOff"/>
+                      <dgm:constr type="bendDist" for="des" ptType="parTrans" refType="sp" fact="0.5"/>
+                    </dgm:constrLst>
+                  </dgm:if>
+                  <dgm:if name="Name117" func="var" arg="hierBranch" op="equ" val="init">
+                    <dgm:choose name="Name118">
+                      <dgm:if name="Name119" axis="des" func="maxDepth" op="lte" val="1">
+                        <dgm:alg type="hierRoot">
+                          <dgm:param type="hierAlign" val="tL"/>
+                        </dgm:alg>
+                        <dgm:shape xmlns:r="http://schemas.openxmlformats.org/officeDocument/2006/relationships" r:blip="">
+                          <dgm:adjLst/>
+                        </dgm:shape>
+                        <dgm:presOf/>
+                        <dgm:constrLst>
+                          <dgm:constr type="alignOff" val="0.65"/>
+                        </dgm:constrLst>
+                      </dgm:if>
+                      <dgm:else name="Name120">
+                        <dgm:alg type="hierRoot"/>
+                        <dgm:shape xmlns:r="http://schemas.openxmlformats.org/officeDocument/2006/relationships" r:blip="">
+                          <dgm:adjLst/>
+                        </dgm:shape>
+                        <dgm:presOf/>
+                        <dgm:constrLst>
+                          <dgm:constr type="alignOff"/>
+                          <dgm:constr type="bendDist" for="des" ptType="parTrans" refType="sp" fact="0.5"/>
+                        </dgm:constrLst>
+                      </dgm:else>
+                    </dgm:choose>
+                  </dgm:if>
+                  <dgm:else name="Name121"/>
+                </dgm:choose>
+                <dgm:ruleLst/>
+                <dgm:layoutNode name="rootComposite3">
+                  <dgm:alg type="composite"/>
+                  <dgm:shape xmlns:r="http://schemas.openxmlformats.org/officeDocument/2006/relationships" r:blip="">
+                    <dgm:adjLst/>
+                  </dgm:shape>
+                  <dgm:presOf axis="self" ptType="node" cnt="1"/>
+                  <dgm:choose name="Name122">
+                    <dgm:if name="Name123" func="var" arg="hierBranch" op="equ" val="init">
+                      <dgm:constrLst>
+                        <dgm:constr type="l" for="ch" forName="rootText3"/>
+                        <dgm:constr type="t" for="ch" forName="rootText3"/>
+                        <dgm:constr type="w" for="ch" forName="rootText3" refType="w"/>
+                        <dgm:constr type="h" for="ch" forName="rootText3" refType="h"/>
+                        <dgm:constr type="l" for="ch" forName="rootConnector3"/>
+                        <dgm:constr type="t" for="ch" forName="rootConnector3"/>
+                        <dgm:constr type="w" for="ch" forName="rootConnector3" refType="w" refFor="ch" refForName="rootText3" fact="0.2"/>
+                        <dgm:constr type="h" for="ch" forName="rootConnector3" refType="h" refFor="ch" refForName="rootText3"/>
+                      </dgm:constrLst>
+                    </dgm:if>
+                    <dgm:if name="Name124" func="var" arg="hierBranch" op="equ" val="l">
+                      <dgm:constrLst>
+                        <dgm:constr type="l" for="ch" forName="rootText3"/>
+                        <dgm:constr type="t" for="ch" forName="rootText3"/>
+                        <dgm:constr type="w" for="ch" forName="rootText3" refType="w"/>
+                        <dgm:constr type="h" for="ch" forName="rootText3" refType="h"/>
+                        <dgm:constr type="r" for="ch" forName="rootConnector3" refType="w"/>
+                        <dgm:constr type="t" for="ch" forName="rootConnector3"/>
+                        <dgm:constr type="w" for="ch" forName="rootConnector3" refType="w" refFor="ch" refForName="rootText3" fact="0.2"/>
+                        <dgm:constr type="h" for="ch" forName="rootConnector3" refType="h" refFor="ch" refForName="rootText3"/>
+                      </dgm:constrLst>
+                    </dgm:if>
+                    <dgm:if name="Name125" func="var" arg="hierBranch" op="equ" val="r">
+                      <dgm:constrLst>
+                        <dgm:constr type="l" for="ch" forName="rootText3"/>
+                        <dgm:constr type="t" for="ch" forName="rootText3"/>
+                        <dgm:constr type="w" for="ch" forName="rootText3" refType="w"/>
+                        <dgm:constr type="h" for="ch" forName="rootText3" refType="h"/>
+                        <dgm:constr type="l" for="ch" forName="rootConnector3"/>
+                        <dgm:constr type="t" for="ch" forName="rootConnector3"/>
+                        <dgm:constr type="w" for="ch" forName="rootConnector3" refType="w" refFor="ch" refForName="rootText3" fact="0.2"/>
+                        <dgm:constr type="h" for="ch" forName="rootConnector3" refType="h" refFor="ch" refForName="rootText3"/>
+                      </dgm:constrLst>
+                    </dgm:if>
+                    <dgm:else name="Name126">
+                      <dgm:constrLst>
+                        <dgm:constr type="l" for="ch" forName="rootText3"/>
+                        <dgm:constr type="t" for="ch" forName="rootText3"/>
+                        <dgm:constr type="w" for="ch" forName="rootText3" refType="w"/>
+                        <dgm:constr type="h" for="ch" forName="rootText3" refType="h"/>
+                        <dgm:constr type="r" for="ch" forName="rootConnector3" refType="w"/>
+                        <dgm:constr type="t" for="ch" forName="rootConnector3"/>
+                        <dgm:constr type="w" for="ch" forName="rootConnector3" refType="w" refFor="ch" refForName="rootText3" fact="0.2"/>
+                        <dgm:constr type="h" for="ch" forName="rootConnector3" refType="h" refFor="ch" refForName="rootText3"/>
+                      </dgm:constrLst>
+                    </dgm:else>
+                  </dgm:choose>
+                  <dgm:ruleLst/>
+                  <dgm:layoutNode name="rootText3">
+                    <dgm:varLst>
+                      <dgm:chPref val="3"/>
+                    </dgm:varLst>
+                    <dgm:alg type="tx"/>
+                    <dgm:shape xmlns:r="http://schemas.openxmlformats.org/officeDocument/2006/relationships" type="rect" r:blip="">
+                      <dgm:adjLst/>
+                    </dgm:shape>
+                    <dgm:presOf axis="self" ptType="node" cnt="1"/>
+                    <dgm:constrLst>
+                      <dgm:constr type="primFontSz" val="65"/>
+                      <dgm:constr type="lMarg" refType="primFontSz" fact="0.05"/>
+                      <dgm:constr type="rMarg" refType="primFontSz" fact="0.05"/>
+                      <dgm:constr type="tMarg" refType="primFontSz" fact="0.05"/>
+                      <dgm:constr type="bMarg" refType="primFontSz" fact="0.05"/>
+                    </dgm:constrLst>
+                    <dgm:ruleLst>
+                      <dgm:rule type="primFontSz" val="5" fact="NaN" max="NaN"/>
+                    </dgm:ruleLst>
+                  </dgm:layoutNode>
+                  <dgm:layoutNode name="rootConnector3" moveWith="rootText1">
+                    <dgm:alg type="sp"/>
+                    <dgm:shape xmlns:r="http://schemas.openxmlformats.org/officeDocument/2006/relationships" type="rect" r:blip="" hideGeom="1">
+                      <dgm:adjLst/>
+                    </dgm:shape>
+                    <dgm:presOf axis="self" ptType="node" cnt="1"/>
+                    <dgm:constrLst/>
+                    <dgm:ruleLst/>
+                  </dgm:layoutNode>
+                </dgm:layoutNode>
+                <dgm:layoutNode name="hierChild6">
+                  <dgm:choose name="Name127">
+                    <dgm:if name="Name128" func="var" arg="hierBranch" op="equ" val="l">
+                      <dgm:alg type="hierChild">
+                        <dgm:param type="chAlign" val="r"/>
+                        <dgm:param type="linDir" val="fromT"/>
+                      </dgm:alg>
+                    </dgm:if>
+                    <dgm:if name="Name129" func="var" arg="hierBranch" op="equ" val="r">
+                      <dgm:alg type="hierChild">
+                        <dgm:param type="chAlign" val="l"/>
+                        <dgm:param type="linDir" val="fromT"/>
+                      </dgm:alg>
+                    </dgm:if>
+                    <dgm:if name="Name130" func="var" arg="hierBranch" op="equ" val="hang">
+                      <dgm:choose name="Name131">
+                        <dgm:if name="Name132" func="var" arg="dir" op="equ" val="norm">
+                          <dgm:alg type="hierChild">
+                            <dgm:param type="chAlign" val="l"/>
+                            <dgm:param type="linDir" val="fromL"/>
+                            <dgm:param type="secChAlign" val="t"/>
+                            <dgm:param type="secLinDir" val="fromT"/>
+                          </dgm:alg>
+                        </dgm:if>
+                        <dgm:else name="Name133">
+                          <dgm:alg type="hierChild">
+                            <dgm:param type="chAlign" val="l"/>
+                            <dgm:param type="linDir" val="fromR"/>
+                            <dgm:param type="secChAlign" val="t"/>
+                            <dgm:param type="secLinDir" val="fromT"/>
+                          </dgm:alg>
+                        </dgm:else>
+                      </dgm:choose>
+                    </dgm:if>
+                    <dgm:if name="Name134" func="var" arg="hierBranch" op="equ" val="std">
+                      <dgm:choose name="Name135">
+                        <dgm:if name="Name136" func="var" arg="dir" op="equ" val="norm">
+                          <dgm:alg type="hierChild"/>
+                        </dgm:if>
+                        <dgm:else name="Name137">
+                          <dgm:alg type="hierChild">
+                            <dgm:param type="linDir" val="fromR"/>
+                          </dgm:alg>
+                        </dgm:else>
+                      </dgm:choose>
+                    </dgm:if>
+                    <dgm:if name="Name138" func="var" arg="hierBranch" op="equ" val="init">
+                      <dgm:choose name="Name139">
+                        <dgm:if name="Name140" axis="des" func="maxDepth" op="lte" val="1">
+                          <dgm:alg type="hierChild">
+                            <dgm:param type="chAlign" val="l"/>
+                            <dgm:param type="linDir" val="fromT"/>
+                          </dgm:alg>
+                        </dgm:if>
+                        <dgm:else name="Name141">
+                          <dgm:alg type="hierChild"/>
+                        </dgm:else>
+                      </dgm:choose>
+                    </dgm:if>
+                    <dgm:else name="Name142"/>
+                  </dgm:choose>
+                  <dgm:shape xmlns:r="http://schemas.openxmlformats.org/officeDocument/2006/relationships" r:blip="">
+                    <dgm:adjLst/>
+                  </dgm:shape>
+                  <dgm:presOf/>
+                  <dgm:constrLst/>
+                  <dgm:ruleLst/>
+                  <dgm:forEach name="Name143" ref="rep2a"/>
+                </dgm:layoutNode>
+                <dgm:layoutNode name="hierChild7">
+                  <dgm:choose name="Name144">
+                    <dgm:if name="Name145" func="var" arg="dir" op="equ" val="norm">
+                      <dgm:alg type="hierChild">
+                        <dgm:param type="chAlign" val="l"/>
+                        <dgm:param type="linDir" val="fromL"/>
+                        <dgm:param type="secChAlign" val="t"/>
+                        <dgm:param type="secLinDir" val="fromT"/>
+                      </dgm:alg>
+                    </dgm:if>
+                    <dgm:else name="Name146">
+                      <dgm:alg type="hierChild">
+                        <dgm:param type="chAlign" val="l"/>
+                        <dgm:param type="linDir" val="fromR"/>
+                        <dgm:param type="secChAlign" val="t"/>
+                        <dgm:param type="secLinDir" val="fromT"/>
+                      </dgm:alg>
+                    </dgm:else>
+                  </dgm:choose>
+                  <dgm:shape xmlns:r="http://schemas.openxmlformats.org/officeDocument/2006/relationships" r:blip="">
+                    <dgm:adjLst/>
+                  </dgm:shape>
+                  <dgm:presOf/>
+                  <dgm:constrLst/>
+                  <dgm:ruleLst/>
+                  <dgm:forEach name="Name147" ref="rep2b"/>
+                </dgm:layoutNode>
+              </dgm:layoutNode>
+            </dgm:forEach>
+          </dgm:layoutNode>
+        </dgm:layoutNode>
+      </dgm:forEach>
+    </dgm:forEach>
+  </dgm:layoutNode>
+</dgm:layoutDef>
+</file>
+
+<file path=ppt/diagrams/quickStyle1.xml><?xml version="1.0" encoding="utf-8"?>
+<dgm:styleDef xmlns:dgm="http://schemas.openxmlformats.org/drawingml/2006/diagram" xmlns:a="http://schemas.openxmlformats.org/drawingml/2006/main" uniqueId="urn:microsoft.com/office/officeart/2005/8/quickstyle/simple1">
+  <dgm:title val=""/>
+  <dgm:desc val=""/>
+  <dgm:catLst>
+    <dgm:cat type="simple" pri="10100"/>
+  </dgm:catLst>
+  <dgm:scene3d>
+    <a:camera prst="orthographicFront"/>
+    <a:lightRig rig="threePt" dir="t"/>
+  </dgm:scene3d>
+  <dgm:styleLbl name="node0">
+    <dgm:scene3d>
+      <a:camera prst="orthographicFront"/>
+      <a:lightRig rig="threePt" dir="t"/>
+    </dgm:scene3d>
+    <dgm:sp3d/>
+    <dgm:txPr/>
+    <dgm:style>
+      <a:lnRef idx="2">
+        <a:scrgbClr r="0" g="0" b="0"/>
+      </a:lnRef>
+      <a:fillRef idx="1">
+        <a:scrgbClr r="0" g="0" b="0"/>
+      </a:fillRef>
+      <a:effectRef idx="0">
+        <a:scrgbClr r="0" g="0" b="0"/>
+      </a:effectRef>
+      <a:fontRef idx="minor">
+        <a:schemeClr val="lt1"/>
+      </a:fontRef>
+    </dgm:style>
+  </dgm:styleLbl>
+  <dgm:styleLbl name="lnNode1">
+    <dgm:scene3d>
+      <a:camera prst="orthographicFront"/>
+      <a:lightRig rig="threePt" dir="t"/>
+    </dgm:scene3d>
+    <dgm:sp3d/>
+    <dgm:txPr/>
+    <dgm:style>
+      <a:lnRef idx="2">
+        <a:scrgbClr r="0" g="0" b="0"/>
+      </a:lnRef>
+      <a:fillRef idx="1">
+        <a:scrgbClr r="0" g="0" b="0"/>
+      </a:fillRef>
+      <a:effectRef idx="0">
+        <a:scrgbClr r="0" g="0" b="0"/>
+      </a:effectRef>
+      <a:fontRef idx="minor">
+        <a:schemeClr val="lt1"/>
+      </a:fontRef>
+    </dgm:style>
+  </dgm:styleLbl>
+  <dgm:styleLbl name="vennNode1">
+    <dgm:scene3d>
+      <a:camera prst="orthographicFront"/>
+      <a:lightRig rig="threePt" dir="t"/>
+    </dgm:scene3d>
+    <dgm:sp3d/>
+    <dgm:txPr/>
+    <dgm:style>
+      <a:lnRef idx="2">
+        <a:scrgbClr r="0" g="0" b="0"/>
+      </a:lnRef>
+      <a:fillRef idx="1">
+        <a:scrgbClr r="0" g="0" b="0"/>
+      </a:fillRef>
+      <a:effectRef idx="0">
+        <a:scrgbClr r="0" g="0" b="0"/>
+      </a:effectRef>
+      <a:fontRef idx="minor">
+        <a:schemeClr val="tx1"/>
+      </a:fontRef>
+    </dgm:style>
+  </dgm:styleLbl>
+  <dgm:styleLbl name="alignNode1">
+    <dgm:scene3d>
+      <a:camera prst="orthographicFront"/>
+      <a:lightRig rig="threePt" dir="t"/>
+    </dgm:scene3d>
+    <dgm:sp3d/>
+    <dgm:txPr/>
+    <dgm:style>
+      <a:lnRef idx="2">
+        <a:scrgbClr r="0" g="0" b="0"/>
+      </a:lnRef>
+      <a:fillRef idx="1">
+        <a:scrgbClr r="0" g="0" b="0"/>
+      </a:fillRef>
+      <a:effectRef idx="0">
+        <a:scrgbClr r="0" g="0" b="0"/>
+      </a:effectRef>
+      <a:fontRef idx="minor">
+        <a:schemeClr val="lt1"/>
+      </a:fontRef>
+    </dgm:style>
+  </dgm:styleLbl>
+  <dgm:styleLbl name="node1">
+    <dgm:scene3d>
+      <a:camera prst="orthographicFront"/>
+      <a:lightRig rig="threePt" dir="t"/>
+    </dgm:scene3d>
+    <dgm:sp3d/>
+    <dgm:txPr/>
+    <dgm:style>
+      <a:lnRef idx="2">
+        <a:scrgbClr r="0" g="0" b="0"/>
+      </a:lnRef>
+      <a:fillRef idx="1">
+        <a:scrgbClr r="0" g="0" b="0"/>
+      </a:fillRef>
+      <a:effectRef idx="0">
+        <a:scrgbClr r="0" g="0" b="0"/>
+      </a:effectRef>
+      <a:fontRef idx="minor">
+        <a:schemeClr val="lt1"/>
+      </a:fontRef>
+    </dgm:style>
+  </dgm:styleLbl>
+  <dgm:styleLbl name="node2">
+    <dgm:scene3d>
+      <a:camera prst="orthographicFront"/>
+      <a:lightRig rig="threePt" dir="t"/>
+    </dgm:scene3d>
+    <dgm:sp3d/>
+    <dgm:txPr/>
+    <dgm:style>
+      <a:lnRef idx="2">
+        <a:scrgbClr r="0" g="0" b="0"/>
+      </a:lnRef>
+      <a:fillRef idx="1">
+        <a:scrgbClr r="0" g="0" b="0"/>
+      </a:fillRef>
+      <a:effectRef idx="0">
+        <a:scrgbClr r="0" g="0" b="0"/>
+      </a:effectRef>
+      <a:fontRef idx="minor">
+        <a:schemeClr val="lt1"/>
+      </a:fontRef>
+    </dgm:style>
+  </dgm:styleLbl>
+  <dgm:styleLbl name="node3">
+    <dgm:scene3d>
+      <a:camera prst="orthographicFront"/>
+      <a:lightRig rig="threePt" dir="t"/>
+    </dgm:scene3d>
+    <dgm:sp3d/>
+    <dgm:txPr/>
+    <dgm:style>
+      <a:lnRef idx="2">
+        <a:scrgbClr r="0" g="0" b="0"/>
+      </a:lnRef>
+      <a:fillRef idx="1">
+        <a:scrgbClr r="0" g="0" b="0"/>
+      </a:fillRef>
+      <a:effectRef idx="0">
+        <a:scrgbClr r="0" g="0" b="0"/>
+      </a:effectRef>
+      <a:fontRef idx="minor">
+        <a:schemeClr val="lt1"/>
+      </a:fontRef>
+    </dgm:style>
+  </dgm:styleLbl>
+  <dgm:styleLbl name="node4">
+    <dgm:scene3d>
+      <a:camera prst="orthographicFront"/>
+      <a:lightRig rig="threePt" dir="t"/>
+    </dgm:scene3d>
+    <dgm:sp3d/>
+    <dgm:txPr/>
+    <dgm:style>
+      <a:lnRef idx="2">
+        <a:scrgbClr r="0" g="0" b="0"/>
+      </a:lnRef>
+      <a:fillRef idx="1">
+        <a:scrgbClr r="0" g="0" b="0"/>
+      </a:fillRef>
+      <a:effectRef idx="0">
+        <a:scrgbClr r="0" g="0" b="0"/>
+      </a:effectRef>
+      <a:fontRef idx="minor">
+        <a:schemeClr val="lt1"/>
+      </a:fontRef>
+    </dgm:style>
+  </dgm:styleLbl>
+  <dgm:styleLbl name="fgImgPlace1">
+    <dgm:scene3d>
+      <a:camera prst="orthographicFront"/>
+      <a:lightRig rig="threePt" dir="t"/>
+    </dgm:scene3d>
+    <dgm:sp3d/>
+    <dgm:txPr/>
+    <dgm:style>
+      <a:lnRef idx="2">
+        <a:scrgbClr r="0" g="0" b="0"/>
+      </a:lnRef>
+      <a:fillRef idx="1">
+        <a:scrgbClr r="0" g="0" b="0"/>
+      </a:fillRef>
+      <a:effectRef idx="0">
+        <a:scrgbClr r="0" g="0" b="0"/>
+      </a:effectRef>
+      <a:fontRef idx="minor"/>
+    </dgm:style>
+  </dgm:styleLbl>
+  <dgm:styleLbl name="alignImgPlace1">
+    <dgm:scene3d>
+      <a:camera prst="orthographicFront"/>
+      <a:lightRig rig="threePt" dir="t"/>
+    </dgm:scene3d>
+    <dgm:sp3d/>
+    <dgm:txPr/>
+    <dgm:style>
+      <a:lnRef idx="2">
+        <a:scrgbClr r="0" g="0" b="0"/>
+      </a:lnRef>
+      <a:fillRef idx="1">
+        <a:scrgbClr r="0" g="0" b="0"/>
+      </a:fillRef>
+      <a:effectRef idx="0">
+        <a:scrgbClr r="0" g="0" b="0"/>
+      </a:effectRef>
+      <a:fontRef idx="minor"/>
+    </dgm:style>
+  </dgm:styleLbl>
+  <dgm:styleLbl name="bgImgPlace1">
+    <dgm:scene3d>
+      <a:camera prst="orthographicFront"/>
+      <a:lightRig rig="threePt" dir="t"/>
+    </dgm:scene3d>
+    <dgm:sp3d/>
+    <dgm:txPr/>
+    <dgm:style>
+      <a:lnRef idx="2">
+        <a:scrgbClr r="0" g="0" b="0"/>
+      </a:lnRef>
+      <a:fillRef idx="1">
+        <a:scrgbClr r="0" g="0" b="0"/>
+      </a:fillRef>
+      <a:effectRef idx="0">
+        <a:scrgbClr r="0" g="0" b="0"/>
+      </a:effectRef>
+      <a:fontRef idx="minor"/>
+    </dgm:style>
+  </dgm:styleLbl>
+  <dgm:styleLbl name="sibTrans2D1">
+    <dgm:scene3d>
+      <a:camera prst="orthographicFront"/>
+      <a:lightRig rig="threePt" dir="t"/>
+    </dgm:scene3d>
+    <dgm:sp3d/>
+    <dgm:txPr/>
+    <dgm:style>
+      <a:lnRef idx="0">
+        <a:scrgbClr r="0" g="0" b="0"/>
+      </a:lnRef>
+      <a:fillRef idx="1">
+        <a:scrgbClr r="0" g="0" b="0"/>
+      </a:fillRef>
+      <a:effectRef idx="0">
+        <a:scrgbClr r="0" g="0" b="0"/>
+      </a:effectRef>
+      <a:fontRef idx="minor">
+        <a:schemeClr val="lt1"/>
+      </a:fontRef>
+    </dgm:style>
+  </dgm:styleLbl>
+  <dgm:styleLbl name="fgSibTrans2D1">
+    <dgm:scene3d>
+      <a:camera prst="orthographicFront"/>
+      <a:lightRig rig="threePt" dir="t"/>
+    </dgm:scene3d>
+    <dgm:sp3d/>
+    <dgm:txPr/>
+    <dgm:style>
+      <a:lnRef idx="0">
+        <a:scrgbClr r="0" g="0" b="0"/>
+      </a:lnRef>
+      <a:fillRef idx="1">
+        <a:scrgbClr r="0" g="0" b="0"/>
+      </a:fillRef>
+      <a:effectRef idx="0">
+        <a:scrgbClr r="0" g="0" b="0"/>
+      </a:effectRef>
+      <a:fontRef idx="minor">
+        <a:schemeClr val="lt1"/>
+      </a:fontRef>
+    </dgm:style>
+  </dgm:styleLbl>
+  <dgm:styleLbl name="bgSibTrans2D1">
+    <dgm:scene3d>
+      <a:camera prst="orthographicFront"/>
+      <a:lightRig rig="threePt" dir="t"/>
+    </dgm:scene3d>
+    <dgm:sp3d/>
+    <dgm:txPr/>
+    <dgm:style>
+      <a:lnRef idx="0">
+        <a:scrgbClr r="0" g="0" b="0"/>
+      </a:lnRef>
+      <a:fillRef idx="1">
+        <a:scrgbClr r="0" g="0" b="0"/>
+      </a:fillRef>
+      <a:effectRef idx="0">
+        <a:scrgbClr r="0" g="0" b="0"/>
+      </a:effectRef>
+      <a:fontRef idx="minor">
+        <a:schemeClr val="lt1"/>
+      </a:fontRef>
+    </dgm:style>
+  </dgm:styleLbl>
+  <dgm:styleLbl name="sibTrans1D1">
+    <dgm:scene3d>
+      <a:camera prst="orthographicFront"/>
+      <a:lightRig rig="threePt" dir="t"/>
+    </dgm:scene3d>
+    <dgm:sp3d/>
+    <dgm:txPr/>
+    <dgm:style>
+      <a:lnRef idx="1">
+        <a:scrgbClr r="0" g="0" b="0"/>
+      </a:lnRef>
+      <a:fillRef idx="0">
+        <a:scrgbClr r="0" g="0" b="0"/>
+      </a:fillRef>
+      <a:effectRef idx="0">
+        <a:scrgbClr r="0" g="0" b="0"/>
+      </a:effectRef>
+      <a:fontRef idx="minor"/>
+    </dgm:style>
+  </dgm:styleLbl>
+  <dgm:styleLbl name="callout">
+    <dgm:scene3d>
+      <a:camera prst="orthographicFront"/>
+      <a:lightRig rig="threePt" dir="t"/>
+    </dgm:scene3d>
+    <dgm:sp3d/>
+    <dgm:txPr/>
+    <dgm:style>
+      <a:lnRef idx="2">
+        <a:scrgbClr r="0" g="0" b="0"/>
+      </a:lnRef>
+      <a:fillRef idx="1">
+        <a:scrgbClr r="0" g="0" b="0"/>
+      </a:fillRef>
+      <a:effectRef idx="0">
+        <a:scrgbClr r="0" g="0" b="0"/>
+      </a:effectRef>
+      <a:fontRef idx="minor"/>
+    </dgm:style>
+  </dgm:styleLbl>
+  <dgm:styleLbl name="asst0">
+    <dgm:scene3d>
+      <a:camera prst="orthographicFront"/>
+      <a:lightRig rig="threePt" dir="t"/>
+    </dgm:scene3d>
+    <dgm:sp3d/>
+    <dgm:txPr/>
+    <dgm:style>
+      <a:lnRef idx="2">
+        <a:scrgbClr r="0" g="0" b="0"/>
+      </a:lnRef>
+      <a:fillRef idx="1">
+        <a:scrgbClr r="0" g="0" b="0"/>
+      </a:fillRef>
+      <a:effectRef idx="0">
+        <a:scrgbClr r="0" g="0" b="0"/>
+      </a:effectRef>
+      <a:fontRef idx="minor">
+        <a:schemeClr val="lt1"/>
+      </a:fontRef>
+    </dgm:style>
+  </dgm:styleLbl>
+  <dgm:styleLbl name="asst1">
+    <dgm:scene3d>
+      <a:camera prst="orthographicFront"/>
+      <a:lightRig rig="threePt" dir="t"/>
+    </dgm:scene3d>
+    <dgm:sp3d/>
+    <dgm:txPr/>
+    <dgm:style>
+      <a:lnRef idx="2">
+        <a:scrgbClr r="0" g="0" b="0"/>
+      </a:lnRef>
+      <a:fillRef idx="1">
+        <a:scrgbClr r="0" g="0" b="0"/>
+      </a:fillRef>
+      <a:effectRef idx="0">
+        <a:scrgbClr r="0" g="0" b="0"/>
+      </a:effectRef>
+      <a:fontRef idx="minor">
+        <a:schemeClr val="lt1"/>
+      </a:fontRef>
+    </dgm:style>
+  </dgm:styleLbl>
+  <dgm:styleLbl name="asst2">
+    <dgm:scene3d>
+      <a:camera prst="orthographicFront"/>
+      <a:lightRig rig="threePt" dir="t"/>
+    </dgm:scene3d>
+    <dgm:sp3d/>
+    <dgm:txPr/>
+    <dgm:style>
+      <a:lnRef idx="2">
+        <a:scrgbClr r="0" g="0" b="0"/>
+      </a:lnRef>
+      <a:fillRef idx="1">
+        <a:scrgbClr r="0" g="0" b="0"/>
+      </a:fillRef>
+      <a:effectRef idx="0">
+        <a:scrgbClr r="0" g="0" b="0"/>
+      </a:effectRef>
+      <a:fontRef idx="minor">
+        <a:schemeClr val="lt1"/>
+      </a:fontRef>
+    </dgm:style>
+  </dgm:styleLbl>
+  <dgm:styleLbl name="asst3">
+    <dgm:scene3d>
+      <a:camera prst="orthographicFront"/>
+      <a:lightRig rig="threePt" dir="t"/>
+    </dgm:scene3d>
+    <dgm:sp3d/>
+    <dgm:txPr/>
+    <dgm:style>
+      <a:lnRef idx="2">
+        <a:scrgbClr r="0" g="0" b="0"/>
+      </a:lnRef>
+      <a:fillRef idx="1">
+        <a:scrgbClr r="0" g="0" b="0"/>
+      </a:fillRef>
+      <a:effectRef idx="0">
+        <a:scrgbClr r="0" g="0" b="0"/>
+      </a:effectRef>
+      <a:fontRef idx="minor">
+        <a:schemeClr val="lt1"/>
+      </a:fontRef>
+    </dgm:style>
+  </dgm:styleLbl>
+  <dgm:styleLbl name="asst4">
+    <dgm:scene3d>
+      <a:camera prst="orthographicFront"/>
+      <a:lightRig rig="threePt" dir="t"/>
+    </dgm:scene3d>
+    <dgm:sp3d/>
+    <dgm:txPr/>
+    <dgm:style>
+      <a:lnRef idx="2">
+        <a:scrgbClr r="0" g="0" b="0"/>
+      </a:lnRef>
+      <a:fillRef idx="1">
+        <a:scrgbClr r="0" g="0" b="0"/>
+      </a:fillRef>
+      <a:effectRef idx="0">
+        <a:scrgbClr r="0" g="0" b="0"/>
+      </a:effectRef>
+      <a:fontRef idx="minor">
+        <a:schemeClr val="lt1"/>
+      </a:fontRef>
+    </dgm:style>
+  </dgm:styleLbl>
+  <dgm:styleLbl name="parChTrans2D1">
+    <dgm:scene3d>
+      <a:camera prst="orthographicFront"/>
+      <a:lightRig rig="threePt" dir="t"/>
+    </dgm:scene3d>
+    <dgm:sp3d/>
+    <dgm:txPr/>
+    <dgm:style>
+      <a:lnRef idx="2">
+        <a:scrgbClr r="0" g="0" b="0"/>
+      </a:lnRef>
+      <a:fillRef idx="1">
+        <a:scrgbClr r="0" g="0" b="0"/>
+      </a:fillRef>
+      <a:effectRef idx="0">
+        <a:scrgbClr r="0" g="0" b="0"/>
+      </a:effectRef>
+      <a:fontRef idx="minor">
+        <a:schemeClr val="lt1"/>
+      </a:fontRef>
+    </dgm:style>
+  </dgm:styleLbl>
+  <dgm:styleLbl name="parChTrans2D2">
+    <dgm:scene3d>
+      <a:camera prst="orthographicFront"/>
+      <a:lightRig rig="threePt" dir="t"/>
+    </dgm:scene3d>
+    <dgm:sp3d/>
+    <dgm:txPr/>
+    <dgm:style>
+      <a:lnRef idx="2">
+        <a:scrgbClr r="0" g="0" b="0"/>
+      </a:lnRef>
+      <a:fillRef idx="1">
+        <a:scrgbClr r="0" g="0" b="0"/>
+      </a:fillRef>
+      <a:effectRef idx="0">
+        <a:scrgbClr r="0" g="0" b="0"/>
+      </a:effectRef>
+      <a:fontRef idx="minor">
+        <a:schemeClr val="lt1"/>
+      </a:fontRef>
+    </dgm:style>
+  </dgm:styleLbl>
+  <dgm:styleLbl name="parChTrans2D3">
+    <dgm:scene3d>
+      <a:camera prst="orthographicFront"/>
+      <a:lightRig rig="threePt" dir="t"/>
+    </dgm:scene3d>
+    <dgm:sp3d/>
+    <dgm:txPr/>
+    <dgm:style>
+      <a:lnRef idx="2">
+        <a:scrgbClr r="0" g="0" b="0"/>
+      </a:lnRef>
+      <a:fillRef idx="1">
+        <a:scrgbClr r="0" g="0" b="0"/>
+      </a:fillRef>
+      <a:effectRef idx="0">
+        <a:scrgbClr r="0" g="0" b="0"/>
+      </a:effectRef>
+      <a:fontRef idx="minor">
+        <a:schemeClr val="lt1"/>
+      </a:fontRef>
+    </dgm:style>
+  </dgm:styleLbl>
+  <dgm:styleLbl name="parChTrans2D4">
+    <dgm:scene3d>
+      <a:camera prst="orthographicFront"/>
+      <a:lightRig rig="threePt" dir="t"/>
+    </dgm:scene3d>
+    <dgm:sp3d/>
+    <dgm:txPr/>
+    <dgm:style>
+      <a:lnRef idx="2">
+        <a:scrgbClr r="0" g="0" b="0"/>
+      </a:lnRef>
+      <a:fillRef idx="1">
+        <a:scrgbClr r="0" g="0" b="0"/>
+      </a:fillRef>
+      <a:effectRef idx="0">
+        <a:scrgbClr r="0" g="0" b="0"/>
+      </a:effectRef>
+      <a:fontRef idx="minor">
+        <a:schemeClr val="lt1"/>
+      </a:fontRef>
+    </dgm:style>
+  </dgm:styleLbl>
+  <dgm:styleLbl name="parChTrans1D1">
+    <dgm:scene3d>
+      <a:camera prst="orthographicFront"/>
+      <a:lightRig rig="threePt" dir="t"/>
+    </dgm:scene3d>
+    <dgm:sp3d/>
+    <dgm:txPr/>
+    <dgm:style>
+      <a:lnRef idx="2">
+        <a:scrgbClr r="0" g="0" b="0"/>
+      </a:lnRef>
+      <a:fillRef idx="0">
+        <a:scrgbClr r="0" g="0" b="0"/>
+      </a:fillRef>
+      <a:effectRef idx="0">
+        <a:scrgbClr r="0" g="0" b="0"/>
+      </a:effectRef>
+      <a:fontRef idx="minor"/>
+    </dgm:style>
+  </dgm:styleLbl>
+  <dgm:styleLbl name="parChTrans1D2">
+    <dgm:scene3d>
+      <a:camera prst="orthographicFront"/>
+      <a:lightRig rig="threePt" dir="t"/>
+    </dgm:scene3d>
+    <dgm:sp3d/>
+    <dgm:txPr/>
+    <dgm:style>
+      <a:lnRef idx="2">
+        <a:scrgbClr r="0" g="0" b="0"/>
+      </a:lnRef>
+      <a:fillRef idx="0">
+        <a:scrgbClr r="0" g="0" b="0"/>
+      </a:fillRef>
+      <a:effectRef idx="0">
+        <a:scrgbClr r="0" g="0" b="0"/>
+      </a:effectRef>
+      <a:fontRef idx="minor"/>
+    </dgm:style>
+  </dgm:styleLbl>
+  <dgm:styleLbl name="parChTrans1D3">
+    <dgm:scene3d>
+      <a:camera prst="orthographicFront"/>
+      <a:lightRig rig="threePt" dir="t"/>
+    </dgm:scene3d>
+    <dgm:sp3d/>
+    <dgm:txPr/>
+    <dgm:style>
+      <a:lnRef idx="2">
+        <a:scrgbClr r="0" g="0" b="0"/>
+      </a:lnRef>
+      <a:fillRef idx="0">
+        <a:scrgbClr r="0" g="0" b="0"/>
+      </a:fillRef>
+      <a:effectRef idx="0">
+        <a:scrgbClr r="0" g="0" b="0"/>
+      </a:effectRef>
+      <a:fontRef idx="minor"/>
+    </dgm:style>
+  </dgm:styleLbl>
+  <dgm:styleLbl name="parChTrans1D4">
+    <dgm:scene3d>
+      <a:camera prst="orthographicFront"/>
+      <a:lightRig rig="threePt" dir="t"/>
+    </dgm:scene3d>
+    <dgm:sp3d/>
+    <dgm:txPr/>
+    <dgm:style>
+      <a:lnRef idx="2">
+        <a:scrgbClr r="0" g="0" b="0"/>
+      </a:lnRef>
+      <a:fillRef idx="0">
+        <a:scrgbClr r="0" g="0" b="0"/>
+      </a:fillRef>
+      <a:effectRef idx="0">
+        <a:scrgbClr r="0" g="0" b="0"/>
+      </a:effectRef>
+      <a:fontRef idx="minor"/>
+    </dgm:style>
+  </dgm:styleLbl>
+  <dgm:styleLbl name="fgAcc1">
+    <dgm:scene3d>
+      <a:camera prst="orthographicFront"/>
+      <a:lightRig rig="threePt" dir="t"/>
+    </dgm:scene3d>
+    <dgm:sp3d/>
+    <dgm:txPr/>
+    <dgm:style>
+      <a:lnRef idx="2">
+        <a:scrgbClr r="0" g="0" b="0"/>
+      </a:lnRef>
+      <a:fillRef idx="1">
+        <a:scrgbClr r="0" g="0" b="0"/>
+      </a:fillRef>
+      <a:effectRef idx="0">
+        <a:scrgbClr r="0" g="0" b="0"/>
+      </a:effectRef>
+      <a:fontRef idx="minor"/>
+    </dgm:style>
+  </dgm:styleLbl>
+  <dgm:styleLbl name="conFgAcc1">
+    <dgm:scene3d>
+      <a:camera prst="orthographicFront"/>
+      <a:lightRig rig="threePt" dir="t"/>
+    </dgm:scene3d>
+    <dgm:sp3d/>
+    <dgm:txPr/>
+    <dgm:style>
+      <a:lnRef idx="2">
+        <a:scrgbClr r="0" g="0" b="0"/>
+      </a:lnRef>
+      <a:fillRef idx="1">
+        <a:scrgbClr r="0" g="0" b="0"/>
+      </a:fillRef>
+      <a:effectRef idx="0">
+        <a:scrgbClr r="0" g="0" b="0"/>
+      </a:effectRef>
+      <a:fontRef idx="minor"/>
+    </dgm:style>
+  </dgm:styleLbl>
+  <dgm:styleLbl name="alignAcc1">
+    <dgm:scene3d>
+      <a:camera prst="orthographicFront"/>
+      <a:lightRig rig="threePt" dir="t"/>
+    </dgm:scene3d>
+    <dgm:sp3d/>
+    <dgm:txPr/>
+    <dgm:style>
+      <a:lnRef idx="2">
+        <a:scrgbClr r="0" g="0" b="0"/>
+      </a:lnRef>
+      <a:fillRef idx="1">
+        <a:scrgbClr r="0" g="0" b="0"/>
+      </a:fillRef>
+      <a:effectRef idx="0">
+        <a:scrgbClr r="0" g="0" b="0"/>
+      </a:effectRef>
+      <a:fontRef idx="minor"/>
+    </dgm:style>
+  </dgm:styleLbl>
+  <dgm:styleLbl name="trAlignAcc1">
+    <dgm:scene3d>
+      <a:camera prst="orthographicFront"/>
+      <a:lightRig rig="threePt" dir="t"/>
+    </dgm:scene3d>
+    <dgm:sp3d/>
+    <dgm:txPr/>
+    <dgm:style>
+      <a:lnRef idx="1">
+        <a:scrgbClr r="0" g="0" b="0"/>
+      </a:lnRef>
+      <a:fillRef idx="1">
+        <a:scrgbClr r="0" g="0" b="0"/>
+      </a:fillRef>
+      <a:effectRef idx="0">
+        <a:scrgbClr r="0" g="0" b="0"/>
+      </a:effectRef>
+      <a:fontRef idx="minor"/>
+    </dgm:style>
+  </dgm:styleLbl>
+  <dgm:styleLbl name="bgAcc1">
+    <dgm:scene3d>
+      <a:camera prst="orthographicFront"/>
+      <a:lightRig rig="threePt" dir="t"/>
+    </dgm:scene3d>
+    <dgm:sp3d/>
+    <dgm:txPr/>
+    <dgm:style>
+      <a:lnRef idx="2">
+        <a:scrgbClr r="0" g="0" b="0"/>
+      </a:lnRef>
+      <a:fillRef idx="1">
+        <a:scrgbClr r="0" g="0" b="0"/>
+      </a:fillRef>
+      <a:effectRef idx="0">
+        <a:scrgbClr r="0" g="0" b="0"/>
+      </a:effectRef>
+      <a:fontRef idx="minor"/>
+    </dgm:style>
+  </dgm:styleLbl>
+  <dgm:styleLbl name="solidFgAcc1">
+    <dgm:scene3d>
+      <a:camera prst="orthographicFront"/>
+      <a:lightRig rig="threePt" dir="t"/>
+    </dgm:scene3d>
+    <dgm:sp3d/>
+    <dgm:txPr/>
+    <dgm:style>
+      <a:lnRef idx="2">
+        <a:scrgbClr r="0" g="0" b="0"/>
+      </a:lnRef>
+      <a:fillRef idx="1">
+        <a:scrgbClr r="0" g="0" b="0"/>
+      </a:fillRef>
+      <a:effectRef idx="0">
+        <a:scrgbClr r="0" g="0" b="0"/>
+      </a:effectRef>
+      <a:fontRef idx="minor"/>
+    </dgm:style>
+  </dgm:styleLbl>
+  <dgm:styleLbl name="solidAlignAcc1">
+    <dgm:scene3d>
+      <a:camera prst="orthographicFront"/>
+      <a:lightRig rig="threePt" dir="t"/>
+    </dgm:scene3d>
+    <dgm:sp3d/>
+    <dgm:txPr/>
+    <dgm:style>
+      <a:lnRef idx="2">
+        <a:scrgbClr r="0" g="0" b="0"/>
+      </a:lnRef>
+      <a:fillRef idx="1">
+        <a:scrgbClr r="0" g="0" b="0"/>
+      </a:fillRef>
+      <a:effectRef idx="0">
+        <a:scrgbClr r="0" g="0" b="0"/>
+      </a:effectRef>
+      <a:fontRef idx="minor"/>
+    </dgm:style>
+  </dgm:styleLbl>
+  <dgm:styleLbl name="solidBgAcc1">
+    <dgm:scene3d>
+      <a:camera prst="orthographicFront"/>
+      <a:lightRig rig="threePt" dir="t"/>
+    </dgm:scene3d>
+    <dgm:sp3d/>
+    <dgm:txPr/>
+    <dgm:style>
+      <a:lnRef idx="2">
+        <a:scrgbClr r="0" g="0" b="0"/>
+      </a:lnRef>
+      <a:fillRef idx="1">
+        <a:scrgbClr r="0" g="0" b="0"/>
+      </a:fillRef>
+      <a:effectRef idx="0">
+        <a:scrgbClr r="0" g="0" b="0"/>
+      </a:effectRef>
+      <a:fontRef idx="minor"/>
+    </dgm:style>
+  </dgm:styleLbl>
+  <dgm:styleLbl name="fgAccFollowNode1">
+    <dgm:scene3d>
+      <a:camera prst="orthographicFront"/>
+      <a:lightRig rig="threePt" dir="t"/>
+    </dgm:scene3d>
+    <dgm:sp3d/>
+    <dgm:txPr/>
+    <dgm:style>
+      <a:lnRef idx="2">
+        <a:scrgbClr r="0" g="0" b="0"/>
+      </a:lnRef>
+      <a:fillRef idx="1">
+        <a:scrgbClr r="0" g="0" b="0"/>
+      </a:fillRef>
+      <a:effectRef idx="0">
+        <a:scrgbClr r="0" g="0" b="0"/>
+      </a:effectRef>
+      <a:fontRef idx="minor"/>
+    </dgm:style>
+  </dgm:styleLbl>
+  <dgm:styleLbl name="alignAccFollowNode1">
+    <dgm:scene3d>
+      <a:camera prst="orthographicFront"/>
+      <a:lightRig rig="threePt" dir="t"/>
+    </dgm:scene3d>
+    <dgm:sp3d/>
+    <dgm:txPr/>
+    <dgm:style>
+      <a:lnRef idx="2">
+        <a:scrgbClr r="0" g="0" b="0"/>
+      </a:lnRef>
+      <a:fillRef idx="1">
+        <a:scrgbClr r="0" g="0" b="0"/>
+      </a:fillRef>
+      <a:effectRef idx="0">
+        <a:scrgbClr r="0" g="0" b="0"/>
+      </a:effectRef>
+      <a:fontRef idx="minor"/>
+    </dgm:style>
+  </dgm:styleLbl>
+  <dgm:styleLbl name="bgAccFollowNode1">
+    <dgm:scene3d>
+      <a:camera prst="orthographicFront"/>
+      <a:lightRig rig="threePt" dir="t"/>
+    </dgm:scene3d>
+    <dgm:sp3d/>
+    <dgm:txPr/>
+    <dgm:style>
+      <a:lnRef idx="2">
+        <a:scrgbClr r="0" g="0" b="0"/>
+      </a:lnRef>
+      <a:fillRef idx="1">
+        <a:scrgbClr r="0" g="0" b="0"/>
+      </a:fillRef>
+      <a:effectRef idx="0">
+        <a:scrgbClr r="0" g="0" b="0"/>
+      </a:effectRef>
+      <a:fontRef idx="minor"/>
+    </dgm:style>
+  </dgm:styleLbl>
+  <dgm:styleLbl name="fgAcc0">
+    <dgm:scene3d>
+      <a:camera prst="orthographicFront"/>
+      <a:lightRig rig="threePt" dir="t"/>
+    </dgm:scene3d>
+    <dgm:sp3d/>
+    <dgm:txPr/>
+    <dgm:style>
+      <a:lnRef idx="2">
+        <a:scrgbClr r="0" g="0" b="0"/>
+      </a:lnRef>
+      <a:fillRef idx="1">
+        <a:scrgbClr r="0" g="0" b="0"/>
+      </a:fillRef>
+      <a:effectRef idx="0">
+        <a:scrgbClr r="0" g="0" b="0"/>
+      </a:effectRef>
+      <a:fontRef idx="minor"/>
+    </dgm:style>
+  </dgm:styleLbl>
+  <dgm:styleLbl name="fgAcc2">
+    <dgm:scene3d>
+      <a:camera prst="orthographicFront"/>
+      <a:lightRig rig="threePt" dir="t"/>
+    </dgm:scene3d>
+    <dgm:sp3d/>
+    <dgm:txPr/>
+    <dgm:style>
+      <a:lnRef idx="2">
+        <a:scrgbClr r="0" g="0" b="0"/>
+      </a:lnRef>
+      <a:fillRef idx="1">
+        <a:scrgbClr r="0" g="0" b="0"/>
+      </a:fillRef>
+      <a:effectRef idx="0">
+        <a:scrgbClr r="0" g="0" b="0"/>
+      </a:effectRef>
+      <a:fontRef idx="minor"/>
+    </dgm:style>
+  </dgm:styleLbl>
+  <dgm:styleLbl name="fgAcc3">
+    <dgm:scene3d>
+      <a:camera prst="orthographicFront"/>
+      <a:lightRig rig="threePt" dir="t"/>
+    </dgm:scene3d>
+    <dgm:sp3d/>
+    <dgm:txPr/>
+    <dgm:style>
+      <a:lnRef idx="2">
+        <a:scrgbClr r="0" g="0" b="0"/>
+      </a:lnRef>
+      <a:fillRef idx="1">
+        <a:scrgbClr r="0" g="0" b="0"/>
+      </a:fillRef>
+      <a:effectRef idx="0">
+        <a:scrgbClr r="0" g="0" b="0"/>
+      </a:effectRef>
+      <a:fontRef idx="minor"/>
+    </dgm:style>
+  </dgm:styleLbl>
+  <dgm:styleLbl name="fgAcc4">
+    <dgm:scene3d>
+      <a:camera prst="orthographicFront"/>
+      <a:lightRig rig="threePt" dir="t"/>
+    </dgm:scene3d>
+    <dgm:sp3d/>
+    <dgm:txPr/>
+    <dgm:style>
+      <a:lnRef idx="2">
+        <a:scrgbClr r="0" g="0" b="0"/>
+      </a:lnRef>
+      <a:fillRef idx="1">
+        <a:scrgbClr r="0" g="0" b="0"/>
+      </a:fillRef>
+      <a:effectRef idx="0">
+        <a:scrgbClr r="0" g="0" b="0"/>
+      </a:effectRef>
+      <a:fontRef idx="minor"/>
+    </dgm:style>
+  </dgm:styleLbl>
+  <dgm:styleLbl name="bgShp">
+    <dgm:scene3d>
+      <a:camera prst="orthographicFront"/>
+      <a:lightRig rig="threePt" dir="t"/>
+    </dgm:scene3d>
+    <dgm:sp3d/>
+    <dgm:txPr/>
+    <dgm:style>
+      <a:lnRef idx="0">
+        <a:scrgbClr r="0" g="0" b="0"/>
+      </a:lnRef>
+      <a:fillRef idx="1">
+        <a:scrgbClr r="0" g="0" b="0"/>
+      </a:fillRef>
+      <a:effectRef idx="0">
+        <a:scrgbClr r="0" g="0" b="0"/>
+      </a:effectRef>
+      <a:fontRef idx="minor"/>
+    </dgm:style>
+  </dgm:styleLbl>
+  <dgm:styleLbl name="dkBgShp">
+    <dgm:scene3d>
+      <a:camera prst="orthographicFront"/>
+      <a:lightRig rig="threePt" dir="t"/>
+    </dgm:scene3d>
+    <dgm:sp3d/>
+    <dgm:txPr/>
+    <dgm:style>
+      <a:lnRef idx="0">
+        <a:scrgbClr r="0" g="0" b="0"/>
+      </a:lnRef>
+      <a:fillRef idx="1">
+        <a:scrgbClr r="0" g="0" b="0"/>
+      </a:fillRef>
+      <a:effectRef idx="0">
+        <a:scrgbClr r="0" g="0" b="0"/>
+      </a:effectRef>
+      <a:fontRef idx="minor"/>
+    </dgm:style>
+  </dgm:styleLbl>
+  <dgm:styleLbl name="trBgShp">
+    <dgm:scene3d>
+      <a:camera prst="orthographicFront"/>
+      <a:lightRig rig="threePt" dir="t"/>
+    </dgm:scene3d>
+    <dgm:sp3d/>
+    <dgm:txPr/>
+    <dgm:style>
+      <a:lnRef idx="0">
+        <a:scrgbClr r="0" g="0" b="0"/>
+      </a:lnRef>
+      <a:fillRef idx="1">
+        <a:scrgbClr r="0" g="0" b="0"/>
+      </a:fillRef>
+      <a:effectRef idx="0">
+        <a:scrgbClr r="0" g="0" b="0"/>
+      </a:effectRef>
+      <a:fontRef idx="minor"/>
+    </dgm:style>
+  </dgm:styleLbl>
+  <dgm:styleLbl name="fgShp">
+    <dgm:scene3d>
+      <a:camera prst="orthographicFront"/>
+      <a:lightRig rig="threePt" dir="t"/>
+    </dgm:scene3d>
+    <dgm:sp3d/>
+    <dgm:txPr/>
+    <dgm:style>
+      <a:lnRef idx="2">
+        <a:scrgbClr r="0" g="0" b="0"/>
+      </a:lnRef>
+      <a:fillRef idx="1">
+        <a:scrgbClr r="0" g="0" b="0"/>
+      </a:fillRef>
+      <a:effectRef idx="0">
+        <a:scrgbClr r="0" g="0" b="0"/>
+      </a:effectRef>
+      <a:fontRef idx="minor"/>
+    </dgm:style>
+  </dgm:styleLbl>
+  <dgm:styleLbl name="revTx">
+    <dgm:scene3d>
+      <a:camera prst="orthographicFront"/>
+      <a:lightRig rig="threePt" dir="t"/>
+    </dgm:scene3d>
+    <dgm:sp3d/>
+    <dgm:txPr/>
+    <dgm:style>
+      <a:lnRef idx="0">
+        <a:scrgbClr r="0" g="0" b="0"/>
+      </a:lnRef>
+      <a:fillRef idx="0">
+        <a:scrgbClr r="0" g="0" b="0"/>
+      </a:fillRef>
+      <a:effectRef idx="0">
+        <a:scrgbClr r="0" g="0" b="0"/>
+      </a:effectRef>
+      <a:fontRef idx="minor"/>
+    </dgm:style>
+  </dgm:styleLbl>
+</dgm:styleDef>
+</file>
+
 <file path=ppt/notesMasters/notesMaster1.xml><?xml version="1.0" encoding="utf-8"?>
 <p:notesMaster xmlns:a="http://schemas.openxmlformats.org/drawingml/2006/main" xmlns:r="http://schemas.openxmlformats.org/officeDocument/2006/relationships" xmlns:p="http://schemas.openxmlformats.org/presentationml/2006/main">
   <p:cSld>
@@ -206,7 +4937,7 @@
           <a:p>
             <a:fld id="{D7D9A16F-D302-4F6C-88DE-469A6962F06E}" type="datetimeFigureOut">
               <a:rPr lang="en-US" smtClean="0"/>
-              <a:t>12/31/2014</a:t>
+              <a:t>1/3/2015</a:t>
             </a:fld>
             <a:endParaRPr lang="en-US"/>
           </a:p>
@@ -1179,6 +5910,98 @@
 </p:notes>
 </file>
 
+<file path=ppt/notesSlides/notesSlide6.xml><?xml version="1.0" encoding="utf-8"?>
+<p:notes xmlns:a="http://schemas.openxmlformats.org/drawingml/2006/main" xmlns:r="http://schemas.openxmlformats.org/officeDocument/2006/relationships" xmlns:p="http://schemas.openxmlformats.org/presentationml/2006/main">
+  <p:cSld>
+    <p:spTree>
+      <p:nvGrpSpPr>
+        <p:cNvPr id="1" name=""/>
+        <p:cNvGrpSpPr/>
+        <p:nvPr/>
+      </p:nvGrpSpPr>
+      <p:grpSpPr>
+        <a:xfrm>
+          <a:off x="0" y="0"/>
+          <a:ext cx="0" cy="0"/>
+          <a:chOff x="0" y="0"/>
+          <a:chExt cx="0" cy="0"/>
+        </a:xfrm>
+      </p:grpSpPr>
+      <p:sp>
+        <p:nvSpPr>
+          <p:cNvPr id="2" name="Slide Image Placeholder 1"/>
+          <p:cNvSpPr>
+            <a:spLocks noGrp="1" noRot="1" noChangeAspect="1"/>
+          </p:cNvSpPr>
+          <p:nvPr>
+            <p:ph type="sldImg"/>
+          </p:nvPr>
+        </p:nvSpPr>
+        <p:spPr/>
+      </p:sp>
+      <p:sp>
+        <p:nvSpPr>
+          <p:cNvPr id="3" name="Notes Placeholder 2"/>
+          <p:cNvSpPr>
+            <a:spLocks noGrp="1"/>
+          </p:cNvSpPr>
+          <p:nvPr>
+            <p:ph type="body" idx="1"/>
+          </p:nvPr>
+        </p:nvSpPr>
+        <p:spPr/>
+        <p:txBody>
+          <a:bodyPr/>
+          <a:lstStyle/>
+          <a:p>
+            <a:r>
+              <a:rPr lang="en-US" dirty="0" smtClean="0"/>
+              <a:t>Talk to these</a:t>
+            </a:r>
+            <a:r>
+              <a:rPr lang="en-US" baseline="0" dirty="0" smtClean="0"/>
+              <a:t> being the types of methods that get split out and not the methods themselves</a:t>
+            </a:r>
+            <a:endParaRPr lang="en-US" dirty="0"/>
+          </a:p>
+        </p:txBody>
+      </p:sp>
+      <p:sp>
+        <p:nvSpPr>
+          <p:cNvPr id="4" name="Slide Number Placeholder 3"/>
+          <p:cNvSpPr>
+            <a:spLocks noGrp="1"/>
+          </p:cNvSpPr>
+          <p:nvPr>
+            <p:ph type="sldNum" sz="quarter" idx="10"/>
+          </p:nvPr>
+        </p:nvSpPr>
+        <p:spPr/>
+        <p:txBody>
+          <a:bodyPr/>
+          <a:lstStyle/>
+          <a:p>
+            <a:fld id="{5E646BB7-50E9-43CE-B8D8-A01580F287EB}" type="slidenum">
+              <a:rPr lang="en-US" smtClean="0"/>
+              <a:t>11</a:t>
+            </a:fld>
+            <a:endParaRPr lang="en-US"/>
+          </a:p>
+        </p:txBody>
+      </p:sp>
+    </p:spTree>
+    <p:extLst>
+      <p:ext uri="{BB962C8B-B14F-4D97-AF65-F5344CB8AC3E}">
+        <p14:creationId xmlns:p14="http://schemas.microsoft.com/office/powerpoint/2010/main" val="3463178358"/>
+      </p:ext>
+    </p:extLst>
+  </p:cSld>
+  <p:clrMapOvr>
+    <a:masterClrMapping/>
+  </p:clrMapOvr>
+</p:notes>
+</file>
+
 <file path=ppt/slideLayouts/slideLayout1.xml><?xml version="1.0" encoding="utf-8"?>
 <p:sldLayout xmlns:a="http://schemas.openxmlformats.org/drawingml/2006/main" xmlns:r="http://schemas.openxmlformats.org/officeDocument/2006/relationships" xmlns:p="http://schemas.openxmlformats.org/presentationml/2006/main" type="title" preserve="1">
   <p:cSld name="Title Slide">
@@ -1310,7 +6133,7 @@
           <a:p>
             <a:fld id="{ABF9AFE4-9910-4F36-8626-ABF2E797B655}" type="datetimeFigureOut">
               <a:rPr lang="en-US" smtClean="0"/>
-              <a:t>12/31/2014</a:t>
+              <a:t>1/3/2015</a:t>
             </a:fld>
             <a:endParaRPr lang="en-US"/>
           </a:p>
@@ -1480,7 +6303,7 @@
           <a:p>
             <a:fld id="{ABF9AFE4-9910-4F36-8626-ABF2E797B655}" type="datetimeFigureOut">
               <a:rPr lang="en-US" smtClean="0"/>
-              <a:t>12/31/2014</a:t>
+              <a:t>1/3/2015</a:t>
             </a:fld>
             <a:endParaRPr lang="en-US"/>
           </a:p>
@@ -1660,7 +6483,7 @@
           <a:p>
             <a:fld id="{ABF9AFE4-9910-4F36-8626-ABF2E797B655}" type="datetimeFigureOut">
               <a:rPr lang="en-US" smtClean="0"/>
-              <a:t>12/31/2014</a:t>
+              <a:t>1/3/2015</a:t>
             </a:fld>
             <a:endParaRPr lang="en-US"/>
           </a:p>
@@ -1830,7 +6653,7 @@
           <a:p>
             <a:fld id="{ABF9AFE4-9910-4F36-8626-ABF2E797B655}" type="datetimeFigureOut">
               <a:rPr lang="en-US" smtClean="0"/>
-              <a:t>12/31/2014</a:t>
+              <a:t>1/3/2015</a:t>
             </a:fld>
             <a:endParaRPr lang="en-US"/>
           </a:p>
@@ -2076,7 +6899,7 @@
           <a:p>
             <a:fld id="{ABF9AFE4-9910-4F36-8626-ABF2E797B655}" type="datetimeFigureOut">
               <a:rPr lang="en-US" smtClean="0"/>
-              <a:t>12/31/2014</a:t>
+              <a:t>1/3/2015</a:t>
             </a:fld>
             <a:endParaRPr lang="en-US"/>
           </a:p>
@@ -2308,7 +7131,7 @@
           <a:p>
             <a:fld id="{ABF9AFE4-9910-4F36-8626-ABF2E797B655}" type="datetimeFigureOut">
               <a:rPr lang="en-US" smtClean="0"/>
-              <a:t>12/31/2014</a:t>
+              <a:t>1/3/2015</a:t>
             </a:fld>
             <a:endParaRPr lang="en-US"/>
           </a:p>
@@ -2675,7 +7498,7 @@
           <a:p>
             <a:fld id="{ABF9AFE4-9910-4F36-8626-ABF2E797B655}" type="datetimeFigureOut">
               <a:rPr lang="en-US" smtClean="0"/>
-              <a:t>12/31/2014</a:t>
+              <a:t>1/3/2015</a:t>
             </a:fld>
             <a:endParaRPr lang="en-US"/>
           </a:p>
@@ -2793,7 +7616,7 @@
           <a:p>
             <a:fld id="{ABF9AFE4-9910-4F36-8626-ABF2E797B655}" type="datetimeFigureOut">
               <a:rPr lang="en-US" smtClean="0"/>
-              <a:t>12/31/2014</a:t>
+              <a:t>1/3/2015</a:t>
             </a:fld>
             <a:endParaRPr lang="en-US"/>
           </a:p>
@@ -2888,7 +7711,7 @@
           <a:p>
             <a:fld id="{ABF9AFE4-9910-4F36-8626-ABF2E797B655}" type="datetimeFigureOut">
               <a:rPr lang="en-US" smtClean="0"/>
-              <a:t>12/31/2014</a:t>
+              <a:t>1/3/2015</a:t>
             </a:fld>
             <a:endParaRPr lang="en-US"/>
           </a:p>
@@ -3165,7 +7988,7 @@
           <a:p>
             <a:fld id="{ABF9AFE4-9910-4F36-8626-ABF2E797B655}" type="datetimeFigureOut">
               <a:rPr lang="en-US" smtClean="0"/>
-              <a:t>12/31/2014</a:t>
+              <a:t>1/3/2015</a:t>
             </a:fld>
             <a:endParaRPr lang="en-US"/>
           </a:p>
@@ -3418,7 +8241,7 @@
           <a:p>
             <a:fld id="{ABF9AFE4-9910-4F36-8626-ABF2E797B655}" type="datetimeFigureOut">
               <a:rPr lang="en-US" smtClean="0"/>
-              <a:t>12/31/2014</a:t>
+              <a:t>1/3/2015</a:t>
             </a:fld>
             <a:endParaRPr lang="en-US"/>
           </a:p>
@@ -3631,7 +8454,7 @@
           <a:p>
             <a:fld id="{ABF9AFE4-9910-4F36-8626-ABF2E797B655}" type="datetimeFigureOut">
               <a:rPr lang="en-US" smtClean="0"/>
-              <a:t>12/31/2014</a:t>
+              <a:t>1/3/2015</a:t>
             </a:fld>
             <a:endParaRPr lang="en-US"/>
           </a:p>
@@ -4508,7 +9331,6 @@
               <a:rPr lang="en-US" sz="2400" dirty="0"/>
               <a:t>- Mars</a:t>
             </a:r>
-            <a:endParaRPr lang="en-US" sz="2400" dirty="0"/>
           </a:p>
         </p:txBody>
       </p:sp>
@@ -4538,7 +9360,6 @@
               <a:rPr lang="en-US" sz="2400" dirty="0"/>
               <a:t>- Mars</a:t>
             </a:r>
-            <a:endParaRPr lang="en-US" sz="2400" dirty="0"/>
           </a:p>
         </p:txBody>
       </p:sp>
@@ -4745,6 +9566,154 @@
       <p:bldP spid="6" grpId="0"/>
       <p:bldP spid="7" grpId="0"/>
     </p:bldLst>
+  </p:timing>
+</p:sld>
+</file>
+
+<file path=ppt/slides/slide11.xml><?xml version="1.0" encoding="utf-8"?>
+<p:sld xmlns:a="http://schemas.openxmlformats.org/drawingml/2006/main" xmlns:r="http://schemas.openxmlformats.org/officeDocument/2006/relationships" xmlns:p="http://schemas.openxmlformats.org/presentationml/2006/main">
+  <p:cSld>
+    <p:bg>
+      <p:bgPr>
+        <a:blipFill dpi="0" rotWithShape="1">
+          <a:blip r:embed="rId3">
+            <a:lum/>
+          </a:blip>
+          <a:srcRect/>
+          <a:stretch>
+            <a:fillRect l="-2000" t="-17000" r="-2000" b="-17000"/>
+          </a:stretch>
+        </a:blipFill>
+        <a:effectLst/>
+      </p:bgPr>
+    </p:bg>
+    <p:spTree>
+      <p:nvGrpSpPr>
+        <p:cNvPr id="1" name=""/>
+        <p:cNvGrpSpPr/>
+        <p:nvPr/>
+      </p:nvGrpSpPr>
+      <p:grpSpPr>
+        <a:xfrm>
+          <a:off x="0" y="0"/>
+          <a:ext cx="0" cy="0"/>
+          <a:chOff x="0" y="0"/>
+          <a:chExt cx="0" cy="0"/>
+        </a:xfrm>
+      </p:grpSpPr>
+      <p:sp>
+        <p:nvSpPr>
+          <p:cNvPr id="2" name="Title 1"/>
+          <p:cNvSpPr>
+            <a:spLocks noGrp="1"/>
+          </p:cNvSpPr>
+          <p:nvPr>
+            <p:ph type="title"/>
+          </p:nvPr>
+        </p:nvSpPr>
+        <p:spPr>
+          <a:xfrm>
+            <a:off x="838200" y="323562"/>
+            <a:ext cx="10515600" cy="1325563"/>
+          </a:xfrm>
+        </p:spPr>
+        <p:txBody>
+          <a:bodyPr/>
+          <a:lstStyle/>
+          <a:p>
+            <a:r>
+              <a:rPr lang="en-US" dirty="0" smtClean="0"/>
+              <a:t>Possible Solution</a:t>
+            </a:r>
+            <a:endParaRPr lang="en-US" dirty="0"/>
+          </a:p>
+        </p:txBody>
+      </p:sp>
+      <p:graphicFrame>
+        <p:nvGraphicFramePr>
+          <p:cNvPr id="4" name="Content Placeholder 3"/>
+          <p:cNvGraphicFramePr>
+            <a:graphicFrameLocks noGrp="1"/>
+          </p:cNvGraphicFramePr>
+          <p:nvPr>
+            <p:ph idx="1"/>
+            <p:extLst>
+              <p:ext uri="{D42A27DB-BD31-4B8C-83A1-F6EECF244321}">
+                <p14:modId xmlns:p14="http://schemas.microsoft.com/office/powerpoint/2010/main" val="1938841416"/>
+              </p:ext>
+            </p:extLst>
+          </p:nvPr>
+        </p:nvGraphicFramePr>
+        <p:xfrm>
+          <a:off x="2500746" y="1649125"/>
+          <a:ext cx="10515600" cy="4351338"/>
+        </p:xfrm>
+        <a:graphic>
+          <a:graphicData uri="http://schemas.openxmlformats.org/drawingml/2006/diagram">
+            <dgm:relIds xmlns:dgm="http://schemas.openxmlformats.org/drawingml/2006/diagram" xmlns:r="http://schemas.openxmlformats.org/officeDocument/2006/relationships" r:dm="rId4" r:lo="rId5" r:qs="rId6" r:cs="rId7"/>
+          </a:graphicData>
+        </a:graphic>
+      </p:graphicFrame>
+      <p:sp>
+        <p:nvSpPr>
+          <p:cNvPr id="5" name="TextBox 4"/>
+          <p:cNvSpPr txBox="1"/>
+          <p:nvPr/>
+        </p:nvSpPr>
+        <p:spPr>
+          <a:xfrm>
+            <a:off x="838200" y="2078181"/>
+            <a:ext cx="5146964" cy="1754326"/>
+          </a:xfrm>
+          <a:prstGeom prst="rect">
+            <a:avLst/>
+          </a:prstGeom>
+          <a:noFill/>
+        </p:spPr>
+        <p:txBody>
+          <a:bodyPr wrap="square" rtlCol="0">
+            <a:spAutoFit/>
+          </a:bodyPr>
+          <a:lstStyle/>
+          <a:p>
+            <a:pPr marL="285750" indent="-285750">
+              <a:buFont typeface="Arial" panose="020B0604020202020204" pitchFamily="34" charset="0"/>
+              <a:buChar char="•"/>
+            </a:pPr>
+            <a:r>
+              <a:rPr lang="en-US" sz="3600" dirty="0" smtClean="0"/>
+              <a:t>Separation of concerns</a:t>
+            </a:r>
+          </a:p>
+          <a:p>
+            <a:pPr marL="285750" indent="-285750">
+              <a:buFont typeface="Arial" panose="020B0604020202020204" pitchFamily="34" charset="0"/>
+              <a:buChar char="•"/>
+            </a:pPr>
+            <a:r>
+              <a:rPr lang="en-US" sz="3600" dirty="0" smtClean="0"/>
+              <a:t>Methods put in classes that make logical sense</a:t>
+            </a:r>
+            <a:endParaRPr lang="en-US" sz="3600" dirty="0"/>
+          </a:p>
+        </p:txBody>
+      </p:sp>
+    </p:spTree>
+    <p:extLst>
+      <p:ext uri="{BB962C8B-B14F-4D97-AF65-F5344CB8AC3E}">
+        <p14:creationId xmlns:p14="http://schemas.microsoft.com/office/powerpoint/2010/main" val="804873909"/>
+      </p:ext>
+    </p:extLst>
+  </p:cSld>
+  <p:clrMapOvr>
+    <a:masterClrMapping/>
+  </p:clrMapOvr>
+  <p:timing>
+    <p:tnLst>
+      <p:par>
+        <p:cTn id="1" dur="indefinite" restart="never" nodeType="tmRoot"/>
+      </p:par>
+    </p:tnLst>
   </p:timing>
 </p:sld>
 </file>
